--- a/JSON in Python.pptx
+++ b/JSON in Python.pptx
@@ -6,15 +6,20 @@
   </p:sldMasterIdLst>
   <p:sldIdLst>
     <p:sldId id="257" r:id="rId2"/>
-    <p:sldId id="258" r:id="rId3"/>
-    <p:sldId id="259" r:id="rId4"/>
-    <p:sldId id="261" r:id="rId5"/>
-    <p:sldId id="265" r:id="rId6"/>
-    <p:sldId id="262" r:id="rId7"/>
-    <p:sldId id="263" r:id="rId8"/>
-    <p:sldId id="266" r:id="rId9"/>
-    <p:sldId id="264" r:id="rId10"/>
-    <p:sldId id="267" r:id="rId11"/>
+    <p:sldId id="269" r:id="rId3"/>
+    <p:sldId id="270" r:id="rId4"/>
+    <p:sldId id="271" r:id="rId5"/>
+    <p:sldId id="262" r:id="rId6"/>
+    <p:sldId id="263" r:id="rId7"/>
+    <p:sldId id="266" r:id="rId8"/>
+    <p:sldId id="273" r:id="rId9"/>
+    <p:sldId id="274" r:id="rId10"/>
+    <p:sldId id="275" r:id="rId11"/>
+    <p:sldId id="278" r:id="rId12"/>
+    <p:sldId id="279" r:id="rId13"/>
+    <p:sldId id="277" r:id="rId14"/>
+    <p:sldId id="280" r:id="rId15"/>
+    <p:sldId id="276" r:id="rId16"/>
   </p:sldIdLst>
   <p:sldSz cx="9144000" cy="6858000" type="screen4x3"/>
   <p:notesSz cx="6858000" cy="9144000"/>
@@ -298,7 +303,7 @@
             <a:fld id="{C2A0A342-83B3-4E8C-A810-93690754AE7F}" type="datetimeFigureOut">
               <a:rPr lang="en-US" smtClean="0"/>
               <a:pPr/>
-              <a:t>21-Apr-20</a:t>
+              <a:t>29-Apr-20</a:t>
             </a:fld>
             <a:endParaRPr lang="en-US"/>
           </a:p>
@@ -465,7 +470,7 @@
             <a:fld id="{C2A0A342-83B3-4E8C-A810-93690754AE7F}" type="datetimeFigureOut">
               <a:rPr lang="en-US" smtClean="0"/>
               <a:pPr/>
-              <a:t>21-Apr-20</a:t>
+              <a:t>29-Apr-20</a:t>
             </a:fld>
             <a:endParaRPr lang="en-US"/>
           </a:p>
@@ -642,7 +647,7 @@
             <a:fld id="{C2A0A342-83B3-4E8C-A810-93690754AE7F}" type="datetimeFigureOut">
               <a:rPr lang="en-US" smtClean="0"/>
               <a:pPr/>
-              <a:t>21-Apr-20</a:t>
+              <a:t>29-Apr-20</a:t>
             </a:fld>
             <a:endParaRPr lang="en-US"/>
           </a:p>
@@ -809,7 +814,7 @@
             <a:fld id="{C2A0A342-83B3-4E8C-A810-93690754AE7F}" type="datetimeFigureOut">
               <a:rPr lang="en-US" smtClean="0"/>
               <a:pPr/>
-              <a:t>21-Apr-20</a:t>
+              <a:t>29-Apr-20</a:t>
             </a:fld>
             <a:endParaRPr lang="en-US"/>
           </a:p>
@@ -1052,7 +1057,7 @@
             <a:fld id="{C2A0A342-83B3-4E8C-A810-93690754AE7F}" type="datetimeFigureOut">
               <a:rPr lang="en-US" smtClean="0"/>
               <a:pPr/>
-              <a:t>21-Apr-20</a:t>
+              <a:t>29-Apr-20</a:t>
             </a:fld>
             <a:endParaRPr lang="en-US"/>
           </a:p>
@@ -1337,7 +1342,7 @@
             <a:fld id="{C2A0A342-83B3-4E8C-A810-93690754AE7F}" type="datetimeFigureOut">
               <a:rPr lang="en-US" smtClean="0"/>
               <a:pPr/>
-              <a:t>21-Apr-20</a:t>
+              <a:t>29-Apr-20</a:t>
             </a:fld>
             <a:endParaRPr lang="en-US"/>
           </a:p>
@@ -1756,7 +1761,7 @@
             <a:fld id="{C2A0A342-83B3-4E8C-A810-93690754AE7F}" type="datetimeFigureOut">
               <a:rPr lang="en-US" smtClean="0"/>
               <a:pPr/>
-              <a:t>21-Apr-20</a:t>
+              <a:t>29-Apr-20</a:t>
             </a:fld>
             <a:endParaRPr lang="en-US"/>
           </a:p>
@@ -1871,7 +1876,7 @@
             <a:fld id="{C2A0A342-83B3-4E8C-A810-93690754AE7F}" type="datetimeFigureOut">
               <a:rPr lang="en-US" smtClean="0"/>
               <a:pPr/>
-              <a:t>21-Apr-20</a:t>
+              <a:t>29-Apr-20</a:t>
             </a:fld>
             <a:endParaRPr lang="en-US"/>
           </a:p>
@@ -1963,7 +1968,7 @@
             <a:fld id="{C2A0A342-83B3-4E8C-A810-93690754AE7F}" type="datetimeFigureOut">
               <a:rPr lang="en-US" smtClean="0"/>
               <a:pPr/>
-              <a:t>21-Apr-20</a:t>
+              <a:t>29-Apr-20</a:t>
             </a:fld>
             <a:endParaRPr lang="en-US"/>
           </a:p>
@@ -2237,7 +2242,7 @@
             <a:fld id="{C2A0A342-83B3-4E8C-A810-93690754AE7F}" type="datetimeFigureOut">
               <a:rPr lang="en-US" smtClean="0"/>
               <a:pPr/>
-              <a:t>21-Apr-20</a:t>
+              <a:t>29-Apr-20</a:t>
             </a:fld>
             <a:endParaRPr lang="en-US"/>
           </a:p>
@@ -2487,7 +2492,7 @@
             <a:fld id="{C2A0A342-83B3-4E8C-A810-93690754AE7F}" type="datetimeFigureOut">
               <a:rPr lang="en-US" smtClean="0"/>
               <a:pPr/>
-              <a:t>21-Apr-20</a:t>
+              <a:t>29-Apr-20</a:t>
             </a:fld>
             <a:endParaRPr lang="en-US"/>
           </a:p>
@@ -2548,9 +2553,14 @@
 <p:sldMaster xmlns:a="http://schemas.openxmlformats.org/drawingml/2006/main" xmlns:r="http://schemas.openxmlformats.org/officeDocument/2006/relationships" xmlns:p="http://schemas.openxmlformats.org/presentationml/2006/main">
   <p:cSld>
     <p:bg>
-      <p:bgRef idx="1001">
-        <a:schemeClr val="bg1"/>
-      </p:bgRef>
+      <p:bgPr>
+        <a:solidFill>
+          <a:srgbClr val="92D050">
+            <a:alpha val="32000"/>
+          </a:srgbClr>
+        </a:solidFill>
+        <a:effectLst/>
+      </p:bgPr>
     </p:bg>
     <p:spTree>
       <p:nvGrpSpPr>
@@ -2697,7 +2707,7 @@
             <a:fld id="{C2A0A342-83B3-4E8C-A810-93690754AE7F}" type="datetimeFigureOut">
               <a:rPr lang="en-US" smtClean="0"/>
               <a:pPr/>
-              <a:t>21-Apr-20</a:t>
+              <a:t>29-Apr-20</a:t>
             </a:fld>
             <a:endParaRPr lang="en-US"/>
           </a:p>
@@ -3174,87 +3184,55 @@
                 <a:latin typeface="Times New Roman" pitchFamily="18" charset="0"/>
                 <a:cs typeface="Times New Roman" pitchFamily="18" charset="0"/>
               </a:rPr>
-              <a:t>data</a:t>
-            </a:r>
-          </a:p>
-          <a:p>
+              <a:t>data JSON is a syntax for storing</a:t>
+            </a:r>
+            <a:r>
+              <a:rPr lang="en-US" sz="2000" dirty="0" smtClean="0"/>
+              <a:t> Lists</a:t>
+            </a:r>
             <a:r>
               <a:rPr lang="en-US" sz="2000" dirty="0" smtClean="0">
                 <a:latin typeface="Times New Roman" pitchFamily="18" charset="0"/>
                 <a:cs typeface="Times New Roman" pitchFamily="18" charset="0"/>
               </a:rPr>
-              <a:t>JSON is a syntax for </a:t>
+              <a:t>, </a:t>
+            </a:r>
+            <a:r>
+              <a:rPr lang="en-US" sz="2000" dirty="0" err="1" smtClean="0">
+                <a:latin typeface="Times New Roman" pitchFamily="18" charset="0"/>
+                <a:cs typeface="Times New Roman" pitchFamily="18" charset="0"/>
+              </a:rPr>
+              <a:t>bools</a:t>
             </a:r>
             <a:r>
               <a:rPr lang="en-US" sz="2000" dirty="0" smtClean="0">
                 <a:latin typeface="Times New Roman" pitchFamily="18" charset="0"/>
                 <a:cs typeface="Times New Roman" pitchFamily="18" charset="0"/>
               </a:rPr>
-              <a:t>storing</a:t>
-            </a:r>
-            <a:r>
-              <a:rPr lang="en-US" sz="2000" dirty="0" smtClean="0"/>
-              <a:t> </a:t>
-            </a:r>
-            <a:r>
-              <a:rPr lang="en-US" sz="2000" dirty="0" smtClean="0"/>
-              <a:t>Lists</a:t>
+              <a:t>, numbers, </a:t>
+            </a:r>
+            <a:r>
+              <a:rPr lang="en-US" sz="2000" dirty="0" err="1" smtClean="0">
+                <a:latin typeface="Times New Roman" pitchFamily="18" charset="0"/>
+                <a:cs typeface="Times New Roman" pitchFamily="18" charset="0"/>
+              </a:rPr>
+              <a:t>tuples</a:t>
             </a:r>
             <a:r>
               <a:rPr lang="en-US" sz="2000" dirty="0" smtClean="0">
                 <a:latin typeface="Times New Roman" pitchFamily="18" charset="0"/>
                 <a:cs typeface="Times New Roman" pitchFamily="18" charset="0"/>
               </a:rPr>
-              <a:t>, </a:t>
-            </a:r>
-            <a:r>
-              <a:rPr lang="en-US" sz="2000" dirty="0" err="1" smtClean="0">
-                <a:latin typeface="Times New Roman" pitchFamily="18" charset="0"/>
-                <a:cs typeface="Times New Roman" pitchFamily="18" charset="0"/>
-              </a:rPr>
-              <a:t>bools</a:t>
-            </a:r>
+              <a:t> and dictionaries and exchanging data.</a:t>
+            </a:r>
+          </a:p>
+          <a:p>
             <a:r>
               <a:rPr lang="en-US" sz="2000" dirty="0" smtClean="0">
                 <a:latin typeface="Times New Roman" pitchFamily="18" charset="0"/>
                 <a:cs typeface="Times New Roman" pitchFamily="18" charset="0"/>
               </a:rPr>
-              <a:t>, numbers, </a:t>
-            </a:r>
-            <a:r>
-              <a:rPr lang="en-US" sz="2000" dirty="0" err="1" smtClean="0">
-                <a:latin typeface="Times New Roman" pitchFamily="18" charset="0"/>
-                <a:cs typeface="Times New Roman" pitchFamily="18" charset="0"/>
-              </a:rPr>
-              <a:t>tuples</a:t>
-            </a:r>
-            <a:r>
-              <a:rPr lang="en-US" sz="2000" dirty="0" smtClean="0">
-                <a:latin typeface="Times New Roman" pitchFamily="18" charset="0"/>
-                <a:cs typeface="Times New Roman" pitchFamily="18" charset="0"/>
-              </a:rPr>
-              <a:t> and </a:t>
-            </a:r>
-            <a:r>
-              <a:rPr lang="en-US" sz="2000" dirty="0" smtClean="0">
-                <a:latin typeface="Times New Roman" pitchFamily="18" charset="0"/>
-                <a:cs typeface="Times New Roman" pitchFamily="18" charset="0"/>
-              </a:rPr>
-              <a:t>dictionaries</a:t>
-            </a:r>
-            <a:r>
-              <a:rPr lang="en-US" sz="2000" dirty="0" smtClean="0">
-                <a:latin typeface="Times New Roman" pitchFamily="18" charset="0"/>
-                <a:cs typeface="Times New Roman" pitchFamily="18" charset="0"/>
-              </a:rPr>
-              <a:t> </a:t>
-            </a:r>
-            <a:r>
-              <a:rPr lang="en-US" sz="2000" dirty="0" smtClean="0">
-                <a:latin typeface="Times New Roman" pitchFamily="18" charset="0"/>
-                <a:cs typeface="Times New Roman" pitchFamily="18" charset="0"/>
-              </a:rPr>
-              <a:t>and exchanging data.</a:t>
+              <a:t>Encode Python objects as JSON strings, and decode JSON strings into Python objects</a:t>
             </a:r>
           </a:p>
           <a:p>
@@ -3444,10 +3422,259 @@
             <p:ph type="title"/>
           </p:nvPr>
         </p:nvSpPr>
+        <p:spPr/>
+        <p:txBody>
+          <a:bodyPr>
+            <a:normAutofit/>
+          </a:bodyPr>
+          <a:lstStyle/>
+          <a:p>
+            <a:r>
+              <a:rPr lang="en-US" dirty="0" smtClean="0"/>
+              <a:t>   </a:t>
+            </a:r>
+            <a:endParaRPr lang="en-US" dirty="0"/>
+          </a:p>
+        </p:txBody>
+      </p:sp>
+      <p:sp>
+        <p:nvSpPr>
+          <p:cNvPr id="3" name="Content Placeholder 2"/>
+          <p:cNvSpPr>
+            <a:spLocks noGrp="1"/>
+          </p:cNvSpPr>
+          <p:nvPr>
+            <p:ph idx="1"/>
+          </p:nvPr>
+        </p:nvSpPr>
+        <p:spPr/>
+        <p:txBody>
+          <a:bodyPr>
+            <a:normAutofit fontScale="92500" lnSpcReduction="10000"/>
+          </a:bodyPr>
+          <a:lstStyle/>
+          <a:p>
+            <a:pPr>
+              <a:buNone/>
+            </a:pPr>
+            <a:r>
+              <a:rPr lang="en-US" sz="2000" dirty="0" smtClean="0">
+                <a:solidFill>
+                  <a:srgbClr val="FF0000"/>
+                </a:solidFill>
+              </a:rPr>
+              <a:t>import </a:t>
+            </a:r>
+            <a:r>
+              <a:rPr lang="en-US" sz="2000" dirty="0" err="1" smtClean="0">
+                <a:solidFill>
+                  <a:srgbClr val="FF0000"/>
+                </a:solidFill>
+              </a:rPr>
+              <a:t>json</a:t>
+            </a:r>
+            <a:endParaRPr lang="en-US" sz="2000" dirty="0" smtClean="0">
+              <a:solidFill>
+                <a:srgbClr val="FF0000"/>
+              </a:solidFill>
+            </a:endParaRPr>
+          </a:p>
+          <a:p>
+            <a:endParaRPr lang="en-US" sz="2000" dirty="0" smtClean="0">
+              <a:solidFill>
+                <a:srgbClr val="FF0000"/>
+              </a:solidFill>
+            </a:endParaRPr>
+          </a:p>
+          <a:p>
+            <a:pPr>
+              <a:buNone/>
+            </a:pPr>
+            <a:r>
+              <a:rPr lang="en-US" sz="2000" dirty="0" smtClean="0">
+                <a:solidFill>
+                  <a:srgbClr val="FF0000"/>
+                </a:solidFill>
+              </a:rPr>
+              <a:t># some JSON </a:t>
+            </a:r>
+            <a:r>
+              <a:rPr lang="en-US" sz="2000" dirty="0" err="1" smtClean="0">
+                <a:solidFill>
+                  <a:srgbClr val="FF0000"/>
+                </a:solidFill>
+              </a:rPr>
+              <a:t>boolean</a:t>
+            </a:r>
+            <a:r>
+              <a:rPr lang="en-US" sz="2000" dirty="0" smtClean="0">
+                <a:solidFill>
+                  <a:srgbClr val="FF0000"/>
+                </a:solidFill>
+              </a:rPr>
+              <a:t>  , null value , array:</a:t>
+            </a:r>
+          </a:p>
+          <a:p>
+            <a:pPr>
+              <a:buNone/>
+            </a:pPr>
+            <a:r>
+              <a:rPr lang="en-US" sz="2000" dirty="0" smtClean="0">
+                <a:solidFill>
+                  <a:srgbClr val="FF0000"/>
+                </a:solidFill>
+              </a:rPr>
+              <a:t>x = '{ "bool1":true, "bool2":false, "city":null, "array“ :[1,2,3]}'</a:t>
+            </a:r>
+          </a:p>
+          <a:p>
+            <a:pPr>
+              <a:buNone/>
+            </a:pPr>
+            <a:endParaRPr lang="en-US" sz="2000" dirty="0" smtClean="0">
+              <a:solidFill>
+                <a:srgbClr val="FF0000"/>
+              </a:solidFill>
+            </a:endParaRPr>
+          </a:p>
+          <a:p>
+            <a:pPr>
+              <a:buNone/>
+            </a:pPr>
+            <a:r>
+              <a:rPr lang="en-US" sz="2000" dirty="0" smtClean="0">
+                <a:solidFill>
+                  <a:srgbClr val="FF0000"/>
+                </a:solidFill>
+              </a:rPr>
+              <a:t># parse x:</a:t>
+            </a:r>
+          </a:p>
+          <a:p>
+            <a:pPr>
+              <a:buNone/>
+            </a:pPr>
+            <a:r>
+              <a:rPr lang="en-US" sz="2000" dirty="0" smtClean="0">
+                <a:solidFill>
+                  <a:srgbClr val="FF0000"/>
+                </a:solidFill>
+              </a:rPr>
+              <a:t>y = json.loads (x)</a:t>
+            </a:r>
+          </a:p>
+          <a:p>
+            <a:endParaRPr lang="en-US" sz="2000" dirty="0" smtClean="0">
+              <a:solidFill>
+                <a:srgbClr val="FF0000"/>
+              </a:solidFill>
+            </a:endParaRPr>
+          </a:p>
+          <a:p>
+            <a:pPr>
+              <a:buNone/>
+            </a:pPr>
+            <a:r>
+              <a:rPr lang="en-US" sz="2000" dirty="0" smtClean="0">
+                <a:solidFill>
+                  <a:srgbClr val="FF0000"/>
+                </a:solidFill>
+              </a:rPr>
+              <a:t># the result is a Python dictionary:</a:t>
+            </a:r>
+          </a:p>
+          <a:p>
+            <a:pPr>
+              <a:buNone/>
+            </a:pPr>
+            <a:r>
+              <a:rPr lang="en-US" sz="2000" dirty="0" smtClean="0">
+                <a:solidFill>
+                  <a:srgbClr val="FF0000"/>
+                </a:solidFill>
+              </a:rPr>
+              <a:t>print(y)</a:t>
+            </a:r>
+          </a:p>
+          <a:p>
+            <a:pPr>
+              <a:buNone/>
+            </a:pPr>
+            <a:endParaRPr lang="en-US" sz="2000" dirty="0" smtClean="0"/>
+          </a:p>
+          <a:p>
+            <a:pPr>
+              <a:buNone/>
+            </a:pPr>
+            <a:endParaRPr lang="en-US" sz="2000" dirty="0" smtClean="0"/>
+          </a:p>
+          <a:p>
+            <a:pPr>
+              <a:buNone/>
+            </a:pPr>
+            <a:r>
+              <a:rPr lang="en-US" sz="2000" dirty="0" smtClean="0"/>
+              <a:t>Output:</a:t>
+            </a:r>
+          </a:p>
+          <a:p>
+            <a:pPr>
+              <a:buNone/>
+            </a:pPr>
+            <a:r>
+              <a:rPr lang="en-US" sz="2000" dirty="0" smtClean="0">
+                <a:solidFill>
+                  <a:srgbClr val="00B0F0"/>
+                </a:solidFill>
+              </a:rPr>
+              <a:t>  {'bool1': True, 'bool2': False, 'city': None, 'array': [1, 2, 3]}</a:t>
+            </a:r>
+          </a:p>
+          <a:p>
+            <a:endParaRPr lang="en-US" sz="2000" dirty="0"/>
+          </a:p>
+        </p:txBody>
+      </p:sp>
+    </p:spTree>
+  </p:cSld>
+  <p:clrMapOvr>
+    <a:masterClrMapping/>
+  </p:clrMapOvr>
+</p:sld>
+</file>
+
+<file path=ppt/slides/slide11.xml><?xml version="1.0" encoding="utf-8"?>
+<p:sld xmlns:a="http://schemas.openxmlformats.org/drawingml/2006/main" xmlns:r="http://schemas.openxmlformats.org/officeDocument/2006/relationships" xmlns:p="http://schemas.openxmlformats.org/presentationml/2006/main">
+  <p:cSld>
+    <p:spTree>
+      <p:nvGrpSpPr>
+        <p:cNvPr id="1" name=""/>
+        <p:cNvGrpSpPr/>
+        <p:nvPr/>
+      </p:nvGrpSpPr>
+      <p:grpSpPr>
+        <a:xfrm>
+          <a:off x="0" y="0"/>
+          <a:ext cx="0" cy="0"/>
+          <a:chOff x="0" y="0"/>
+          <a:chExt cx="0" cy="0"/>
+        </a:xfrm>
+      </p:grpSpPr>
+      <p:sp>
+        <p:nvSpPr>
+          <p:cNvPr id="4" name="Title 3"/>
+          <p:cNvSpPr>
+            <a:spLocks noGrp="1"/>
+          </p:cNvSpPr>
+          <p:nvPr>
+            <p:ph type="title"/>
+          </p:nvPr>
+        </p:nvSpPr>
         <p:spPr>
           <a:xfrm>
-            <a:off x="457200" y="274638"/>
-            <a:ext cx="8229600" cy="487362"/>
+            <a:off x="457200" y="762000"/>
+            <a:ext cx="8229600" cy="655638"/>
           </a:xfrm>
         </p:spPr>
         <p:txBody>
@@ -3457,16 +3684,44 @@
           <a:lstStyle/>
           <a:p>
             <a:r>
-              <a:rPr lang="en-US" dirty="0" smtClean="0"/>
-              <a:t>   </a:t>
-            </a:r>
+              <a:rPr lang="en-US" sz="3100" u="sng" dirty="0" smtClean="0">
+                <a:solidFill>
+                  <a:srgbClr val="FF0000"/>
+                </a:solidFill>
+                <a:latin typeface="Times New Roman" pitchFamily="18" charset="0"/>
+                <a:cs typeface="Times New Roman" pitchFamily="18" charset="0"/>
+              </a:rPr>
+              <a:t>Writing JSON to a file</a:t>
+            </a:r>
+            <a:r>
+              <a:rPr lang="en-US" b="1" u="sng" dirty="0" smtClean="0">
+                <a:solidFill>
+                  <a:srgbClr val="FF0000"/>
+                </a:solidFill>
+              </a:rPr>
+              <a:t/>
+            </a:r>
+            <a:br>
+              <a:rPr lang="en-US" b="1" u="sng" dirty="0" smtClean="0">
+                <a:solidFill>
+                  <a:srgbClr val="FF0000"/>
+                </a:solidFill>
+              </a:rPr>
+            </a:br>
+            <a:r>
+              <a:rPr lang="en-US" b="1" dirty="0" smtClean="0"/>
+              <a:t/>
+            </a:r>
+            <a:br>
+              <a:rPr lang="en-US" b="1" dirty="0" smtClean="0"/>
+            </a:br>
             <a:endParaRPr lang="en-US" dirty="0"/>
           </a:p>
         </p:txBody>
       </p:sp>
       <p:sp>
         <p:nvSpPr>
-          <p:cNvPr id="3" name="Content Placeholder 2"/>
+          <p:cNvPr id="5" name="Content Placeholder 4"/>
           <p:cNvSpPr>
             <a:spLocks noGrp="1"/>
           </p:cNvSpPr>
@@ -3476,487 +3731,627 @@
         </p:nvSpPr>
         <p:spPr>
           <a:xfrm>
-            <a:off x="457200" y="762000"/>
-            <a:ext cx="8229600" cy="5364163"/>
+            <a:off x="457200" y="838200"/>
+            <a:ext cx="8229600" cy="5287963"/>
           </a:xfrm>
         </p:spPr>
         <p:txBody>
+          <a:bodyPr/>
+          <a:lstStyle/>
+          <a:p>
+            <a:r>
+              <a:rPr lang="en-US" sz="2000" dirty="0" smtClean="0"/>
+              <a:t>The </a:t>
+            </a:r>
+            <a:r>
+              <a:rPr lang="en-US" sz="2000" dirty="0" err="1" smtClean="0"/>
+              <a:t>json.dump</a:t>
+            </a:r>
+            <a:r>
+              <a:rPr lang="en-US" sz="2000" dirty="0" smtClean="0"/>
+              <a:t>() method (without “</a:t>
+            </a:r>
+            <a:r>
+              <a:rPr lang="en-US" sz="2000" b="1" dirty="0" smtClean="0"/>
+              <a:t>s</a:t>
+            </a:r>
+            <a:r>
+              <a:rPr lang="en-US" sz="2000" dirty="0" smtClean="0"/>
+              <a:t>” in “dump”) used to </a:t>
+            </a:r>
+            <a:r>
+              <a:rPr lang="en-US" sz="2000" b="1" dirty="0" smtClean="0"/>
+              <a:t>write Python serialized object as JSON formatted data into a file</a:t>
+            </a:r>
+            <a:r>
+              <a:rPr lang="en-US" sz="2000" dirty="0" smtClean="0"/>
+              <a:t>. The file type can be anything including text, JSON or even binary file.</a:t>
+            </a:r>
+          </a:p>
+          <a:p>
+            <a:r>
+              <a:rPr lang="en-US" sz="2000" dirty="0" smtClean="0"/>
+              <a:t>The </a:t>
+            </a:r>
+            <a:r>
+              <a:rPr lang="en-US" sz="2000" dirty="0" err="1" smtClean="0"/>
+              <a:t>json.dumps</a:t>
+            </a:r>
+            <a:r>
+              <a:rPr lang="en-US" sz="2000" dirty="0" smtClean="0"/>
+              <a:t>() method </a:t>
+            </a:r>
+            <a:r>
+              <a:rPr lang="en-US" sz="2000" b="1" dirty="0" smtClean="0"/>
+              <a:t>encodes any Python object into JSON formatted String</a:t>
+            </a:r>
+            <a:r>
+              <a:rPr lang="en-US" sz="2000" dirty="0" smtClean="0"/>
+              <a:t>.</a:t>
+            </a:r>
+          </a:p>
+          <a:p>
+            <a:endParaRPr lang="en-US" dirty="0"/>
+          </a:p>
+        </p:txBody>
+      </p:sp>
+      <p:pic>
+        <p:nvPicPr>
+          <p:cNvPr id="6" name="Picture 5" descr="JSON DUMP.jpg"/>
+          <p:cNvPicPr>
+            <a:picLocks noChangeAspect="1"/>
+          </p:cNvPicPr>
+          <p:nvPr/>
+        </p:nvPicPr>
+        <p:blipFill>
+          <a:blip r:embed="rId2"/>
+          <a:stretch>
+            <a:fillRect/>
+          </a:stretch>
+        </p:blipFill>
+        <p:spPr>
+          <a:xfrm>
+            <a:off x="685800" y="2743200"/>
+            <a:ext cx="7086600" cy="3523746"/>
+          </a:xfrm>
+          <a:prstGeom prst="rect">
+            <a:avLst/>
+          </a:prstGeom>
+        </p:spPr>
+      </p:pic>
+    </p:spTree>
+  </p:cSld>
+  <p:clrMapOvr>
+    <a:masterClrMapping/>
+  </p:clrMapOvr>
+</p:sld>
+</file>
+
+<file path=ppt/slides/slide12.xml><?xml version="1.0" encoding="utf-8"?>
+<p:sld xmlns:a="http://schemas.openxmlformats.org/drawingml/2006/main" xmlns:r="http://schemas.openxmlformats.org/officeDocument/2006/relationships" xmlns:p="http://schemas.openxmlformats.org/presentationml/2006/main">
+  <p:cSld>
+    <p:spTree>
+      <p:nvGrpSpPr>
+        <p:cNvPr id="1" name=""/>
+        <p:cNvGrpSpPr/>
+        <p:nvPr/>
+      </p:nvGrpSpPr>
+      <p:grpSpPr>
+        <a:xfrm>
+          <a:off x="0" y="0"/>
+          <a:ext cx="0" cy="0"/>
+          <a:chOff x="0" y="0"/>
+          <a:chExt cx="0" cy="0"/>
+        </a:xfrm>
+      </p:grpSpPr>
+      <p:sp>
+        <p:nvSpPr>
+          <p:cNvPr id="2" name="Title 1"/>
+          <p:cNvSpPr>
+            <a:spLocks noGrp="1"/>
+          </p:cNvSpPr>
+          <p:nvPr>
+            <p:ph type="title"/>
+          </p:nvPr>
+        </p:nvSpPr>
+        <p:spPr/>
+        <p:txBody>
+          <a:bodyPr/>
+          <a:lstStyle/>
+          <a:p>
+            <a:r>
+              <a:rPr lang="en-US" dirty="0" smtClean="0"/>
+              <a:t>        </a:t>
+            </a:r>
+            <a:endParaRPr lang="en-US" dirty="0"/>
+          </a:p>
+        </p:txBody>
+      </p:sp>
+      <p:sp>
+        <p:nvSpPr>
+          <p:cNvPr id="5" name="Content Placeholder 4"/>
+          <p:cNvSpPr>
+            <a:spLocks noGrp="1"/>
+          </p:cNvSpPr>
+          <p:nvPr>
+            <p:ph idx="1"/>
+          </p:nvPr>
+        </p:nvSpPr>
+        <p:spPr>
+          <a:xfrm>
+            <a:off x="457200" y="304800"/>
+            <a:ext cx="8229600" cy="5821363"/>
+          </a:xfrm>
+        </p:spPr>
+        <p:txBody>
+          <a:bodyPr/>
+          <a:lstStyle/>
+          <a:p>
+            <a:pPr fontAlgn="base"/>
+            <a:r>
+              <a:rPr lang="en-US" sz="1800" dirty="0" smtClean="0"/>
+              <a:t>It takes 2 parameters:</a:t>
+            </a:r>
+            <a:br>
+              <a:rPr lang="en-US" sz="1800" dirty="0" smtClean="0"/>
+            </a:br>
+            <a:r>
+              <a:rPr lang="en-US" sz="1800" b="1" dirty="0" smtClean="0"/>
+              <a:t> dictionary –</a:t>
+            </a:r>
+            <a:r>
+              <a:rPr lang="en-US" sz="1800" dirty="0" smtClean="0"/>
+              <a:t> name of dictionary which should be converted to JSON </a:t>
+            </a:r>
+            <a:r>
+              <a:rPr lang="en-US" sz="1800" dirty="0" smtClean="0"/>
+              <a:t>object.</a:t>
+            </a:r>
+          </a:p>
+          <a:p>
+            <a:pPr fontAlgn="base">
+              <a:buNone/>
+            </a:pPr>
+            <a:r>
+              <a:rPr lang="en-US" sz="1800" b="1" dirty="0" smtClean="0"/>
+              <a:t>        file </a:t>
+            </a:r>
+            <a:r>
+              <a:rPr lang="en-US" sz="1800" b="1" dirty="0" smtClean="0"/>
+              <a:t>pointer –</a:t>
+            </a:r>
+            <a:r>
+              <a:rPr lang="en-US" sz="1800" dirty="0" smtClean="0"/>
+              <a:t> pointer of the file opened in write or append mode</a:t>
+            </a:r>
+            <a:r>
+              <a:rPr lang="en-US" dirty="0" smtClean="0"/>
+              <a:t>.</a:t>
+            </a:r>
+          </a:p>
+          <a:p>
+            <a:pPr>
+              <a:buNone/>
+            </a:pPr>
+            <a:r>
+              <a:rPr lang="en-US" dirty="0" smtClean="0"/>
+              <a:t/>
+            </a:r>
+            <a:br>
+              <a:rPr lang="en-US" dirty="0" smtClean="0"/>
+            </a:br>
+            <a:endParaRPr lang="en-US" dirty="0"/>
+          </a:p>
+        </p:txBody>
+      </p:sp>
+      <p:pic>
+        <p:nvPicPr>
+          <p:cNvPr id="6" name="Picture 5" descr="JSON34.PNG"/>
+          <p:cNvPicPr>
+            <a:picLocks noChangeAspect="1"/>
+          </p:cNvPicPr>
+          <p:nvPr/>
+        </p:nvPicPr>
+        <p:blipFill>
+          <a:blip r:embed="rId2"/>
+          <a:stretch>
+            <a:fillRect/>
+          </a:stretch>
+        </p:blipFill>
+        <p:spPr>
+          <a:xfrm>
+            <a:off x="1066800" y="1905000"/>
+            <a:ext cx="6335010" cy="4420217"/>
+          </a:xfrm>
+          <a:prstGeom prst="rect">
+            <a:avLst/>
+          </a:prstGeom>
+        </p:spPr>
+      </p:pic>
+    </p:spTree>
+  </p:cSld>
+  <p:clrMapOvr>
+    <a:masterClrMapping/>
+  </p:clrMapOvr>
+</p:sld>
+</file>
+
+<file path=ppt/slides/slide13.xml><?xml version="1.0" encoding="utf-8"?>
+<p:sld xmlns:a="http://schemas.openxmlformats.org/drawingml/2006/main" xmlns:r="http://schemas.openxmlformats.org/officeDocument/2006/relationships" xmlns:p="http://schemas.openxmlformats.org/presentationml/2006/main">
+  <p:cSld>
+    <p:spTree>
+      <p:nvGrpSpPr>
+        <p:cNvPr id="1" name=""/>
+        <p:cNvGrpSpPr/>
+        <p:nvPr/>
+      </p:nvGrpSpPr>
+      <p:grpSpPr>
+        <a:xfrm>
+          <a:off x="0" y="0"/>
+          <a:ext cx="0" cy="0"/>
+          <a:chOff x="0" y="0"/>
+          <a:chExt cx="0" cy="0"/>
+        </a:xfrm>
+      </p:grpSpPr>
+      <p:sp>
+        <p:nvSpPr>
+          <p:cNvPr id="4" name="Title 3"/>
+          <p:cNvSpPr>
+            <a:spLocks noGrp="1"/>
+          </p:cNvSpPr>
+          <p:nvPr>
+            <p:ph type="title"/>
+          </p:nvPr>
+        </p:nvSpPr>
+        <p:spPr/>
+        <p:txBody>
           <a:bodyPr>
-            <a:normAutofit fontScale="85000" lnSpcReduction="20000"/>
+            <a:normAutofit fontScale="90000"/>
           </a:bodyPr>
           <a:lstStyle/>
           <a:p>
-            <a:pPr lvl="2">
+            <a:r>
+              <a:rPr lang="en-US" sz="3100" u="sng" dirty="0" smtClean="0">
+                <a:solidFill>
+                  <a:srgbClr val="FF0000"/>
+                </a:solidFill>
+                <a:latin typeface="Times New Roman" pitchFamily="18" charset="0"/>
+                <a:cs typeface="Times New Roman" pitchFamily="18" charset="0"/>
+              </a:rPr>
+              <a:t>Python read JSON file</a:t>
+            </a:r>
+            <a:r>
+              <a:rPr lang="en-US" b="1" dirty="0" smtClean="0"/>
+              <a:t/>
+            </a:r>
+            <a:br>
+              <a:rPr lang="en-US" b="1" dirty="0" smtClean="0"/>
+            </a:br>
+            <a:endParaRPr lang="en-US" dirty="0"/>
+          </a:p>
+        </p:txBody>
+      </p:sp>
+      <p:sp>
+        <p:nvSpPr>
+          <p:cNvPr id="5" name="Content Placeholder 4"/>
+          <p:cNvSpPr>
+            <a:spLocks noGrp="1"/>
+          </p:cNvSpPr>
+          <p:nvPr>
+            <p:ph idx="1"/>
+          </p:nvPr>
+        </p:nvSpPr>
+        <p:spPr>
+          <a:xfrm>
+            <a:off x="457200" y="990600"/>
+            <a:ext cx="8229600" cy="5135563"/>
+          </a:xfrm>
+        </p:spPr>
+        <p:txBody>
+          <a:bodyPr/>
+          <a:lstStyle/>
+          <a:p>
+            <a:r>
+              <a:rPr lang="en-US" sz="2000" dirty="0" err="1" smtClean="0"/>
+              <a:t>json.load</a:t>
+            </a:r>
+            <a:r>
+              <a:rPr lang="en-US" sz="2000" dirty="0" smtClean="0"/>
+              <a:t>() method (without “</a:t>
+            </a:r>
+            <a:r>
+              <a:rPr lang="en-US" sz="2000" b="1" dirty="0" smtClean="0"/>
+              <a:t>s</a:t>
+            </a:r>
+            <a:r>
+              <a:rPr lang="en-US" sz="2000" dirty="0" smtClean="0"/>
+              <a:t>” in “load”) used to </a:t>
+            </a:r>
+            <a:r>
+              <a:rPr lang="en-US" sz="2000" b="1" dirty="0" smtClean="0"/>
+              <a:t>read JSON encoded data from a file and convert it into Python dictionary</a:t>
+            </a:r>
+            <a:r>
+              <a:rPr lang="en-US" sz="2000" dirty="0" smtClean="0"/>
+              <a:t>.</a:t>
+            </a:r>
+          </a:p>
+          <a:p>
+            <a:r>
+              <a:rPr lang="en-US" sz="2000" dirty="0" err="1" smtClean="0"/>
+              <a:t>json.loads</a:t>
+            </a:r>
+            <a:r>
+              <a:rPr lang="en-US" sz="2000" dirty="0" smtClean="0"/>
+              <a:t>() method, which is used for </a:t>
+            </a:r>
+            <a:r>
+              <a:rPr lang="en-US" sz="2000" b="1" dirty="0" smtClean="0"/>
+              <a:t>parse valid JSON String into Python dictionary</a:t>
+            </a:r>
+            <a:r>
+              <a:rPr lang="en-US" sz="2000" dirty="0" smtClean="0"/>
+              <a:t>.</a:t>
+            </a:r>
+          </a:p>
+          <a:p>
+            <a:pPr>
               <a:buNone/>
             </a:pPr>
-            <a:r>
-              <a:rPr lang="en-US" dirty="0">
-                <a:solidFill>
-                  <a:schemeClr val="tx2"/>
-                </a:solidFill>
-              </a:rPr>
-              <a:t>{</a:t>
-            </a:r>
-            <a:r>
-              <a:rPr lang="en-US" dirty="0" smtClean="0">
-                <a:solidFill>
-                  <a:schemeClr val="tx2"/>
-                </a:solidFill>
-              </a:rPr>
-              <a:t/>
-            </a:r>
-            <a:br>
-              <a:rPr lang="en-US" dirty="0" smtClean="0">
-                <a:solidFill>
-                  <a:schemeClr val="tx2"/>
-                </a:solidFill>
-              </a:rPr>
-            </a:br>
-            <a:r>
-              <a:rPr lang="en-US" dirty="0">
-                <a:solidFill>
-                  <a:schemeClr val="tx2"/>
-                </a:solidFill>
-              </a:rPr>
-              <a:t>    "age": 30,</a:t>
-            </a:r>
-            <a:r>
-              <a:rPr lang="en-US" dirty="0" smtClean="0">
-                <a:solidFill>
-                  <a:schemeClr val="tx2"/>
-                </a:solidFill>
-              </a:rPr>
-              <a:t/>
-            </a:r>
-            <a:br>
-              <a:rPr lang="en-US" dirty="0" smtClean="0">
-                <a:solidFill>
-                  <a:schemeClr val="tx2"/>
-                </a:solidFill>
-              </a:rPr>
-            </a:br>
-            <a:r>
-              <a:rPr lang="en-US" dirty="0">
-                <a:solidFill>
-                  <a:schemeClr val="tx2"/>
-                </a:solidFill>
-              </a:rPr>
-              <a:t>    "cars": [</a:t>
-            </a:r>
-            <a:r>
-              <a:rPr lang="en-US" dirty="0" smtClean="0">
-                <a:solidFill>
-                  <a:schemeClr val="tx2"/>
-                </a:solidFill>
-              </a:rPr>
-              <a:t/>
-            </a:r>
-            <a:br>
-              <a:rPr lang="en-US" dirty="0" smtClean="0">
-                <a:solidFill>
-                  <a:schemeClr val="tx2"/>
-                </a:solidFill>
-              </a:rPr>
-            </a:br>
-            <a:r>
-              <a:rPr lang="en-US" dirty="0">
-                <a:solidFill>
-                  <a:schemeClr val="tx2"/>
-                </a:solidFill>
-              </a:rPr>
-              <a:t>        {</a:t>
-            </a:r>
-            <a:r>
-              <a:rPr lang="en-US" dirty="0" smtClean="0">
-                <a:solidFill>
-                  <a:schemeClr val="tx2"/>
-                </a:solidFill>
-              </a:rPr>
-              <a:t/>
-            </a:r>
-            <a:br>
-              <a:rPr lang="en-US" dirty="0" smtClean="0">
-                <a:solidFill>
-                  <a:schemeClr val="tx2"/>
-                </a:solidFill>
-              </a:rPr>
-            </a:br>
-            <a:r>
-              <a:rPr lang="en-US" dirty="0">
-                <a:solidFill>
-                  <a:schemeClr val="tx2"/>
-                </a:solidFill>
-              </a:rPr>
-              <a:t>            "model": "BMW 230",</a:t>
-            </a:r>
-            <a:r>
-              <a:rPr lang="en-US" dirty="0" smtClean="0">
-                <a:solidFill>
-                  <a:schemeClr val="tx2"/>
-                </a:solidFill>
-              </a:rPr>
-              <a:t/>
-            </a:r>
-            <a:br>
-              <a:rPr lang="en-US" dirty="0" smtClean="0">
-                <a:solidFill>
-                  <a:schemeClr val="tx2"/>
-                </a:solidFill>
-              </a:rPr>
-            </a:br>
-            <a:r>
-              <a:rPr lang="en-US" dirty="0">
-                <a:solidFill>
-                  <a:schemeClr val="tx2"/>
-                </a:solidFill>
-              </a:rPr>
-              <a:t>            "mpg": 27.5</a:t>
-            </a:r>
-            <a:r>
-              <a:rPr lang="en-US" dirty="0" smtClean="0">
-                <a:solidFill>
-                  <a:schemeClr val="tx2"/>
-                </a:solidFill>
-              </a:rPr>
-              <a:t/>
-            </a:r>
-            <a:br>
-              <a:rPr lang="en-US" dirty="0" smtClean="0">
-                <a:solidFill>
-                  <a:schemeClr val="tx2"/>
-                </a:solidFill>
-              </a:rPr>
-            </a:br>
-            <a:r>
-              <a:rPr lang="en-US" dirty="0">
-                <a:solidFill>
-                  <a:schemeClr val="tx2"/>
-                </a:solidFill>
-              </a:rPr>
-              <a:t>        },</a:t>
-            </a:r>
-            <a:r>
-              <a:rPr lang="en-US" dirty="0" smtClean="0">
-                <a:solidFill>
-                  <a:schemeClr val="tx2"/>
-                </a:solidFill>
-              </a:rPr>
-              <a:t/>
-            </a:r>
-            <a:br>
-              <a:rPr lang="en-US" dirty="0" smtClean="0">
-                <a:solidFill>
-                  <a:schemeClr val="tx2"/>
-                </a:solidFill>
-              </a:rPr>
-            </a:br>
-            <a:r>
-              <a:rPr lang="en-US" dirty="0">
-                <a:solidFill>
-                  <a:schemeClr val="tx2"/>
-                </a:solidFill>
-              </a:rPr>
-              <a:t>        {</a:t>
-            </a:r>
-            <a:r>
-              <a:rPr lang="en-US" dirty="0" smtClean="0">
-                <a:solidFill>
-                  <a:schemeClr val="tx2"/>
-                </a:solidFill>
-              </a:rPr>
-              <a:t/>
-            </a:r>
-            <a:br>
-              <a:rPr lang="en-US" dirty="0" smtClean="0">
-                <a:solidFill>
-                  <a:schemeClr val="tx2"/>
-                </a:solidFill>
-              </a:rPr>
-            </a:br>
-            <a:r>
-              <a:rPr lang="en-US" dirty="0">
-                <a:solidFill>
-                  <a:schemeClr val="tx2"/>
-                </a:solidFill>
-              </a:rPr>
-              <a:t>            "model": "Ford Edge",</a:t>
-            </a:r>
-            <a:r>
-              <a:rPr lang="en-US" dirty="0" smtClean="0">
-                <a:solidFill>
-                  <a:schemeClr val="tx2"/>
-                </a:solidFill>
-              </a:rPr>
-              <a:t/>
-            </a:r>
-            <a:br>
-              <a:rPr lang="en-US" dirty="0" smtClean="0">
-                <a:solidFill>
-                  <a:schemeClr val="tx2"/>
-                </a:solidFill>
-              </a:rPr>
-            </a:br>
-            <a:r>
-              <a:rPr lang="en-US" dirty="0">
-                <a:solidFill>
-                  <a:schemeClr val="tx2"/>
-                </a:solidFill>
-              </a:rPr>
-              <a:t>            "mpg": 24.1</a:t>
-            </a:r>
-            <a:r>
-              <a:rPr lang="en-US" dirty="0" smtClean="0">
-                <a:solidFill>
-                  <a:schemeClr val="tx2"/>
-                </a:solidFill>
-              </a:rPr>
-              <a:t/>
-            </a:r>
-            <a:br>
-              <a:rPr lang="en-US" dirty="0" smtClean="0">
-                <a:solidFill>
-                  <a:schemeClr val="tx2"/>
-                </a:solidFill>
-              </a:rPr>
-            </a:br>
-            <a:r>
-              <a:rPr lang="en-US" dirty="0">
-                <a:solidFill>
-                  <a:schemeClr val="tx2"/>
-                </a:solidFill>
-              </a:rPr>
-              <a:t>        }</a:t>
-            </a:r>
-            <a:r>
-              <a:rPr lang="en-US" dirty="0" smtClean="0">
-                <a:solidFill>
-                  <a:schemeClr val="tx2"/>
-                </a:solidFill>
-              </a:rPr>
-              <a:t/>
-            </a:r>
-            <a:br>
-              <a:rPr lang="en-US" dirty="0" smtClean="0">
-                <a:solidFill>
-                  <a:schemeClr val="tx2"/>
-                </a:solidFill>
-              </a:rPr>
-            </a:br>
-            <a:r>
-              <a:rPr lang="en-US" dirty="0">
-                <a:solidFill>
-                  <a:schemeClr val="tx2"/>
-                </a:solidFill>
-              </a:rPr>
-              <a:t>    ],</a:t>
-            </a:r>
-            <a:r>
-              <a:rPr lang="en-US" dirty="0" smtClean="0">
-                <a:solidFill>
-                  <a:schemeClr val="tx2"/>
-                </a:solidFill>
-              </a:rPr>
-              <a:t/>
-            </a:r>
-            <a:br>
-              <a:rPr lang="en-US" dirty="0" smtClean="0">
-                <a:solidFill>
-                  <a:schemeClr val="tx2"/>
-                </a:solidFill>
-              </a:rPr>
-            </a:br>
-            <a:r>
-              <a:rPr lang="en-US" dirty="0">
-                <a:solidFill>
-                  <a:schemeClr val="tx2"/>
-                </a:solidFill>
-              </a:rPr>
-              <a:t>    "children": [</a:t>
-            </a:r>
-            <a:r>
-              <a:rPr lang="en-US" dirty="0" smtClean="0">
-                <a:solidFill>
-                  <a:schemeClr val="tx2"/>
-                </a:solidFill>
-              </a:rPr>
-              <a:t/>
-            </a:r>
-            <a:br>
-              <a:rPr lang="en-US" dirty="0" smtClean="0">
-                <a:solidFill>
-                  <a:schemeClr val="tx2"/>
-                </a:solidFill>
-              </a:rPr>
-            </a:br>
-            <a:r>
-              <a:rPr lang="en-US" dirty="0">
-                <a:solidFill>
-                  <a:schemeClr val="tx2"/>
-                </a:solidFill>
-              </a:rPr>
-              <a:t>        "Ann",</a:t>
-            </a:r>
-            <a:r>
-              <a:rPr lang="en-US" dirty="0" smtClean="0">
-                <a:solidFill>
-                  <a:schemeClr val="tx2"/>
-                </a:solidFill>
-              </a:rPr>
-              <a:t/>
-            </a:r>
-            <a:br>
-              <a:rPr lang="en-US" dirty="0" smtClean="0">
-                <a:solidFill>
-                  <a:schemeClr val="tx2"/>
-                </a:solidFill>
-              </a:rPr>
-            </a:br>
-            <a:r>
-              <a:rPr lang="en-US" dirty="0">
-                <a:solidFill>
-                  <a:schemeClr val="tx2"/>
-                </a:solidFill>
-              </a:rPr>
-              <a:t>        "Billy"</a:t>
-            </a:r>
-            <a:r>
-              <a:rPr lang="en-US" dirty="0" smtClean="0">
-                <a:solidFill>
-                  <a:schemeClr val="tx2"/>
-                </a:solidFill>
-              </a:rPr>
-              <a:t/>
-            </a:r>
-            <a:br>
-              <a:rPr lang="en-US" dirty="0" smtClean="0">
-                <a:solidFill>
-                  <a:schemeClr val="tx2"/>
-                </a:solidFill>
-              </a:rPr>
-            </a:br>
-            <a:r>
-              <a:rPr lang="en-US" dirty="0">
-                <a:solidFill>
-                  <a:schemeClr val="tx2"/>
-                </a:solidFill>
-              </a:rPr>
-              <a:t>    ],</a:t>
-            </a:r>
-            <a:r>
-              <a:rPr lang="en-US" dirty="0" smtClean="0">
-                <a:solidFill>
-                  <a:schemeClr val="tx2"/>
-                </a:solidFill>
-              </a:rPr>
-              <a:t/>
-            </a:r>
-            <a:br>
-              <a:rPr lang="en-US" dirty="0" smtClean="0">
-                <a:solidFill>
-                  <a:schemeClr val="tx2"/>
-                </a:solidFill>
-              </a:rPr>
-            </a:br>
-            <a:r>
-              <a:rPr lang="en-US" dirty="0">
-                <a:solidFill>
-                  <a:schemeClr val="tx2"/>
-                </a:solidFill>
-              </a:rPr>
-              <a:t>    "divorced": false,</a:t>
-            </a:r>
-            <a:r>
-              <a:rPr lang="en-US" dirty="0" smtClean="0">
-                <a:solidFill>
-                  <a:schemeClr val="tx2"/>
-                </a:solidFill>
-              </a:rPr>
-              <a:t/>
-            </a:r>
-            <a:br>
-              <a:rPr lang="en-US" dirty="0" smtClean="0">
-                <a:solidFill>
-                  <a:schemeClr val="tx2"/>
-                </a:solidFill>
-              </a:rPr>
-            </a:br>
-            <a:r>
-              <a:rPr lang="en-US" dirty="0">
-                <a:solidFill>
-                  <a:schemeClr val="tx2"/>
-                </a:solidFill>
-              </a:rPr>
-              <a:t>    "married": true,</a:t>
-            </a:r>
-            <a:r>
-              <a:rPr lang="en-US" dirty="0" smtClean="0">
-                <a:solidFill>
-                  <a:schemeClr val="tx2"/>
-                </a:solidFill>
-              </a:rPr>
-              <a:t/>
-            </a:r>
-            <a:br>
-              <a:rPr lang="en-US" dirty="0" smtClean="0">
-                <a:solidFill>
-                  <a:schemeClr val="tx2"/>
-                </a:solidFill>
-              </a:rPr>
-            </a:br>
-            <a:r>
-              <a:rPr lang="en-US" dirty="0">
-                <a:solidFill>
-                  <a:schemeClr val="tx2"/>
-                </a:solidFill>
-              </a:rPr>
-              <a:t>    "name": "John",</a:t>
-            </a:r>
-            <a:r>
-              <a:rPr lang="en-US" dirty="0" smtClean="0">
-                <a:solidFill>
-                  <a:schemeClr val="tx2"/>
-                </a:solidFill>
-              </a:rPr>
-              <a:t/>
-            </a:r>
-            <a:br>
-              <a:rPr lang="en-US" dirty="0" smtClean="0">
-                <a:solidFill>
-                  <a:schemeClr val="tx2"/>
-                </a:solidFill>
-              </a:rPr>
-            </a:br>
-            <a:r>
-              <a:rPr lang="en-US" dirty="0">
-                <a:solidFill>
-                  <a:schemeClr val="tx2"/>
-                </a:solidFill>
-              </a:rPr>
-              <a:t>    "pets": null</a:t>
-            </a:r>
-            <a:r>
-              <a:rPr lang="en-US" dirty="0" smtClean="0">
-                <a:solidFill>
-                  <a:schemeClr val="tx2"/>
-                </a:solidFill>
-              </a:rPr>
-              <a:t/>
-            </a:r>
-            <a:br>
-              <a:rPr lang="en-US" dirty="0" smtClean="0">
-                <a:solidFill>
-                  <a:schemeClr val="tx2"/>
-                </a:solidFill>
-              </a:rPr>
-            </a:br>
-            <a:r>
-              <a:rPr lang="en-US" dirty="0">
-                <a:solidFill>
-                  <a:schemeClr val="tx2"/>
-                </a:solidFill>
-              </a:rPr>
-              <a:t>}</a:t>
-            </a:r>
+            <a:endParaRPr lang="en-US" dirty="0"/>
+          </a:p>
+        </p:txBody>
+      </p:sp>
+      <p:pic>
+        <p:nvPicPr>
+          <p:cNvPr id="7" name="Picture 6" descr="JSON LOAD.jpg"/>
+          <p:cNvPicPr>
+            <a:picLocks noChangeAspect="1"/>
+          </p:cNvPicPr>
+          <p:nvPr/>
+        </p:nvPicPr>
+        <p:blipFill>
+          <a:blip r:embed="rId2"/>
+          <a:stretch>
+            <a:fillRect/>
+          </a:stretch>
+        </p:blipFill>
+        <p:spPr>
+          <a:xfrm>
+            <a:off x="838200" y="2514600"/>
+            <a:ext cx="6934200" cy="3667293"/>
+          </a:xfrm>
+          <a:prstGeom prst="rect">
+            <a:avLst/>
+          </a:prstGeom>
+        </p:spPr>
+      </p:pic>
+    </p:spTree>
+  </p:cSld>
+  <p:clrMapOvr>
+    <a:masterClrMapping/>
+  </p:clrMapOvr>
+</p:sld>
+</file>
+
+<file path=ppt/slides/slide14.xml><?xml version="1.0" encoding="utf-8"?>
+<p:sld xmlns:a="http://schemas.openxmlformats.org/drawingml/2006/main" xmlns:r="http://schemas.openxmlformats.org/officeDocument/2006/relationships" xmlns:p="http://schemas.openxmlformats.org/presentationml/2006/main">
+  <p:cSld>
+    <p:spTree>
+      <p:nvGrpSpPr>
+        <p:cNvPr id="1" name=""/>
+        <p:cNvGrpSpPr/>
+        <p:nvPr/>
+      </p:nvGrpSpPr>
+      <p:grpSpPr>
+        <a:xfrm>
+          <a:off x="0" y="0"/>
+          <a:ext cx="0" cy="0"/>
+          <a:chOff x="0" y="0"/>
+          <a:chExt cx="0" cy="0"/>
+        </a:xfrm>
+      </p:grpSpPr>
+      <p:sp>
+        <p:nvSpPr>
+          <p:cNvPr id="2" name="Title 1"/>
+          <p:cNvSpPr>
+            <a:spLocks noGrp="1"/>
+          </p:cNvSpPr>
+          <p:nvPr>
+            <p:ph type="title"/>
+          </p:nvPr>
+        </p:nvSpPr>
+        <p:spPr/>
+        <p:txBody>
+          <a:bodyPr/>
+          <a:lstStyle/>
+          <a:p>
+            <a:r>
+              <a:rPr lang="en-US" dirty="0" smtClean="0"/>
+              <a:t>    </a:t>
+            </a:r>
+            <a:endParaRPr lang="en-US" dirty="0"/>
+          </a:p>
+        </p:txBody>
+      </p:sp>
+      <p:sp>
+        <p:nvSpPr>
+          <p:cNvPr id="5" name="Content Placeholder 4"/>
+          <p:cNvSpPr>
+            <a:spLocks noGrp="1"/>
+          </p:cNvSpPr>
+          <p:nvPr>
+            <p:ph idx="1"/>
+          </p:nvPr>
+        </p:nvSpPr>
+        <p:spPr>
+          <a:xfrm>
+            <a:off x="457200" y="381000"/>
+            <a:ext cx="8229600" cy="5745163"/>
+          </a:xfrm>
+        </p:spPr>
+        <p:txBody>
+          <a:bodyPr/>
+          <a:lstStyle/>
+          <a:p>
+            <a:pPr fontAlgn="base"/>
+            <a:r>
+              <a:rPr lang="en-US" sz="1600" dirty="0" smtClean="0"/>
+              <a:t>It takes one parameter:</a:t>
+            </a:r>
+          </a:p>
+          <a:p>
+            <a:pPr fontAlgn="base"/>
+            <a:r>
+              <a:rPr lang="en-US" sz="1600" b="1" dirty="0" smtClean="0"/>
+              <a:t>File pointer:</a:t>
+            </a:r>
+            <a:r>
+              <a:rPr lang="en-US" sz="1600" dirty="0" smtClean="0"/>
+              <a:t> A file pointer that points to a JSON file.</a:t>
+            </a:r>
+          </a:p>
+          <a:p>
+            <a:pPr>
+              <a:buNone/>
+            </a:pPr>
+            <a:endParaRPr lang="en-US" dirty="0"/>
+          </a:p>
+        </p:txBody>
+      </p:sp>
+      <p:pic>
+        <p:nvPicPr>
+          <p:cNvPr id="6" name="Picture 5" descr="JSON56.PNG"/>
+          <p:cNvPicPr>
+            <a:picLocks noChangeAspect="1"/>
+          </p:cNvPicPr>
+          <p:nvPr/>
+        </p:nvPicPr>
+        <p:blipFill>
+          <a:blip r:embed="rId2"/>
+          <a:stretch>
+            <a:fillRect/>
+          </a:stretch>
+        </p:blipFill>
+        <p:spPr>
+          <a:xfrm>
+            <a:off x="533401" y="1276049"/>
+            <a:ext cx="8153400" cy="5200951"/>
+          </a:xfrm>
+          <a:prstGeom prst="rect">
+            <a:avLst/>
+          </a:prstGeom>
+        </p:spPr>
+      </p:pic>
+    </p:spTree>
+  </p:cSld>
+  <p:clrMapOvr>
+    <a:masterClrMapping/>
+  </p:clrMapOvr>
+</p:sld>
+</file>
+
+<file path=ppt/slides/slide15.xml><?xml version="1.0" encoding="utf-8"?>
+<p:sld xmlns:a="http://schemas.openxmlformats.org/drawingml/2006/main" xmlns:r="http://schemas.openxmlformats.org/officeDocument/2006/relationships" xmlns:p="http://schemas.openxmlformats.org/presentationml/2006/main">
+  <p:cSld>
+    <p:spTree>
+      <p:nvGrpSpPr>
+        <p:cNvPr id="1" name=""/>
+        <p:cNvGrpSpPr/>
+        <p:nvPr/>
+      </p:nvGrpSpPr>
+      <p:grpSpPr>
+        <a:xfrm>
+          <a:off x="0" y="0"/>
+          <a:ext cx="0" cy="0"/>
+          <a:chOff x="0" y="0"/>
+          <a:chExt cx="0" cy="0"/>
+        </a:xfrm>
+      </p:grpSpPr>
+      <p:sp>
+        <p:nvSpPr>
+          <p:cNvPr id="2" name="Title 1"/>
+          <p:cNvSpPr>
+            <a:spLocks noGrp="1"/>
+          </p:cNvSpPr>
+          <p:nvPr>
+            <p:ph type="title"/>
+          </p:nvPr>
+        </p:nvSpPr>
+        <p:spPr/>
+        <p:txBody>
+          <a:bodyPr/>
+          <a:lstStyle/>
+          <a:p>
+            <a:r>
+              <a:rPr lang="en-US" dirty="0" smtClean="0"/>
+              <a:t>References</a:t>
+            </a:r>
+            <a:endParaRPr lang="en-US" dirty="0"/>
+          </a:p>
+        </p:txBody>
+      </p:sp>
+      <p:sp>
+        <p:nvSpPr>
+          <p:cNvPr id="3" name="Content Placeholder 2"/>
+          <p:cNvSpPr>
+            <a:spLocks noGrp="1"/>
+          </p:cNvSpPr>
+          <p:nvPr>
+            <p:ph idx="1"/>
+          </p:nvPr>
+        </p:nvSpPr>
+        <p:spPr/>
+        <p:txBody>
+          <a:bodyPr/>
+          <a:lstStyle/>
+          <a:p>
+            <a:r>
+              <a:rPr lang="en-US" dirty="0" smtClean="0">
+                <a:hlinkClick r:id="rId2"/>
+              </a:rPr>
+              <a:t>https://www.w3schools.com/python/python_json.asp</a:t>
+            </a:r>
+            <a:endParaRPr lang="en-US" dirty="0" smtClean="0"/>
+          </a:p>
+          <a:p>
+            <a:r>
+              <a:rPr lang="en-US" dirty="0" smtClean="0">
+                <a:hlinkClick r:id="rId3"/>
+              </a:rPr>
+              <a:t>https://</a:t>
+            </a:r>
+            <a:r>
+              <a:rPr lang="en-US" dirty="0" smtClean="0">
+                <a:hlinkClick r:id="rId3"/>
+              </a:rPr>
+              <a:t>www.w3resource.com/JSON/python-json-module</a:t>
+            </a:r>
+            <a:endParaRPr lang="en-US" dirty="0" smtClean="0"/>
+          </a:p>
+          <a:p>
+            <a:r>
+              <a:rPr lang="en-US" dirty="0" smtClean="0">
+                <a:hlinkClick r:id="rId4"/>
+              </a:rPr>
+              <a:t>https://www.geeksforgeeks.org/reading-and-writing-json-to-a-file-in-python</a:t>
+            </a:r>
+            <a:r>
+              <a:rPr lang="en-US" dirty="0" smtClean="0">
+                <a:hlinkClick r:id="rId4"/>
+              </a:rPr>
+              <a:t>/</a:t>
+            </a:r>
+            <a:endParaRPr lang="en-US" dirty="0" smtClean="0"/>
+          </a:p>
+          <a:p>
+            <a:r>
+              <a:rPr lang="en-US" dirty="0" smtClean="0">
+                <a:hlinkClick r:id="rId5"/>
+              </a:rPr>
+              <a:t>https://www.programiz.com/python-programming/json</a:t>
+            </a:r>
+            <a:endParaRPr lang="en-US" dirty="0"/>
           </a:p>
         </p:txBody>
       </p:sp>
@@ -3995,12 +4390,7 @@
             <p:ph type="title"/>
           </p:nvPr>
         </p:nvSpPr>
-        <p:spPr>
-          <a:xfrm>
-            <a:off x="457200" y="685800"/>
-            <a:ext cx="8229600" cy="731838"/>
-          </a:xfrm>
-        </p:spPr>
+        <p:spPr/>
         <p:txBody>
           <a:bodyPr>
             <a:normAutofit fontScale="90000"/>
@@ -4008,14 +4398,14 @@
           <a:lstStyle/>
           <a:p>
             <a:r>
-              <a:rPr lang="en-US" sz="3600" u="sng" dirty="0" smtClean="0">
+              <a:rPr lang="en-US" u="sng" dirty="0" smtClean="0">
                 <a:solidFill>
                   <a:srgbClr val="FF0000"/>
                 </a:solidFill>
                 <a:latin typeface="Times New Roman" pitchFamily="18" charset="0"/>
                 <a:cs typeface="Times New Roman" pitchFamily="18" charset="0"/>
               </a:rPr>
-              <a:t>Parse JSON - Convert from JSON to Python</a:t>
+              <a:t>Convert from Python to JSON</a:t>
             </a:r>
             <a:r>
               <a:rPr lang="en-US" dirty="0" smtClean="0"/>
@@ -4040,1135 +4430,95 @@
         </p:nvSpPr>
         <p:spPr>
           <a:xfrm>
-            <a:off x="457200" y="1143000"/>
-            <a:ext cx="8229600" cy="6019800"/>
+            <a:off x="457200" y="228600"/>
+            <a:ext cx="8229600" cy="6248400"/>
           </a:xfrm>
         </p:spPr>
-        <p:txBody>
-          <a:bodyPr>
-            <a:normAutofit fontScale="55000" lnSpcReduction="20000"/>
-          </a:bodyPr>
-          <a:lstStyle/>
-          <a:p>
-            <a:pPr>
-              <a:lnSpc>
-                <a:spcPct val="120000"/>
-              </a:lnSpc>
-            </a:pPr>
-            <a:r>
-              <a:rPr lang="en-US" dirty="0" smtClean="0">
-                <a:latin typeface="Times New Roman" pitchFamily="18" charset="0"/>
-                <a:cs typeface="Times New Roman" pitchFamily="18" charset="0"/>
-              </a:rPr>
-              <a:t>If </a:t>
-            </a:r>
-            <a:r>
-              <a:rPr lang="en-US" dirty="0">
-                <a:latin typeface="Times New Roman" pitchFamily="18" charset="0"/>
-                <a:cs typeface="Times New Roman" pitchFamily="18" charset="0"/>
-              </a:rPr>
-              <a:t>you have a JSON string, you can parse it by using </a:t>
-            </a:r>
-            <a:r>
-              <a:rPr lang="en-US" dirty="0" smtClean="0">
-                <a:latin typeface="Times New Roman" pitchFamily="18" charset="0"/>
-                <a:cs typeface="Times New Roman" pitchFamily="18" charset="0"/>
-              </a:rPr>
-              <a:t>the </a:t>
-            </a:r>
-            <a:r>
-              <a:rPr lang="en-US" dirty="0">
-                <a:latin typeface="Times New Roman" pitchFamily="18" charset="0"/>
-                <a:cs typeface="Times New Roman" pitchFamily="18" charset="0"/>
-              </a:rPr>
-              <a:t> </a:t>
-            </a:r>
-            <a:r>
-              <a:rPr lang="en-US" dirty="0" err="1">
-                <a:latin typeface="Times New Roman" pitchFamily="18" charset="0"/>
-                <a:cs typeface="Times New Roman" pitchFamily="18" charset="0"/>
-              </a:rPr>
-              <a:t>json.loads</a:t>
-            </a:r>
-            <a:r>
-              <a:rPr lang="en-US" dirty="0" smtClean="0">
-                <a:latin typeface="Times New Roman" pitchFamily="18" charset="0"/>
-                <a:cs typeface="Times New Roman" pitchFamily="18" charset="0"/>
-              </a:rPr>
-              <a:t>() </a:t>
-            </a:r>
-            <a:r>
-              <a:rPr lang="en-US" dirty="0">
-                <a:latin typeface="Times New Roman" pitchFamily="18" charset="0"/>
-                <a:cs typeface="Times New Roman" pitchFamily="18" charset="0"/>
-              </a:rPr>
-              <a:t> </a:t>
-            </a:r>
-            <a:r>
-              <a:rPr lang="en-US" dirty="0" smtClean="0">
-                <a:latin typeface="Times New Roman" pitchFamily="18" charset="0"/>
-                <a:cs typeface="Times New Roman" pitchFamily="18" charset="0"/>
-              </a:rPr>
-              <a:t>method. </a:t>
-            </a:r>
-            <a:r>
-              <a:rPr lang="en-US" dirty="0">
-                <a:latin typeface="Times New Roman" pitchFamily="18" charset="0"/>
-                <a:cs typeface="Times New Roman" pitchFamily="18" charset="0"/>
-              </a:rPr>
-              <a:t>You can use </a:t>
-            </a:r>
-            <a:r>
-              <a:rPr lang="en-US" dirty="0" smtClean="0">
-                <a:latin typeface="Times New Roman" pitchFamily="18" charset="0"/>
-                <a:cs typeface="Times New Roman" pitchFamily="18" charset="0"/>
-              </a:rPr>
-              <a:t> </a:t>
-            </a:r>
-            <a:r>
-              <a:rPr lang="en-US" dirty="0" err="1" smtClean="0">
-                <a:latin typeface="Times New Roman" pitchFamily="18" charset="0"/>
-                <a:cs typeface="Times New Roman" pitchFamily="18" charset="0"/>
-              </a:rPr>
-              <a:t>json.load</a:t>
-            </a:r>
-            <a:r>
-              <a:rPr lang="en-US" dirty="0" smtClean="0">
-                <a:latin typeface="Times New Roman" pitchFamily="18" charset="0"/>
-                <a:cs typeface="Times New Roman" pitchFamily="18" charset="0"/>
-              </a:rPr>
-              <a:t>()</a:t>
-            </a:r>
-            <a:r>
-              <a:rPr lang="en-US" dirty="0">
-                <a:latin typeface="Times New Roman" pitchFamily="18" charset="0"/>
-                <a:cs typeface="Times New Roman" pitchFamily="18" charset="0"/>
-              </a:rPr>
-              <a:t> </a:t>
-            </a:r>
-            <a:r>
-              <a:rPr lang="en-US" dirty="0" smtClean="0">
-                <a:latin typeface="Times New Roman" pitchFamily="18" charset="0"/>
-                <a:cs typeface="Times New Roman" pitchFamily="18" charset="0"/>
-              </a:rPr>
-              <a:t> method </a:t>
-            </a:r>
-            <a:r>
-              <a:rPr lang="en-US" dirty="0">
-                <a:latin typeface="Times New Roman" pitchFamily="18" charset="0"/>
-                <a:cs typeface="Times New Roman" pitchFamily="18" charset="0"/>
-              </a:rPr>
-              <a:t>to read a file containing JSON object </a:t>
-            </a:r>
-            <a:r>
-              <a:rPr lang="en-US" dirty="0" smtClean="0">
-                <a:latin typeface="Times New Roman" pitchFamily="18" charset="0"/>
-                <a:cs typeface="Times New Roman" pitchFamily="18" charset="0"/>
-              </a:rPr>
-              <a:t>This  method returns python dictionary.</a:t>
-            </a:r>
-            <a:endParaRPr lang="en-US" dirty="0">
-              <a:latin typeface="Times New Roman" pitchFamily="18" charset="0"/>
-              <a:cs typeface="Times New Roman" pitchFamily="18" charset="0"/>
-            </a:endParaRPr>
-          </a:p>
-          <a:p>
-            <a:r>
-              <a:rPr lang="en-US" dirty="0">
-                <a:latin typeface="Times New Roman" pitchFamily="18" charset="0"/>
-                <a:cs typeface="Times New Roman" pitchFamily="18" charset="0"/>
-              </a:rPr>
-              <a:t>Example</a:t>
-            </a:r>
-          </a:p>
-          <a:p>
-            <a:r>
-              <a:rPr lang="en-US" dirty="0">
-                <a:latin typeface="Times New Roman" pitchFamily="18" charset="0"/>
-                <a:cs typeface="Times New Roman" pitchFamily="18" charset="0"/>
-              </a:rPr>
-              <a:t>Convert from JSON to Python:</a:t>
-            </a:r>
-          </a:p>
-          <a:p>
-            <a:r>
-              <a:rPr lang="en-US" dirty="0">
-                <a:solidFill>
-                  <a:schemeClr val="tx2"/>
-                </a:solidFill>
-                <a:latin typeface="Times New Roman" pitchFamily="18" charset="0"/>
-                <a:cs typeface="Times New Roman" pitchFamily="18" charset="0"/>
-              </a:rPr>
-              <a:t>import </a:t>
-            </a:r>
-            <a:r>
-              <a:rPr lang="en-US" dirty="0" err="1">
-                <a:solidFill>
-                  <a:schemeClr val="tx2"/>
-                </a:solidFill>
-                <a:latin typeface="Times New Roman" pitchFamily="18" charset="0"/>
-                <a:cs typeface="Times New Roman" pitchFamily="18" charset="0"/>
-              </a:rPr>
-              <a:t>json</a:t>
-            </a:r>
-            <a:r>
-              <a:rPr lang="en-US" dirty="0">
-                <a:latin typeface="Times New Roman" pitchFamily="18" charset="0"/>
-                <a:cs typeface="Times New Roman" pitchFamily="18" charset="0"/>
-              </a:rPr>
-              <a:t/>
-            </a:r>
-            <a:br>
-              <a:rPr lang="en-US" dirty="0">
-                <a:latin typeface="Times New Roman" pitchFamily="18" charset="0"/>
-                <a:cs typeface="Times New Roman" pitchFamily="18" charset="0"/>
-              </a:rPr>
-            </a:br>
-            <a:r>
-              <a:rPr lang="en-US" dirty="0">
-                <a:latin typeface="Times New Roman" pitchFamily="18" charset="0"/>
-                <a:cs typeface="Times New Roman" pitchFamily="18" charset="0"/>
-              </a:rPr>
-              <a:t/>
-            </a:r>
-            <a:br>
-              <a:rPr lang="en-US" dirty="0">
-                <a:latin typeface="Times New Roman" pitchFamily="18" charset="0"/>
-                <a:cs typeface="Times New Roman" pitchFamily="18" charset="0"/>
-              </a:rPr>
-            </a:br>
-            <a:r>
-              <a:rPr lang="en-US" dirty="0">
-                <a:latin typeface="Times New Roman" pitchFamily="18" charset="0"/>
-                <a:cs typeface="Times New Roman" pitchFamily="18" charset="0"/>
-              </a:rPr>
-              <a:t># some JSON:</a:t>
-            </a:r>
-            <a:br>
-              <a:rPr lang="en-US" dirty="0">
-                <a:latin typeface="Times New Roman" pitchFamily="18" charset="0"/>
-                <a:cs typeface="Times New Roman" pitchFamily="18" charset="0"/>
-              </a:rPr>
-            </a:br>
-            <a:r>
-              <a:rPr lang="en-US" dirty="0">
-                <a:solidFill>
-                  <a:schemeClr val="tx2"/>
-                </a:solidFill>
-                <a:latin typeface="Times New Roman" pitchFamily="18" charset="0"/>
-                <a:cs typeface="Times New Roman" pitchFamily="18" charset="0"/>
-              </a:rPr>
-              <a:t>x =  '{ "name":"John", "age":30, "city":"New York"}'</a:t>
-            </a:r>
-            <a:r>
-              <a:rPr lang="en-US" dirty="0">
-                <a:latin typeface="Times New Roman" pitchFamily="18" charset="0"/>
-                <a:cs typeface="Times New Roman" pitchFamily="18" charset="0"/>
-              </a:rPr>
-              <a:t/>
-            </a:r>
-            <a:br>
-              <a:rPr lang="en-US" dirty="0">
-                <a:latin typeface="Times New Roman" pitchFamily="18" charset="0"/>
-                <a:cs typeface="Times New Roman" pitchFamily="18" charset="0"/>
-              </a:rPr>
-            </a:br>
-            <a:r>
-              <a:rPr lang="en-US" dirty="0">
-                <a:latin typeface="Times New Roman" pitchFamily="18" charset="0"/>
-                <a:cs typeface="Times New Roman" pitchFamily="18" charset="0"/>
-              </a:rPr>
-              <a:t/>
-            </a:r>
-            <a:br>
-              <a:rPr lang="en-US" dirty="0">
-                <a:latin typeface="Times New Roman" pitchFamily="18" charset="0"/>
-                <a:cs typeface="Times New Roman" pitchFamily="18" charset="0"/>
-              </a:rPr>
-            </a:br>
-            <a:r>
-              <a:rPr lang="en-US" dirty="0">
-                <a:latin typeface="Times New Roman" pitchFamily="18" charset="0"/>
-                <a:cs typeface="Times New Roman" pitchFamily="18" charset="0"/>
-              </a:rPr>
-              <a:t># parse x:</a:t>
-            </a:r>
-            <a:br>
-              <a:rPr lang="en-US" dirty="0">
-                <a:latin typeface="Times New Roman" pitchFamily="18" charset="0"/>
-                <a:cs typeface="Times New Roman" pitchFamily="18" charset="0"/>
-              </a:rPr>
-            </a:br>
-            <a:r>
-              <a:rPr lang="en-US" dirty="0">
-                <a:solidFill>
-                  <a:schemeClr val="tx2"/>
-                </a:solidFill>
-                <a:latin typeface="Times New Roman" pitchFamily="18" charset="0"/>
-                <a:cs typeface="Times New Roman" pitchFamily="18" charset="0"/>
-              </a:rPr>
-              <a:t>y = </a:t>
-            </a:r>
-            <a:r>
-              <a:rPr lang="en-US" dirty="0" err="1">
-                <a:solidFill>
-                  <a:schemeClr val="tx2"/>
-                </a:solidFill>
-                <a:latin typeface="Times New Roman" pitchFamily="18" charset="0"/>
-                <a:cs typeface="Times New Roman" pitchFamily="18" charset="0"/>
-              </a:rPr>
-              <a:t>json.loads</a:t>
-            </a:r>
-            <a:r>
-              <a:rPr lang="en-US" dirty="0">
-                <a:solidFill>
-                  <a:schemeClr val="tx2"/>
-                </a:solidFill>
-                <a:latin typeface="Times New Roman" pitchFamily="18" charset="0"/>
-                <a:cs typeface="Times New Roman" pitchFamily="18" charset="0"/>
-              </a:rPr>
-              <a:t>(x)</a:t>
-            </a:r>
-            <a:r>
-              <a:rPr lang="en-US" dirty="0">
-                <a:latin typeface="Times New Roman" pitchFamily="18" charset="0"/>
-                <a:cs typeface="Times New Roman" pitchFamily="18" charset="0"/>
-              </a:rPr>
-              <a:t/>
-            </a:r>
-            <a:br>
-              <a:rPr lang="en-US" dirty="0">
-                <a:latin typeface="Times New Roman" pitchFamily="18" charset="0"/>
-                <a:cs typeface="Times New Roman" pitchFamily="18" charset="0"/>
-              </a:rPr>
-            </a:br>
-            <a:r>
-              <a:rPr lang="en-US" dirty="0">
-                <a:latin typeface="Times New Roman" pitchFamily="18" charset="0"/>
-                <a:cs typeface="Times New Roman" pitchFamily="18" charset="0"/>
-              </a:rPr>
-              <a:t/>
-            </a:r>
-            <a:br>
-              <a:rPr lang="en-US" dirty="0">
-                <a:latin typeface="Times New Roman" pitchFamily="18" charset="0"/>
-                <a:cs typeface="Times New Roman" pitchFamily="18" charset="0"/>
-              </a:rPr>
-            </a:br>
-            <a:r>
-              <a:rPr lang="en-US" dirty="0">
-                <a:latin typeface="Times New Roman" pitchFamily="18" charset="0"/>
-                <a:cs typeface="Times New Roman" pitchFamily="18" charset="0"/>
-              </a:rPr>
-              <a:t># the result is a Python dictionary:</a:t>
-            </a:r>
-            <a:br>
-              <a:rPr lang="en-US" dirty="0">
-                <a:latin typeface="Times New Roman" pitchFamily="18" charset="0"/>
-                <a:cs typeface="Times New Roman" pitchFamily="18" charset="0"/>
-              </a:rPr>
-            </a:br>
-            <a:r>
-              <a:rPr lang="en-US" dirty="0">
-                <a:solidFill>
-                  <a:schemeClr val="tx2"/>
-                </a:solidFill>
-                <a:latin typeface="Times New Roman" pitchFamily="18" charset="0"/>
-                <a:cs typeface="Times New Roman" pitchFamily="18" charset="0"/>
-              </a:rPr>
-              <a:t>print(y["age</a:t>
-            </a:r>
-            <a:r>
-              <a:rPr lang="en-US" dirty="0" smtClean="0">
-                <a:solidFill>
-                  <a:schemeClr val="tx2"/>
-                </a:solidFill>
-                <a:latin typeface="Times New Roman" pitchFamily="18" charset="0"/>
-                <a:cs typeface="Times New Roman" pitchFamily="18" charset="0"/>
-              </a:rPr>
-              <a:t>"])</a:t>
-            </a:r>
-          </a:p>
-          <a:p>
-            <a:pPr>
-              <a:buNone/>
-            </a:pPr>
-            <a:r>
-              <a:rPr lang="en-US" dirty="0" smtClean="0">
-                <a:solidFill>
-                  <a:schemeClr val="tx2"/>
-                </a:solidFill>
-                <a:latin typeface="Times New Roman" pitchFamily="18" charset="0"/>
-                <a:cs typeface="Times New Roman" pitchFamily="18" charset="0"/>
-              </a:rPr>
-              <a:t>      print(y</a:t>
-            </a:r>
-            <a:r>
-              <a:rPr lang="en-US" dirty="0" smtClean="0">
-                <a:solidFill>
-                  <a:schemeClr val="tx2"/>
-                </a:solidFill>
-                <a:latin typeface="Times New Roman" pitchFamily="18" charset="0"/>
-                <a:cs typeface="Times New Roman" pitchFamily="18" charset="0"/>
-              </a:rPr>
-              <a:t>)</a:t>
-            </a:r>
-          </a:p>
-          <a:p>
-            <a:pPr>
-              <a:buNone/>
-            </a:pPr>
-            <a:r>
-              <a:rPr lang="en-US" dirty="0" smtClean="0">
-                <a:solidFill>
-                  <a:schemeClr val="tx2"/>
-                </a:solidFill>
-                <a:latin typeface="Times New Roman" pitchFamily="18" charset="0"/>
-                <a:cs typeface="Times New Roman" pitchFamily="18" charset="0"/>
-              </a:rPr>
-              <a:t>       print(type(y</a:t>
-            </a:r>
-            <a:r>
-              <a:rPr lang="en-US" dirty="0" smtClean="0">
-                <a:solidFill>
-                  <a:schemeClr val="tx2"/>
-                </a:solidFill>
-                <a:latin typeface="Times New Roman" pitchFamily="18" charset="0"/>
-                <a:cs typeface="Times New Roman" pitchFamily="18" charset="0"/>
-              </a:rPr>
-              <a:t>))</a:t>
-            </a:r>
-            <a:endParaRPr lang="en-US" dirty="0" smtClean="0">
-              <a:solidFill>
-                <a:schemeClr val="tx2"/>
-              </a:solidFill>
-              <a:latin typeface="Times New Roman" pitchFamily="18" charset="0"/>
-              <a:cs typeface="Times New Roman" pitchFamily="18" charset="0"/>
-            </a:endParaRPr>
-          </a:p>
-          <a:p>
-            <a:endParaRPr lang="en-US" dirty="0">
-              <a:solidFill>
-                <a:schemeClr val="tx2"/>
-              </a:solidFill>
-              <a:latin typeface="Times New Roman" pitchFamily="18" charset="0"/>
-              <a:cs typeface="Times New Roman" pitchFamily="18" charset="0"/>
-            </a:endParaRPr>
-          </a:p>
-          <a:p>
-            <a:r>
-              <a:rPr lang="en-US" dirty="0" smtClean="0">
-                <a:latin typeface="Times New Roman" pitchFamily="18" charset="0"/>
-                <a:cs typeface="Times New Roman" pitchFamily="18" charset="0"/>
-              </a:rPr>
-              <a:t>Output</a:t>
-            </a:r>
-            <a:r>
-              <a:rPr lang="en-US" dirty="0" smtClean="0">
-                <a:solidFill>
-                  <a:schemeClr val="tx2"/>
-                </a:solidFill>
-                <a:latin typeface="Times New Roman" pitchFamily="18" charset="0"/>
-                <a:cs typeface="Times New Roman" pitchFamily="18" charset="0"/>
-              </a:rPr>
-              <a:t>:  </a:t>
-            </a:r>
-            <a:endParaRPr lang="en-US" dirty="0" smtClean="0">
-              <a:solidFill>
-                <a:schemeClr val="tx2"/>
-              </a:solidFill>
-              <a:latin typeface="Times New Roman" pitchFamily="18" charset="0"/>
-              <a:cs typeface="Times New Roman" pitchFamily="18" charset="0"/>
-            </a:endParaRPr>
-          </a:p>
-          <a:p>
-            <a:pPr lvl="1">
-              <a:buNone/>
-            </a:pPr>
-            <a:r>
-              <a:rPr lang="en-US" dirty="0" smtClean="0">
-                <a:solidFill>
-                  <a:schemeClr val="tx2"/>
-                </a:solidFill>
-                <a:latin typeface="Times New Roman" pitchFamily="18" charset="0"/>
-                <a:cs typeface="Times New Roman" pitchFamily="18" charset="0"/>
-              </a:rPr>
-              <a:t>        30</a:t>
-            </a:r>
-            <a:endParaRPr lang="en-US" dirty="0">
-              <a:solidFill>
-                <a:schemeClr val="tx2"/>
-              </a:solidFill>
-              <a:latin typeface="Times New Roman" pitchFamily="18" charset="0"/>
-              <a:cs typeface="Times New Roman" pitchFamily="18" charset="0"/>
-            </a:endParaRPr>
-          </a:p>
-          <a:p>
-            <a:pPr lvl="1">
-              <a:buNone/>
-            </a:pPr>
-            <a:r>
-              <a:rPr lang="en-US" dirty="0" smtClean="0"/>
-              <a:t>      {</a:t>
-            </a:r>
-            <a:r>
-              <a:rPr lang="en-US" dirty="0" smtClean="0"/>
-              <a:t>'name': 'John', 'age': 30, 'city': 'New York</a:t>
-            </a:r>
-            <a:r>
-              <a:rPr lang="en-US" dirty="0" smtClean="0"/>
-              <a:t>'}</a:t>
-            </a:r>
-          </a:p>
-          <a:p>
-            <a:pPr lvl="1">
-              <a:buNone/>
-            </a:pPr>
-            <a:r>
-              <a:rPr lang="en-US" dirty="0" smtClean="0"/>
-              <a:t>      </a:t>
-            </a:r>
-            <a:r>
-              <a:rPr lang="en-US" dirty="0" smtClean="0"/>
-              <a:t>&lt;class '</a:t>
-            </a:r>
-            <a:r>
-              <a:rPr lang="en-US" dirty="0" err="1" smtClean="0"/>
-              <a:t>dict</a:t>
-            </a:r>
-            <a:r>
-              <a:rPr lang="en-US" dirty="0" smtClean="0"/>
-              <a:t>'&gt;</a:t>
-            </a:r>
-            <a:endParaRPr lang="en-US" dirty="0"/>
-          </a:p>
-        </p:txBody>
-      </p:sp>
-    </p:spTree>
-  </p:cSld>
-  <p:clrMapOvr>
-    <a:masterClrMapping/>
-  </p:clrMapOvr>
-</p:sld>
-</file>
-
-<file path=ppt/slides/slide3.xml><?xml version="1.0" encoding="utf-8"?>
-<p:sld xmlns:a="http://schemas.openxmlformats.org/drawingml/2006/main" xmlns:r="http://schemas.openxmlformats.org/officeDocument/2006/relationships" xmlns:p="http://schemas.openxmlformats.org/presentationml/2006/main">
-  <p:cSld>
-    <p:spTree>
-      <p:nvGrpSpPr>
-        <p:cNvPr id="1" name=""/>
-        <p:cNvGrpSpPr/>
-        <p:nvPr/>
-      </p:nvGrpSpPr>
-      <p:grpSpPr>
-        <a:xfrm>
-          <a:off x="0" y="0"/>
-          <a:ext cx="0" cy="0"/>
-          <a:chOff x="0" y="0"/>
-          <a:chExt cx="0" cy="0"/>
-        </a:xfrm>
-      </p:grpSpPr>
-      <p:sp>
-        <p:nvSpPr>
-          <p:cNvPr id="2" name="Title 1"/>
-          <p:cNvSpPr>
-            <a:spLocks noGrp="1"/>
-          </p:cNvSpPr>
-          <p:nvPr>
-            <p:ph type="title"/>
-          </p:nvPr>
-        </p:nvSpPr>
-        <p:spPr/>
-        <p:txBody>
-          <a:bodyPr>
-            <a:normAutofit fontScale="90000"/>
-          </a:bodyPr>
-          <a:lstStyle/>
-          <a:p>
-            <a:r>
-              <a:rPr lang="en-US" u="sng" dirty="0" smtClean="0">
-                <a:solidFill>
-                  <a:srgbClr val="FF0000"/>
-                </a:solidFill>
-                <a:latin typeface="Times New Roman" pitchFamily="18" charset="0"/>
-                <a:cs typeface="Times New Roman" pitchFamily="18" charset="0"/>
-              </a:rPr>
-              <a:t>Convert from Python to JSON</a:t>
-            </a:r>
-            <a:r>
-              <a:rPr lang="en-US" dirty="0" smtClean="0"/>
-              <a:t/>
-            </a:r>
-            <a:br>
-              <a:rPr lang="en-US" dirty="0" smtClean="0"/>
-            </a:br>
-            <a:endParaRPr lang="en-US" dirty="0"/>
-          </a:p>
-        </p:txBody>
-      </p:sp>
-      <p:sp>
-        <p:nvSpPr>
-          <p:cNvPr id="3" name="Content Placeholder 2"/>
-          <p:cNvSpPr>
-            <a:spLocks noGrp="1"/>
-          </p:cNvSpPr>
-          <p:nvPr>
-            <p:ph idx="1"/>
-          </p:nvPr>
-        </p:nvSpPr>
-        <p:spPr>
-          <a:xfrm>
-            <a:off x="457200" y="1143000"/>
-            <a:ext cx="8229600" cy="5334000"/>
-          </a:xfrm>
-        </p:spPr>
-        <p:txBody>
-          <a:bodyPr>
-            <a:normAutofit fontScale="40000" lnSpcReduction="20000"/>
-          </a:bodyPr>
-          <a:lstStyle/>
-          <a:p>
-            <a:r>
-              <a:rPr lang="en-US" sz="4200" dirty="0" smtClean="0">
-                <a:latin typeface="Times New Roman" pitchFamily="18" charset="0"/>
-                <a:cs typeface="Times New Roman" pitchFamily="18" charset="0"/>
-              </a:rPr>
-              <a:t>If </a:t>
-            </a:r>
-            <a:r>
-              <a:rPr lang="en-US" sz="4200" dirty="0">
-                <a:latin typeface="Times New Roman" pitchFamily="18" charset="0"/>
-                <a:cs typeface="Times New Roman" pitchFamily="18" charset="0"/>
-              </a:rPr>
-              <a:t>you have a Python object, you can convert it into a JSON string by using the </a:t>
-            </a:r>
-            <a:r>
-              <a:rPr lang="en-US" sz="4200" dirty="0" err="1">
-                <a:latin typeface="Times New Roman" pitchFamily="18" charset="0"/>
-                <a:cs typeface="Times New Roman" pitchFamily="18" charset="0"/>
-              </a:rPr>
-              <a:t>json.dumps</a:t>
-            </a:r>
-            <a:r>
-              <a:rPr lang="en-US" sz="4200" dirty="0">
-                <a:latin typeface="Times New Roman" pitchFamily="18" charset="0"/>
-                <a:cs typeface="Times New Roman" pitchFamily="18" charset="0"/>
-              </a:rPr>
-              <a:t>() method.</a:t>
-            </a:r>
-          </a:p>
-          <a:p>
-            <a:r>
-              <a:rPr lang="en-US" sz="4200" dirty="0">
-                <a:latin typeface="Times New Roman" pitchFamily="18" charset="0"/>
-                <a:cs typeface="Times New Roman" pitchFamily="18" charset="0"/>
-              </a:rPr>
-              <a:t>Example</a:t>
-            </a:r>
-          </a:p>
-          <a:p>
-            <a:r>
-              <a:rPr lang="en-US" sz="4200" dirty="0">
-                <a:latin typeface="Times New Roman" pitchFamily="18" charset="0"/>
-                <a:cs typeface="Times New Roman" pitchFamily="18" charset="0"/>
-              </a:rPr>
-              <a:t>Convert from Python to JSON:</a:t>
-            </a:r>
-          </a:p>
-          <a:p>
-            <a:pPr lvl="1">
-              <a:buNone/>
-            </a:pPr>
-            <a:r>
-              <a:rPr lang="en-US" sz="3800" dirty="0">
-                <a:solidFill>
-                  <a:schemeClr val="tx2"/>
-                </a:solidFill>
-                <a:latin typeface="Times New Roman" pitchFamily="18" charset="0"/>
-                <a:cs typeface="Times New Roman" pitchFamily="18" charset="0"/>
-              </a:rPr>
-              <a:t>import </a:t>
-            </a:r>
-            <a:r>
-              <a:rPr lang="en-US" sz="3800" dirty="0" err="1" smtClean="0">
-                <a:solidFill>
-                  <a:schemeClr val="tx2"/>
-                </a:solidFill>
-                <a:latin typeface="Times New Roman" pitchFamily="18" charset="0"/>
-                <a:cs typeface="Times New Roman" pitchFamily="18" charset="0"/>
-              </a:rPr>
-              <a:t>json</a:t>
-            </a:r>
-            <a:endParaRPr lang="en-US" sz="3800" dirty="0" smtClean="0">
-              <a:solidFill>
-                <a:schemeClr val="tx2"/>
-              </a:solidFill>
-              <a:latin typeface="Times New Roman" pitchFamily="18" charset="0"/>
-              <a:cs typeface="Times New Roman" pitchFamily="18" charset="0"/>
-            </a:endParaRPr>
-          </a:p>
-          <a:p>
-            <a:pPr lvl="1">
-              <a:buNone/>
-            </a:pPr>
-            <a:endParaRPr lang="en-US" sz="3800" dirty="0">
-              <a:solidFill>
-                <a:schemeClr val="tx2"/>
-              </a:solidFill>
-              <a:latin typeface="Times New Roman" pitchFamily="18" charset="0"/>
-              <a:cs typeface="Times New Roman" pitchFamily="18" charset="0"/>
-            </a:endParaRPr>
-          </a:p>
-          <a:p>
-            <a:pPr lvl="1">
-              <a:buNone/>
-            </a:pPr>
-            <a:r>
-              <a:rPr lang="en-US" sz="3800" dirty="0" smtClean="0">
-                <a:latin typeface="Times New Roman" pitchFamily="18" charset="0"/>
-                <a:cs typeface="Times New Roman" pitchFamily="18" charset="0"/>
-              </a:rPr>
-              <a:t># </a:t>
-            </a:r>
-            <a:r>
-              <a:rPr lang="en-US" sz="3800" dirty="0">
-                <a:latin typeface="Times New Roman" pitchFamily="18" charset="0"/>
-                <a:cs typeface="Times New Roman" pitchFamily="18" charset="0"/>
-              </a:rPr>
-              <a:t>a Python object (</a:t>
-            </a:r>
-            <a:r>
-              <a:rPr lang="en-US" sz="3800" dirty="0" err="1">
-                <a:latin typeface="Times New Roman" pitchFamily="18" charset="0"/>
-                <a:cs typeface="Times New Roman" pitchFamily="18" charset="0"/>
-              </a:rPr>
-              <a:t>dict</a:t>
-            </a:r>
-            <a:r>
-              <a:rPr lang="en-US" sz="3800" dirty="0" smtClean="0">
-                <a:latin typeface="Times New Roman" pitchFamily="18" charset="0"/>
-                <a:cs typeface="Times New Roman" pitchFamily="18" charset="0"/>
-              </a:rPr>
-              <a:t>):</a:t>
-            </a:r>
-          </a:p>
-          <a:p>
-            <a:pPr lvl="1">
-              <a:buNone/>
-            </a:pPr>
-            <a:r>
-              <a:rPr lang="en-US" sz="3800" dirty="0" err="1" smtClean="0">
-                <a:solidFill>
-                  <a:schemeClr val="tx2"/>
-                </a:solidFill>
-                <a:latin typeface="Times New Roman" pitchFamily="18" charset="0"/>
-                <a:cs typeface="Times New Roman" pitchFamily="18" charset="0"/>
-              </a:rPr>
-              <a:t>person_dict</a:t>
-            </a:r>
-            <a:r>
-              <a:rPr lang="en-US" sz="3800" dirty="0" smtClean="0">
-                <a:solidFill>
-                  <a:schemeClr val="tx2"/>
-                </a:solidFill>
-                <a:latin typeface="Times New Roman" pitchFamily="18" charset="0"/>
-                <a:cs typeface="Times New Roman" pitchFamily="18" charset="0"/>
-              </a:rPr>
-              <a:t> = {'name': 'Bob',</a:t>
-            </a:r>
-          </a:p>
-          <a:p>
-            <a:pPr lvl="1">
-              <a:buNone/>
-            </a:pPr>
-            <a:r>
-              <a:rPr lang="en-US" sz="3800" dirty="0" smtClean="0">
-                <a:solidFill>
-                  <a:schemeClr val="tx2"/>
-                </a:solidFill>
-                <a:latin typeface="Times New Roman" pitchFamily="18" charset="0"/>
-                <a:cs typeface="Times New Roman" pitchFamily="18" charset="0"/>
-              </a:rPr>
-              <a:t>'age': 12,</a:t>
-            </a:r>
-          </a:p>
-          <a:p>
-            <a:pPr lvl="1">
-              <a:buNone/>
-            </a:pPr>
-            <a:r>
-              <a:rPr lang="en-US" sz="3800" dirty="0" smtClean="0">
-                <a:solidFill>
-                  <a:schemeClr val="tx2"/>
-                </a:solidFill>
-                <a:latin typeface="Times New Roman" pitchFamily="18" charset="0"/>
-                <a:cs typeface="Times New Roman" pitchFamily="18" charset="0"/>
-              </a:rPr>
-              <a:t>'children': None</a:t>
-            </a:r>
-          </a:p>
-          <a:p>
-            <a:pPr lvl="1">
-              <a:buNone/>
-            </a:pPr>
-            <a:r>
-              <a:rPr lang="en-US" sz="3800" dirty="0" smtClean="0">
-                <a:solidFill>
-                  <a:schemeClr val="tx2"/>
-                </a:solidFill>
-                <a:latin typeface="Times New Roman" pitchFamily="18" charset="0"/>
-                <a:cs typeface="Times New Roman" pitchFamily="18" charset="0"/>
-              </a:rPr>
-              <a:t>}</a:t>
-            </a:r>
-          </a:p>
-          <a:p>
-            <a:pPr lvl="1">
-              <a:buNone/>
-            </a:pPr>
-            <a:r>
-              <a:rPr lang="en-US" sz="3800" dirty="0" smtClean="0">
-                <a:latin typeface="Times New Roman" pitchFamily="18" charset="0"/>
-                <a:cs typeface="Times New Roman" pitchFamily="18" charset="0"/>
-              </a:rPr>
-              <a:t># convert into JSON:</a:t>
-            </a:r>
-          </a:p>
-          <a:p>
-            <a:pPr lvl="1">
-              <a:buNone/>
-            </a:pPr>
-            <a:r>
-              <a:rPr lang="en-US" sz="3800" dirty="0" err="1" smtClean="0">
-                <a:solidFill>
-                  <a:schemeClr val="tx2"/>
-                </a:solidFill>
-                <a:latin typeface="Times New Roman" pitchFamily="18" charset="0"/>
-                <a:cs typeface="Times New Roman" pitchFamily="18" charset="0"/>
-              </a:rPr>
-              <a:t>person_json</a:t>
-            </a:r>
-            <a:r>
-              <a:rPr lang="en-US" sz="3800" dirty="0" smtClean="0">
-                <a:solidFill>
-                  <a:schemeClr val="tx2"/>
-                </a:solidFill>
-                <a:latin typeface="Times New Roman" pitchFamily="18" charset="0"/>
-                <a:cs typeface="Times New Roman" pitchFamily="18" charset="0"/>
-              </a:rPr>
-              <a:t> = </a:t>
-            </a:r>
-            <a:r>
-              <a:rPr lang="en-US" sz="3800" dirty="0" err="1" smtClean="0">
-                <a:solidFill>
-                  <a:schemeClr val="tx2"/>
-                </a:solidFill>
-                <a:latin typeface="Times New Roman" pitchFamily="18" charset="0"/>
-                <a:cs typeface="Times New Roman" pitchFamily="18" charset="0"/>
-              </a:rPr>
-              <a:t>json.dumps</a:t>
-            </a:r>
-            <a:r>
-              <a:rPr lang="en-US" sz="3800" dirty="0" smtClean="0">
-                <a:solidFill>
-                  <a:schemeClr val="tx2"/>
-                </a:solidFill>
-                <a:latin typeface="Times New Roman" pitchFamily="18" charset="0"/>
-                <a:cs typeface="Times New Roman" pitchFamily="18" charset="0"/>
-              </a:rPr>
-              <a:t>(</a:t>
-            </a:r>
-            <a:r>
-              <a:rPr lang="en-US" sz="3800" dirty="0" err="1" smtClean="0">
-                <a:solidFill>
-                  <a:schemeClr val="tx2"/>
-                </a:solidFill>
-                <a:latin typeface="Times New Roman" pitchFamily="18" charset="0"/>
-                <a:cs typeface="Times New Roman" pitchFamily="18" charset="0"/>
-              </a:rPr>
-              <a:t>person_dict</a:t>
-            </a:r>
-            <a:r>
-              <a:rPr lang="en-US" sz="3800" dirty="0" smtClean="0">
-                <a:solidFill>
-                  <a:schemeClr val="tx2"/>
-                </a:solidFill>
-                <a:latin typeface="Times New Roman" pitchFamily="18" charset="0"/>
-                <a:cs typeface="Times New Roman" pitchFamily="18" charset="0"/>
-              </a:rPr>
-              <a:t>)</a:t>
-            </a:r>
-          </a:p>
-          <a:p>
-            <a:pPr lvl="1">
-              <a:buNone/>
-            </a:pPr>
-            <a:endParaRPr lang="en-US" sz="3800" dirty="0" smtClean="0">
-              <a:latin typeface="Times New Roman" pitchFamily="18" charset="0"/>
-              <a:cs typeface="Times New Roman" pitchFamily="18" charset="0"/>
-            </a:endParaRPr>
-          </a:p>
-          <a:p>
-            <a:pPr lvl="1">
-              <a:buNone/>
-            </a:pPr>
-            <a:r>
-              <a:rPr lang="en-US" sz="3800" dirty="0" smtClean="0">
-                <a:latin typeface="Times New Roman" pitchFamily="18" charset="0"/>
-                <a:cs typeface="Times New Roman" pitchFamily="18" charset="0"/>
-              </a:rPr>
-              <a:t># the result is a JSON string:</a:t>
-            </a:r>
-          </a:p>
-          <a:p>
-            <a:pPr lvl="1">
-              <a:buNone/>
-            </a:pPr>
-            <a:r>
-              <a:rPr lang="en-US" sz="3800" dirty="0" smtClean="0">
-                <a:solidFill>
-                  <a:schemeClr val="tx2"/>
-                </a:solidFill>
-                <a:latin typeface="Times New Roman" pitchFamily="18" charset="0"/>
-                <a:cs typeface="Times New Roman" pitchFamily="18" charset="0"/>
-              </a:rPr>
-              <a:t>print(</a:t>
-            </a:r>
-            <a:r>
-              <a:rPr lang="en-US" sz="3800" dirty="0" err="1" smtClean="0">
-                <a:solidFill>
-                  <a:schemeClr val="tx2"/>
-                </a:solidFill>
-                <a:latin typeface="Times New Roman" pitchFamily="18" charset="0"/>
-                <a:cs typeface="Times New Roman" pitchFamily="18" charset="0"/>
-              </a:rPr>
-              <a:t>person_json</a:t>
-            </a:r>
-            <a:r>
-              <a:rPr lang="en-US" sz="3800" dirty="0" smtClean="0">
-                <a:solidFill>
-                  <a:schemeClr val="tx2"/>
-                </a:solidFill>
-                <a:latin typeface="Times New Roman" pitchFamily="18" charset="0"/>
-                <a:cs typeface="Times New Roman" pitchFamily="18" charset="0"/>
-              </a:rPr>
-              <a:t>)</a:t>
-            </a:r>
-          </a:p>
-          <a:p>
-            <a:pPr lvl="1">
-              <a:buNone/>
-            </a:pPr>
-            <a:r>
-              <a:rPr lang="en-US" sz="3800" dirty="0" smtClean="0">
-                <a:solidFill>
-                  <a:schemeClr val="tx2"/>
-                </a:solidFill>
-                <a:latin typeface="Times New Roman" pitchFamily="18" charset="0"/>
-                <a:cs typeface="Times New Roman" pitchFamily="18" charset="0"/>
-              </a:rPr>
-              <a:t>print(type(</a:t>
-            </a:r>
-            <a:r>
-              <a:rPr lang="en-US" sz="3800" dirty="0" err="1" smtClean="0">
-                <a:solidFill>
-                  <a:schemeClr val="tx2"/>
-                </a:solidFill>
-                <a:latin typeface="Times New Roman" pitchFamily="18" charset="0"/>
-                <a:cs typeface="Times New Roman" pitchFamily="18" charset="0"/>
-              </a:rPr>
-              <a:t>person_json</a:t>
-            </a:r>
-            <a:r>
-              <a:rPr lang="en-US" sz="3800" dirty="0" smtClean="0">
-                <a:solidFill>
-                  <a:schemeClr val="tx2"/>
-                </a:solidFill>
-                <a:latin typeface="Times New Roman" pitchFamily="18" charset="0"/>
-                <a:cs typeface="Times New Roman" pitchFamily="18" charset="0"/>
-              </a:rPr>
-              <a:t>))</a:t>
-            </a:r>
-            <a:endParaRPr lang="en-US" sz="3800" dirty="0" smtClean="0">
-              <a:solidFill>
-                <a:schemeClr val="tx2"/>
-              </a:solidFill>
-              <a:latin typeface="Times New Roman" pitchFamily="18" charset="0"/>
-              <a:cs typeface="Times New Roman" pitchFamily="18" charset="0"/>
-            </a:endParaRPr>
-          </a:p>
-          <a:p>
-            <a:pPr lvl="1">
-              <a:buNone/>
-            </a:pPr>
-            <a:endParaRPr lang="en-US" sz="3800" dirty="0">
-              <a:latin typeface="Times New Roman" pitchFamily="18" charset="0"/>
-              <a:cs typeface="Times New Roman" pitchFamily="18" charset="0"/>
-            </a:endParaRPr>
-          </a:p>
-          <a:p>
-            <a:pPr lvl="1">
-              <a:buNone/>
-            </a:pPr>
-            <a:r>
-              <a:rPr lang="en-US" sz="3800" dirty="0" smtClean="0">
-                <a:latin typeface="Times New Roman" pitchFamily="18" charset="0"/>
-                <a:cs typeface="Times New Roman" pitchFamily="18" charset="0"/>
-              </a:rPr>
-              <a:t># Output: </a:t>
-            </a:r>
-            <a:endParaRPr lang="en-US" sz="3800" dirty="0" smtClean="0">
-              <a:latin typeface="Times New Roman" pitchFamily="18" charset="0"/>
-              <a:cs typeface="Times New Roman" pitchFamily="18" charset="0"/>
-            </a:endParaRPr>
-          </a:p>
-          <a:p>
-            <a:pPr lvl="2">
-              <a:buNone/>
-            </a:pPr>
-            <a:r>
-              <a:rPr lang="en-US" sz="3400" dirty="0" smtClean="0">
-                <a:latin typeface="Times New Roman" pitchFamily="18" charset="0"/>
-                <a:cs typeface="Times New Roman" pitchFamily="18" charset="0"/>
-              </a:rPr>
-              <a:t>{"</a:t>
-            </a:r>
-            <a:r>
-              <a:rPr lang="en-US" sz="3400" dirty="0" smtClean="0">
-                <a:latin typeface="Times New Roman" pitchFamily="18" charset="0"/>
-                <a:cs typeface="Times New Roman" pitchFamily="18" charset="0"/>
-              </a:rPr>
-              <a:t>name": "Bob", "age": 12, "children": null</a:t>
-            </a:r>
-            <a:r>
-              <a:rPr lang="en-US" sz="3400" dirty="0" smtClean="0">
-                <a:latin typeface="Times New Roman" pitchFamily="18" charset="0"/>
-                <a:cs typeface="Times New Roman" pitchFamily="18" charset="0"/>
-              </a:rPr>
-              <a:t>}</a:t>
-            </a:r>
-          </a:p>
-          <a:p>
-            <a:pPr lvl="2">
-              <a:buNone/>
-            </a:pPr>
-            <a:r>
-              <a:rPr lang="en-US" sz="3600" dirty="0" smtClean="0">
-                <a:latin typeface="Times New Roman" pitchFamily="18" charset="0"/>
-                <a:cs typeface="Times New Roman" pitchFamily="18" charset="0"/>
-              </a:rPr>
-              <a:t>&lt;class '</a:t>
-            </a:r>
-            <a:r>
-              <a:rPr lang="en-US" sz="3600" dirty="0" err="1" smtClean="0">
-                <a:latin typeface="Times New Roman" pitchFamily="18" charset="0"/>
-                <a:cs typeface="Times New Roman" pitchFamily="18" charset="0"/>
-              </a:rPr>
-              <a:t>str</a:t>
-            </a:r>
-            <a:r>
-              <a:rPr lang="en-US" sz="3600" dirty="0" smtClean="0">
-                <a:latin typeface="Times New Roman" pitchFamily="18" charset="0"/>
-                <a:cs typeface="Times New Roman" pitchFamily="18" charset="0"/>
-              </a:rPr>
-              <a:t>'&gt;</a:t>
-            </a:r>
-            <a:endParaRPr lang="en-US" sz="3600" dirty="0" smtClean="0">
-              <a:latin typeface="Times New Roman" pitchFamily="18" charset="0"/>
-              <a:cs typeface="Times New Roman" pitchFamily="18" charset="0"/>
-            </a:endParaRPr>
-          </a:p>
-          <a:p>
-            <a:pPr lvl="1">
-              <a:buNone/>
-            </a:pPr>
-            <a:endParaRPr lang="en-US" sz="3800" dirty="0" smtClean="0">
-              <a:latin typeface="Times New Roman" pitchFamily="18" charset="0"/>
-              <a:cs typeface="Times New Roman" pitchFamily="18" charset="0"/>
-            </a:endParaRPr>
-          </a:p>
-          <a:p>
-            <a:pPr lvl="1">
-              <a:buNone/>
-            </a:pPr>
-            <a:endParaRPr lang="en-US" sz="3800" dirty="0">
-              <a:solidFill>
-                <a:schemeClr val="tx2"/>
-              </a:solidFill>
-              <a:latin typeface="Times New Roman" pitchFamily="18" charset="0"/>
-              <a:cs typeface="Times New Roman" pitchFamily="18" charset="0"/>
-            </a:endParaRPr>
-          </a:p>
-          <a:p>
-            <a:endParaRPr lang="en-US" dirty="0"/>
-          </a:p>
-        </p:txBody>
-      </p:sp>
-    </p:spTree>
-  </p:cSld>
-  <p:clrMapOvr>
-    <a:masterClrMapping/>
-  </p:clrMapOvr>
-</p:sld>
-</file>
-
-<file path=ppt/slides/slide4.xml><?xml version="1.0" encoding="utf-8"?>
-<p:sld xmlns:a="http://schemas.openxmlformats.org/drawingml/2006/main" xmlns:r="http://schemas.openxmlformats.org/officeDocument/2006/relationships" xmlns:p="http://schemas.openxmlformats.org/presentationml/2006/main">
-  <p:cSld>
-    <p:spTree>
-      <p:nvGrpSpPr>
-        <p:cNvPr id="1" name=""/>
-        <p:cNvGrpSpPr/>
-        <p:nvPr/>
-      </p:nvGrpSpPr>
-      <p:grpSpPr>
-        <a:xfrm>
-          <a:off x="0" y="0"/>
-          <a:ext cx="0" cy="0"/>
-          <a:chOff x="0" y="0"/>
-          <a:chExt cx="0" cy="0"/>
-        </a:xfrm>
-      </p:grpSpPr>
-      <p:sp>
-        <p:nvSpPr>
-          <p:cNvPr id="2" name="Title 1"/>
-          <p:cNvSpPr>
-            <a:spLocks noGrp="1"/>
-          </p:cNvSpPr>
-          <p:nvPr>
-            <p:ph type="title"/>
-          </p:nvPr>
-        </p:nvSpPr>
-        <p:spPr/>
         <p:txBody>
           <a:bodyPr>
             <a:normAutofit/>
           </a:bodyPr>
           <a:lstStyle/>
           <a:p>
-            <a:r>
-              <a:rPr lang="en-US" sz="2400" dirty="0">
+            <a:pPr>
+              <a:buNone/>
+            </a:pPr>
+            <a:endParaRPr lang="en-US" sz="4200" dirty="0" smtClean="0">
+              <a:latin typeface="Times New Roman" pitchFamily="18" charset="0"/>
+              <a:cs typeface="Times New Roman" pitchFamily="18" charset="0"/>
+            </a:endParaRPr>
+          </a:p>
+          <a:p>
+            <a:r>
+              <a:rPr lang="en-US" sz="1800" dirty="0" smtClean="0">
                 <a:latin typeface="Times New Roman" pitchFamily="18" charset="0"/>
                 <a:cs typeface="Times New Roman" pitchFamily="18" charset="0"/>
               </a:rPr>
-              <a:t>When you convert from Python to JSON, Python objects are converted into the JSON (JavaScript) equivalent:</a:t>
-            </a:r>
+              <a:t>Encode Python objects as JSON strings, and decode JSON strings into Python objects</a:t>
+            </a:r>
+          </a:p>
+          <a:p>
+            <a:r>
+              <a:rPr lang="en-US" sz="1800" dirty="0" smtClean="0">
+                <a:latin typeface="Times New Roman" pitchFamily="18" charset="0"/>
+                <a:cs typeface="Times New Roman" pitchFamily="18" charset="0"/>
+              </a:rPr>
+              <a:t>If </a:t>
+            </a:r>
+            <a:r>
+              <a:rPr lang="en-US" sz="1800" dirty="0">
+                <a:latin typeface="Times New Roman" pitchFamily="18" charset="0"/>
+                <a:cs typeface="Times New Roman" pitchFamily="18" charset="0"/>
+              </a:rPr>
+              <a:t>you have a Python object, you can convert it into a JSON string by using the json.dumps() method</a:t>
+            </a:r>
+            <a:r>
+              <a:rPr lang="en-US" sz="1800" dirty="0" smtClean="0">
+                <a:latin typeface="Times New Roman" pitchFamily="18" charset="0"/>
+                <a:cs typeface="Times New Roman" pitchFamily="18" charset="0"/>
+              </a:rPr>
+              <a:t>.</a:t>
+            </a:r>
+          </a:p>
+          <a:p>
+            <a:endParaRPr lang="en-US" sz="4200" dirty="0" smtClean="0">
+              <a:latin typeface="Times New Roman" pitchFamily="18" charset="0"/>
+              <a:cs typeface="Times New Roman" pitchFamily="18" charset="0"/>
+            </a:endParaRPr>
+          </a:p>
+          <a:p>
+            <a:pPr>
+              <a:buNone/>
+            </a:pPr>
+            <a:endParaRPr lang="en-US" sz="4200" dirty="0" smtClean="0">
+              <a:latin typeface="Times New Roman" pitchFamily="18" charset="0"/>
+              <a:cs typeface="Times New Roman" pitchFamily="18" charset="0"/>
+            </a:endParaRPr>
+          </a:p>
+          <a:p>
+            <a:pPr>
+              <a:buNone/>
+            </a:pPr>
+            <a:endParaRPr lang="en-US" sz="4200" dirty="0">
+              <a:latin typeface="Times New Roman" pitchFamily="18" charset="0"/>
+              <a:cs typeface="Times New Roman" pitchFamily="18" charset="0"/>
+            </a:endParaRPr>
+          </a:p>
+          <a:p>
+            <a:endParaRPr lang="en-US" dirty="0"/>
           </a:p>
         </p:txBody>
       </p:sp>
       <p:graphicFrame>
         <p:nvGraphicFramePr>
-          <p:cNvPr id="4" name="Content Placeholder 3"/>
+          <p:cNvPr id="5" name="Content Placeholder 3"/>
           <p:cNvGraphicFramePr>
-            <a:graphicFrameLocks noGrp="1"/>
+            <a:graphicFrameLocks/>
           </p:cNvGraphicFramePr>
-          <p:nvPr>
-            <p:ph idx="1"/>
-          </p:nvPr>
+          <p:nvPr/>
         </p:nvGraphicFramePr>
         <p:xfrm>
-          <a:off x="457200" y="1600200"/>
+          <a:off x="533400" y="2362200"/>
           <a:ext cx="8229600" cy="4267200"/>
         </p:xfrm>
         <a:graphic>
@@ -5181,7 +4531,7 @@
                 <a:gridCol w="4114800"/>
                 <a:gridCol w="4114800"/>
               </a:tblGrid>
-              <a:tr h="370840">
+              <a:tr h="365760">
                 <a:tc>
                   <a:txBody>
                     <a:bodyPr/>
@@ -5211,7 +4561,7 @@
                   <a:tcPr marL="76200" marR="76200" marT="76200" marB="76200"/>
                 </a:tc>
               </a:tr>
-              <a:tr h="370840">
+              <a:tr h="365760">
                 <a:tc>
                   <a:txBody>
                     <a:bodyPr/>
@@ -5241,7 +4591,7 @@
                   <a:tcPr marL="76200" marR="76200" marT="76200" marB="76200"/>
                 </a:tc>
               </a:tr>
-              <a:tr h="370840">
+              <a:tr h="365760">
                 <a:tc>
                   <a:txBody>
                     <a:bodyPr/>
@@ -5271,7 +4621,7 @@
                   <a:tcPr marL="76200" marR="76200" marT="76200" marB="76200"/>
                 </a:tc>
               </a:tr>
-              <a:tr h="370840">
+              <a:tr h="365760">
                 <a:tc>
                   <a:txBody>
                     <a:bodyPr/>
@@ -5301,7 +4651,7 @@
                   <a:tcPr marL="76200" marR="76200" marT="76200" marB="76200"/>
                 </a:tc>
               </a:tr>
-              <a:tr h="370840">
+              <a:tr h="365760">
                 <a:tc>
                   <a:txBody>
                     <a:bodyPr/>
@@ -5331,7 +4681,7 @@
                   <a:tcPr marL="76200" marR="76200" marT="76200" marB="76200"/>
                 </a:tc>
               </a:tr>
-              <a:tr h="370840">
+              <a:tr h="365760">
                 <a:tc>
                   <a:txBody>
                     <a:bodyPr/>
@@ -5339,9 +4689,10 @@
                     <a:p>
                       <a:pPr algn="l" fontAlgn="t"/>
                       <a:r>
-                        <a:rPr lang="en-US"/>
+                        <a:rPr lang="en-US" dirty="0" err="1"/>
                         <a:t>int</a:t>
                       </a:r>
+                      <a:endParaRPr lang="en-US" dirty="0"/>
                     </a:p>
                   </a:txBody>
                   <a:tcPr marL="152400" marR="76200" marT="76200" marB="76200"/>
@@ -5361,7 +4712,7 @@
                   <a:tcPr marL="76200" marR="76200" marT="76200" marB="76200"/>
                 </a:tc>
               </a:tr>
-              <a:tr h="370840">
+              <a:tr h="365760">
                 <a:tc>
                   <a:txBody>
                     <a:bodyPr/>
@@ -5391,7 +4742,7 @@
                   <a:tcPr marL="76200" marR="76200" marT="76200" marB="76200"/>
                 </a:tc>
               </a:tr>
-              <a:tr h="370840">
+              <a:tr h="365760">
                 <a:tc>
                   <a:txBody>
                     <a:bodyPr/>
@@ -5421,7 +4772,7 @@
                   <a:tcPr marL="76200" marR="76200" marT="76200" marB="76200"/>
                 </a:tc>
               </a:tr>
-              <a:tr h="370840">
+              <a:tr h="365760">
                 <a:tc>
                   <a:txBody>
                     <a:bodyPr/>
@@ -5451,7 +4802,7 @@
                   <a:tcPr marL="76200" marR="76200" marT="76200" marB="76200"/>
                 </a:tc>
               </a:tr>
-              <a:tr h="370840">
+              <a:tr h="365760">
                 <a:tc>
                   <a:txBody>
                     <a:bodyPr/>
@@ -5459,7 +4810,7 @@
                     <a:p>
                       <a:pPr algn="l" fontAlgn="t"/>
                       <a:r>
-                        <a:rPr lang="en-US"/>
+                        <a:rPr lang="en-US" dirty="0"/>
                         <a:t>None</a:t>
                       </a:r>
                     </a:p>
@@ -5493,7 +4844,102 @@
 </p:sld>
 </file>
 
-<file path=ppt/slides/slide5.xml><?xml version="1.0" encoding="utf-8"?>
+<file path=ppt/slides/slide3.xml><?xml version="1.0" encoding="utf-8"?>
+<p:sld xmlns:a="http://schemas.openxmlformats.org/drawingml/2006/main" xmlns:r="http://schemas.openxmlformats.org/officeDocument/2006/relationships" xmlns:p="http://schemas.openxmlformats.org/presentationml/2006/main">
+  <p:cSld>
+    <p:spTree>
+      <p:nvGrpSpPr>
+        <p:cNvPr id="1" name=""/>
+        <p:cNvGrpSpPr/>
+        <p:nvPr/>
+      </p:nvGrpSpPr>
+      <p:grpSpPr>
+        <a:xfrm>
+          <a:off x="0" y="0"/>
+          <a:ext cx="0" cy="0"/>
+          <a:chOff x="0" y="0"/>
+          <a:chExt cx="0" cy="0"/>
+        </a:xfrm>
+      </p:grpSpPr>
+      <p:sp>
+        <p:nvSpPr>
+          <p:cNvPr id="2" name="Title 1"/>
+          <p:cNvSpPr>
+            <a:spLocks noGrp="1"/>
+          </p:cNvSpPr>
+          <p:nvPr>
+            <p:ph type="title"/>
+          </p:nvPr>
+        </p:nvSpPr>
+        <p:spPr/>
+        <p:txBody>
+          <a:bodyPr/>
+          <a:lstStyle/>
+          <a:p>
+            <a:r>
+              <a:rPr lang="en-US" dirty="0" smtClean="0"/>
+              <a:t>   </a:t>
+            </a:r>
+            <a:endParaRPr lang="en-US" dirty="0"/>
+          </a:p>
+        </p:txBody>
+      </p:sp>
+      <p:pic>
+        <p:nvPicPr>
+          <p:cNvPr id="4" name="Content Placeholder 3" descr="pj1.PNG"/>
+          <p:cNvPicPr>
+            <a:picLocks noGrp="1" noChangeAspect="1"/>
+          </p:cNvPicPr>
+          <p:nvPr>
+            <p:ph idx="1"/>
+          </p:nvPr>
+        </p:nvPicPr>
+        <p:blipFill>
+          <a:blip r:embed="rId2"/>
+          <a:stretch>
+            <a:fillRect/>
+          </a:stretch>
+        </p:blipFill>
+        <p:spPr>
+          <a:xfrm>
+            <a:off x="533400" y="1"/>
+            <a:ext cx="7924800" cy="3352800"/>
+          </a:xfrm>
+        </p:spPr>
+      </p:pic>
+      <p:pic>
+        <p:nvPicPr>
+          <p:cNvPr id="5" name="Picture 4" descr="pj2.PNG"/>
+          <p:cNvPicPr>
+            <a:picLocks noChangeAspect="1"/>
+          </p:cNvPicPr>
+          <p:nvPr/>
+        </p:nvPicPr>
+        <p:blipFill>
+          <a:blip r:embed="rId3"/>
+          <a:stretch>
+            <a:fillRect/>
+          </a:stretch>
+        </p:blipFill>
+        <p:spPr>
+          <a:xfrm>
+            <a:off x="381000" y="3352800"/>
+            <a:ext cx="8077200" cy="3505200"/>
+          </a:xfrm>
+          <a:prstGeom prst="rect">
+            <a:avLst/>
+          </a:prstGeom>
+        </p:spPr>
+      </p:pic>
+    </p:spTree>
+  </p:cSld>
+  <p:clrMapOvr>
+    <a:masterClrMapping/>
+  </p:clrMapOvr>
+</p:sld>
+</file>
+
+<file path=ppt/slides/slide4.xml><?xml version="1.0" encoding="utf-8"?>
 <p:sld xmlns:a="http://schemas.openxmlformats.org/drawingml/2006/main" xmlns:r="http://schemas.openxmlformats.org/officeDocument/2006/relationships" xmlns:p="http://schemas.openxmlformats.org/presentationml/2006/main">
   <p:cSld>
     <p:spTree>
@@ -6185,6 +5631,317 @@
 </p:sld>
 </file>
 
+<file path=ppt/slides/slide5.xml><?xml version="1.0" encoding="utf-8"?>
+<p:sld xmlns:a="http://schemas.openxmlformats.org/drawingml/2006/main" xmlns:r="http://schemas.openxmlformats.org/officeDocument/2006/relationships" xmlns:p="http://schemas.openxmlformats.org/presentationml/2006/main">
+  <p:cSld>
+    <p:spTree>
+      <p:nvGrpSpPr>
+        <p:cNvPr id="1" name=""/>
+        <p:cNvGrpSpPr/>
+        <p:nvPr/>
+      </p:nvGrpSpPr>
+      <p:grpSpPr>
+        <a:xfrm>
+          <a:off x="0" y="0"/>
+          <a:ext cx="0" cy="0"/>
+          <a:chOff x="0" y="0"/>
+          <a:chExt cx="0" cy="0"/>
+        </a:xfrm>
+      </p:grpSpPr>
+      <p:sp>
+        <p:nvSpPr>
+          <p:cNvPr id="2" name="Title 1"/>
+          <p:cNvSpPr>
+            <a:spLocks noGrp="1"/>
+          </p:cNvSpPr>
+          <p:nvPr>
+            <p:ph type="title"/>
+          </p:nvPr>
+        </p:nvSpPr>
+        <p:spPr>
+          <a:xfrm>
+            <a:off x="457200" y="274638"/>
+            <a:ext cx="8229600" cy="563562"/>
+          </a:xfrm>
+        </p:spPr>
+        <p:txBody>
+          <a:bodyPr>
+            <a:noAutofit/>
+          </a:bodyPr>
+          <a:lstStyle/>
+          <a:p>
+            <a:r>
+              <a:rPr lang="en-US" sz="2400" u="sng" dirty="0" smtClean="0">
+                <a:solidFill>
+                  <a:srgbClr val="FF0000"/>
+                </a:solidFill>
+                <a:latin typeface="Times New Roman" pitchFamily="18" charset="0"/>
+                <a:cs typeface="Times New Roman" pitchFamily="18" charset="0"/>
+              </a:rPr>
+              <a:t>Convert a Python object containing all the legal data types:</a:t>
+            </a:r>
+            <a:br>
+              <a:rPr lang="en-US" sz="2400" u="sng" dirty="0" smtClean="0">
+                <a:solidFill>
+                  <a:srgbClr val="FF0000"/>
+                </a:solidFill>
+                <a:latin typeface="Times New Roman" pitchFamily="18" charset="0"/>
+                <a:cs typeface="Times New Roman" pitchFamily="18" charset="0"/>
+              </a:rPr>
+            </a:br>
+            <a:endParaRPr lang="en-US" sz="2400" u="sng" dirty="0">
+              <a:solidFill>
+                <a:srgbClr val="FF0000"/>
+              </a:solidFill>
+              <a:latin typeface="Times New Roman" pitchFamily="18" charset="0"/>
+              <a:cs typeface="Times New Roman" pitchFamily="18" charset="0"/>
+            </a:endParaRPr>
+          </a:p>
+        </p:txBody>
+      </p:sp>
+      <p:sp>
+        <p:nvSpPr>
+          <p:cNvPr id="3" name="Content Placeholder 2"/>
+          <p:cNvSpPr>
+            <a:spLocks noGrp="1"/>
+          </p:cNvSpPr>
+          <p:nvPr>
+            <p:ph idx="1"/>
+          </p:nvPr>
+        </p:nvSpPr>
+        <p:spPr>
+          <a:xfrm>
+            <a:off x="228600" y="990600"/>
+            <a:ext cx="8458200" cy="5867400"/>
+          </a:xfrm>
+        </p:spPr>
+        <p:txBody>
+          <a:bodyPr>
+            <a:normAutofit fontScale="32500" lnSpcReduction="20000"/>
+          </a:bodyPr>
+          <a:lstStyle/>
+          <a:p>
+            <a:r>
+              <a:rPr lang="en-US" sz="5500" dirty="0" smtClean="0"/>
+              <a:t>import</a:t>
+            </a:r>
+            <a:r>
+              <a:rPr lang="en-US" sz="5500" dirty="0"/>
+              <a:t> </a:t>
+            </a:r>
+            <a:r>
+              <a:rPr lang="en-US" sz="5500" dirty="0" err="1"/>
+              <a:t>json</a:t>
+            </a:r>
+            <a:r>
+              <a:rPr lang="en-US" sz="5500" dirty="0"/>
+              <a:t/>
+            </a:r>
+            <a:br>
+              <a:rPr lang="en-US" sz="5500" dirty="0"/>
+            </a:br>
+            <a:r>
+              <a:rPr lang="en-US" sz="5500" dirty="0"/>
+              <a:t/>
+            </a:r>
+            <a:br>
+              <a:rPr lang="en-US" sz="5500" dirty="0"/>
+            </a:br>
+            <a:r>
+              <a:rPr lang="en-US" sz="5500" dirty="0"/>
+              <a:t>x = {</a:t>
+            </a:r>
+            <a:br>
+              <a:rPr lang="en-US" sz="5500" dirty="0"/>
+            </a:br>
+            <a:r>
+              <a:rPr lang="en-US" sz="5500" dirty="0"/>
+              <a:t>  "name": "John",</a:t>
+            </a:r>
+            <a:br>
+              <a:rPr lang="en-US" sz="5500" dirty="0"/>
+            </a:br>
+            <a:r>
+              <a:rPr lang="en-US" sz="5500" dirty="0"/>
+              <a:t>  "age": 30,</a:t>
+            </a:r>
+            <a:br>
+              <a:rPr lang="en-US" sz="5500" dirty="0"/>
+            </a:br>
+            <a:r>
+              <a:rPr lang="en-US" sz="5500" dirty="0"/>
+              <a:t>  "married": True,</a:t>
+            </a:r>
+            <a:br>
+              <a:rPr lang="en-US" sz="5500" dirty="0"/>
+            </a:br>
+            <a:r>
+              <a:rPr lang="en-US" sz="5500" dirty="0"/>
+              <a:t>  "divorced": False,</a:t>
+            </a:r>
+            <a:br>
+              <a:rPr lang="en-US" sz="5500" dirty="0"/>
+            </a:br>
+            <a:r>
+              <a:rPr lang="en-US" sz="5500" dirty="0"/>
+              <a:t>  "children": ("</a:t>
+            </a:r>
+            <a:r>
+              <a:rPr lang="en-US" sz="5500" dirty="0" err="1"/>
+              <a:t>Ann","Billy</a:t>
+            </a:r>
+            <a:r>
+              <a:rPr lang="en-US" sz="5500" dirty="0"/>
+              <a:t>"),</a:t>
+            </a:r>
+            <a:br>
+              <a:rPr lang="en-US" sz="5500" dirty="0"/>
+            </a:br>
+            <a:r>
+              <a:rPr lang="en-US" sz="5500" dirty="0"/>
+              <a:t>  "pets": None,</a:t>
+            </a:r>
+            <a:br>
+              <a:rPr lang="en-US" sz="5500" dirty="0"/>
+            </a:br>
+            <a:r>
+              <a:rPr lang="en-US" sz="5500" dirty="0"/>
+              <a:t>  "cars": [</a:t>
+            </a:r>
+            <a:br>
+              <a:rPr lang="en-US" sz="5500" dirty="0"/>
+            </a:br>
+            <a:r>
+              <a:rPr lang="en-US" sz="5500" dirty="0"/>
+              <a:t>    {"model": "BMW 230", "mpg": 27.5},</a:t>
+            </a:r>
+            <a:br>
+              <a:rPr lang="en-US" sz="5500" dirty="0"/>
+            </a:br>
+            <a:r>
+              <a:rPr lang="en-US" sz="5500" dirty="0"/>
+              <a:t>    {"model": "Ford Edge", "mpg": 24.1}</a:t>
+            </a:r>
+            <a:br>
+              <a:rPr lang="en-US" sz="5500" dirty="0"/>
+            </a:br>
+            <a:r>
+              <a:rPr lang="en-US" sz="5500" dirty="0"/>
+              <a:t>  ]</a:t>
+            </a:r>
+            <a:br>
+              <a:rPr lang="en-US" sz="5500" dirty="0"/>
+            </a:br>
+            <a:r>
+              <a:rPr lang="en-US" sz="5500" dirty="0"/>
+              <a:t>}</a:t>
+            </a:r>
+            <a:br>
+              <a:rPr lang="en-US" sz="5500" dirty="0"/>
+            </a:br>
+            <a:r>
+              <a:rPr lang="en-US" sz="5500" dirty="0"/>
+              <a:t/>
+            </a:r>
+            <a:br>
+              <a:rPr lang="en-US" sz="5500" dirty="0"/>
+            </a:br>
+            <a:r>
+              <a:rPr lang="en-US" sz="5500" dirty="0"/>
+              <a:t>print(</a:t>
+            </a:r>
+            <a:r>
+              <a:rPr lang="en-US" sz="5500" dirty="0" err="1"/>
+              <a:t>json.dumps</a:t>
+            </a:r>
+            <a:r>
+              <a:rPr lang="en-US" sz="5500" dirty="0"/>
+              <a:t>(x</a:t>
+            </a:r>
+            <a:r>
+              <a:rPr lang="en-US" sz="5500" dirty="0" smtClean="0"/>
+              <a:t>))</a:t>
+            </a:r>
+          </a:p>
+          <a:p>
+            <a:endParaRPr lang="en-US" sz="5100" dirty="0"/>
+          </a:p>
+          <a:p>
+            <a:r>
+              <a:rPr lang="en-US" sz="5100" dirty="0" smtClean="0"/>
+              <a:t>Output:</a:t>
+            </a:r>
+          </a:p>
+          <a:p>
+            <a:pPr>
+              <a:buNone/>
+            </a:pPr>
+            <a:r>
+              <a:rPr lang="en-US" sz="6200" dirty="0"/>
+              <a:t> </a:t>
+            </a:r>
+            <a:r>
+              <a:rPr lang="en-US" sz="6200" dirty="0" smtClean="0"/>
+              <a:t>      </a:t>
+            </a:r>
+            <a:r>
+              <a:rPr lang="en-US" sz="6200" dirty="0"/>
+              <a:t>{"name": "John", "age": 30, "married": true, "divorced": false, "children": ["</a:t>
+            </a:r>
+            <a:r>
+              <a:rPr lang="en-US" sz="6200" dirty="0" err="1"/>
+              <a:t>Ann","Billy</a:t>
+            </a:r>
+            <a:r>
+              <a:rPr lang="en-US" sz="6200" dirty="0"/>
+              <a:t>"], </a:t>
+            </a:r>
+            <a:r>
+              <a:rPr lang="en-US" sz="6200" dirty="0" smtClean="0"/>
+              <a:t> "</a:t>
+            </a:r>
+            <a:r>
+              <a:rPr lang="en-US" sz="6200" dirty="0"/>
+              <a:t>pets": null, "cars": [{"model": "BMW 230", "mpg": 27.5}, {"model": "Ford Edge", "mpg": 24.1}]}</a:t>
+            </a:r>
+            <a:r>
+              <a:rPr lang="en-US" sz="7400" dirty="0"/>
+              <a:t/>
+            </a:r>
+            <a:br>
+              <a:rPr lang="en-US" sz="7400" dirty="0"/>
+            </a:br>
+            <a:endParaRPr lang="en-US" sz="7400" dirty="0"/>
+          </a:p>
+          <a:p>
+            <a:pPr>
+              <a:buNone/>
+            </a:pPr>
+            <a:endParaRPr lang="en-US" dirty="0"/>
+          </a:p>
+          <a:p>
+            <a:pPr>
+              <a:buNone/>
+            </a:pPr>
+            <a:r>
+              <a:rPr lang="en-US" dirty="0" smtClean="0"/>
+              <a:t/>
+            </a:r>
+            <a:br>
+              <a:rPr lang="en-US" dirty="0" smtClean="0"/>
+            </a:br>
+            <a:endParaRPr lang="en-US" dirty="0"/>
+          </a:p>
+        </p:txBody>
+      </p:sp>
+    </p:spTree>
+  </p:cSld>
+  <p:clrMapOvr>
+    <a:masterClrMapping/>
+  </p:clrMapOvr>
+</p:sld>
+</file>
+
 <file path=ppt/slides/slide6.xml><?xml version="1.0" encoding="utf-8"?>
 <p:sld xmlns:a="http://schemas.openxmlformats.org/drawingml/2006/main" xmlns:r="http://schemas.openxmlformats.org/officeDocument/2006/relationships" xmlns:p="http://schemas.openxmlformats.org/presentationml/2006/main">
   <p:cSld>
@@ -6215,215 +5972,131 @@
         <p:spPr>
           <a:xfrm>
             <a:off x="457200" y="274638"/>
-            <a:ext cx="8229600" cy="563562"/>
+            <a:ext cx="8229600" cy="792162"/>
           </a:xfrm>
         </p:spPr>
         <p:txBody>
           <a:bodyPr>
-            <a:noAutofit/>
+            <a:normAutofit fontScale="90000"/>
           </a:bodyPr>
           <a:lstStyle/>
           <a:p>
             <a:r>
-              <a:rPr lang="en-US" sz="2400" u="sng" dirty="0" smtClean="0">
+              <a:rPr lang="en-US" dirty="0" smtClean="0">
                 <a:solidFill>
                   <a:srgbClr val="FF0000"/>
                 </a:solidFill>
                 <a:latin typeface="Times New Roman" pitchFamily="18" charset="0"/>
                 <a:cs typeface="Times New Roman" pitchFamily="18" charset="0"/>
               </a:rPr>
-              <a:t>Convert a Python object containing all the legal data types:</a:t>
-            </a:r>
-            <a:br>
-              <a:rPr lang="en-US" sz="2400" u="sng" dirty="0" smtClean="0">
-                <a:solidFill>
-                  <a:srgbClr val="FF0000"/>
-                </a:solidFill>
+              <a:t>Format the Result:</a:t>
+            </a:r>
+            <a:r>
+              <a:rPr lang="en-US" dirty="0" smtClean="0"/>
+              <a:t/>
+            </a:r>
+            <a:br>
+              <a:rPr lang="en-US" dirty="0" smtClean="0"/>
+            </a:br>
+            <a:endParaRPr lang="en-US" dirty="0"/>
+          </a:p>
+        </p:txBody>
+      </p:sp>
+      <p:sp>
+        <p:nvSpPr>
+          <p:cNvPr id="3" name="Content Placeholder 2"/>
+          <p:cNvSpPr>
+            <a:spLocks noGrp="1"/>
+          </p:cNvSpPr>
+          <p:nvPr>
+            <p:ph idx="1"/>
+          </p:nvPr>
+        </p:nvSpPr>
+        <p:spPr>
+          <a:xfrm>
+            <a:off x="457200" y="914400"/>
+            <a:ext cx="8229600" cy="5211763"/>
+          </a:xfrm>
+        </p:spPr>
+        <p:txBody>
+          <a:bodyPr>
+            <a:normAutofit fontScale="70000" lnSpcReduction="20000"/>
+          </a:bodyPr>
+          <a:lstStyle/>
+          <a:p>
+            <a:r>
+              <a:rPr lang="en-US" dirty="0" smtClean="0">
                 <a:latin typeface="Times New Roman" pitchFamily="18" charset="0"/>
                 <a:cs typeface="Times New Roman" pitchFamily="18" charset="0"/>
               </a:rPr>
-            </a:br>
-            <a:endParaRPr lang="en-US" sz="2400" u="sng" dirty="0">
-              <a:solidFill>
-                <a:srgbClr val="FF0000"/>
-              </a:solidFill>
-              <a:latin typeface="Times New Roman" pitchFamily="18" charset="0"/>
-              <a:cs typeface="Times New Roman" pitchFamily="18" charset="0"/>
-            </a:endParaRPr>
-          </a:p>
-        </p:txBody>
-      </p:sp>
-      <p:sp>
-        <p:nvSpPr>
-          <p:cNvPr id="3" name="Content Placeholder 2"/>
-          <p:cNvSpPr>
-            <a:spLocks noGrp="1"/>
-          </p:cNvSpPr>
-          <p:nvPr>
-            <p:ph idx="1"/>
-          </p:nvPr>
-        </p:nvSpPr>
-        <p:spPr>
-          <a:xfrm>
-            <a:off x="228600" y="990600"/>
-            <a:ext cx="8458200" cy="5867400"/>
-          </a:xfrm>
-        </p:spPr>
-        <p:txBody>
-          <a:bodyPr>
-            <a:normAutofit fontScale="32500" lnSpcReduction="20000"/>
-          </a:bodyPr>
-          <a:lstStyle/>
-          <a:p>
-            <a:r>
-              <a:rPr lang="en-US" sz="5500" dirty="0" smtClean="0"/>
-              <a:t>import</a:t>
-            </a:r>
-            <a:r>
-              <a:rPr lang="en-US" sz="5500" dirty="0"/>
-              <a:t> </a:t>
-            </a:r>
-            <a:r>
-              <a:rPr lang="en-US" sz="5500" dirty="0" err="1"/>
-              <a:t>json</a:t>
-            </a:r>
-            <a:r>
-              <a:rPr lang="en-US" sz="5500" dirty="0"/>
-              <a:t/>
-            </a:r>
-            <a:br>
-              <a:rPr lang="en-US" sz="5500" dirty="0"/>
-            </a:br>
-            <a:r>
-              <a:rPr lang="en-US" sz="5500" dirty="0"/>
-              <a:t/>
-            </a:r>
-            <a:br>
-              <a:rPr lang="en-US" sz="5500" dirty="0"/>
-            </a:br>
-            <a:r>
-              <a:rPr lang="en-US" sz="5500" dirty="0"/>
-              <a:t>x = {</a:t>
-            </a:r>
-            <a:br>
-              <a:rPr lang="en-US" sz="5500" dirty="0"/>
-            </a:br>
-            <a:r>
-              <a:rPr lang="en-US" sz="5500" dirty="0"/>
-              <a:t>  "name": "John",</a:t>
-            </a:r>
-            <a:br>
-              <a:rPr lang="en-US" sz="5500" dirty="0"/>
-            </a:br>
-            <a:r>
-              <a:rPr lang="en-US" sz="5500" dirty="0"/>
-              <a:t>  "age": 30,</a:t>
-            </a:r>
-            <a:br>
-              <a:rPr lang="en-US" sz="5500" dirty="0"/>
-            </a:br>
-            <a:r>
-              <a:rPr lang="en-US" sz="5500" dirty="0"/>
-              <a:t>  "married": True,</a:t>
-            </a:r>
-            <a:br>
-              <a:rPr lang="en-US" sz="5500" dirty="0"/>
-            </a:br>
-            <a:r>
-              <a:rPr lang="en-US" sz="5500" dirty="0"/>
-              <a:t>  "divorced": False,</a:t>
-            </a:r>
-            <a:br>
-              <a:rPr lang="en-US" sz="5500" dirty="0"/>
-            </a:br>
-            <a:r>
-              <a:rPr lang="en-US" sz="5500" dirty="0"/>
-              <a:t>  "children": ("</a:t>
-            </a:r>
-            <a:r>
-              <a:rPr lang="en-US" sz="5500" dirty="0" err="1"/>
-              <a:t>Ann","Billy</a:t>
-            </a:r>
-            <a:r>
-              <a:rPr lang="en-US" sz="5500" dirty="0"/>
-              <a:t>"),</a:t>
-            </a:r>
-            <a:br>
-              <a:rPr lang="en-US" sz="5500" dirty="0"/>
-            </a:br>
-            <a:r>
-              <a:rPr lang="en-US" sz="5500" dirty="0"/>
-              <a:t>  "pets": None,</a:t>
-            </a:r>
-            <a:br>
-              <a:rPr lang="en-US" sz="5500" dirty="0"/>
-            </a:br>
-            <a:r>
-              <a:rPr lang="en-US" sz="5500" dirty="0"/>
-              <a:t>  "cars": [</a:t>
-            </a:r>
-            <a:br>
-              <a:rPr lang="en-US" sz="5500" dirty="0"/>
-            </a:br>
-            <a:r>
-              <a:rPr lang="en-US" sz="5500" dirty="0"/>
-              <a:t>    {"model": "BMW 230", "mpg": 27.5},</a:t>
-            </a:r>
-            <a:br>
-              <a:rPr lang="en-US" sz="5500" dirty="0"/>
-            </a:br>
-            <a:r>
-              <a:rPr lang="en-US" sz="5500" dirty="0"/>
-              <a:t>    {"model": "Ford Edge", "mpg": 24.1}</a:t>
-            </a:r>
-            <a:br>
-              <a:rPr lang="en-US" sz="5500" dirty="0"/>
-            </a:br>
-            <a:r>
-              <a:rPr lang="en-US" sz="5500" dirty="0"/>
-              <a:t>  ]</a:t>
-            </a:r>
-            <a:br>
-              <a:rPr lang="en-US" sz="5500" dirty="0"/>
-            </a:br>
-            <a:r>
-              <a:rPr lang="en-US" sz="5500" dirty="0"/>
-              <a:t>}</a:t>
-            </a:r>
-            <a:br>
-              <a:rPr lang="en-US" sz="5500" dirty="0"/>
-            </a:br>
-            <a:r>
-              <a:rPr lang="en-US" sz="5500" dirty="0"/>
-              <a:t/>
-            </a:r>
-            <a:br>
-              <a:rPr lang="en-US" sz="5500" dirty="0"/>
-            </a:br>
-            <a:r>
-              <a:rPr lang="en-US" sz="5500" dirty="0"/>
-              <a:t>print(</a:t>
-            </a:r>
-            <a:r>
-              <a:rPr lang="en-US" sz="5500" dirty="0" err="1"/>
+              <a:t>The </a:t>
+            </a:r>
+            <a:r>
+              <a:rPr lang="en-US" dirty="0">
+                <a:latin typeface="Times New Roman" pitchFamily="18" charset="0"/>
+                <a:cs typeface="Times New Roman" pitchFamily="18" charset="0"/>
+              </a:rPr>
+              <a:t>example above prints a JSON string, but it is not very easy to read, with no indentations and line breaks.</a:t>
+            </a:r>
+          </a:p>
+          <a:p>
+            <a:r>
+              <a:rPr lang="en-US" dirty="0">
+                <a:latin typeface="Times New Roman" pitchFamily="18" charset="0"/>
+                <a:cs typeface="Times New Roman" pitchFamily="18" charset="0"/>
+              </a:rPr>
+              <a:t>The json.dumps() method has parameters to make it easier to read the result:</a:t>
+            </a:r>
+          </a:p>
+          <a:p>
+            <a:r>
+              <a:rPr lang="en-US" dirty="0">
+                <a:latin typeface="Times New Roman" pitchFamily="18" charset="0"/>
+                <a:cs typeface="Times New Roman" pitchFamily="18" charset="0"/>
+              </a:rPr>
+              <a:t>Example</a:t>
+            </a:r>
+          </a:p>
+          <a:p>
+            <a:r>
+              <a:rPr lang="en-US" dirty="0">
+                <a:latin typeface="Times New Roman" pitchFamily="18" charset="0"/>
+                <a:cs typeface="Times New Roman" pitchFamily="18" charset="0"/>
+              </a:rPr>
+              <a:t>Use the indent parameter to define the numbers of indents:</a:t>
+            </a:r>
+          </a:p>
+          <a:p>
+            <a:pPr>
+              <a:buNone/>
+            </a:pPr>
+            <a:r>
+              <a:rPr lang="en-US" dirty="0" smtClean="0"/>
+              <a:t>                      </a:t>
+            </a:r>
+            <a:r>
+              <a:rPr lang="en-US" dirty="0" err="1" smtClean="0">
+                <a:solidFill>
+                  <a:schemeClr val="tx2"/>
+                </a:solidFill>
+              </a:rPr>
               <a:t>json.dumps</a:t>
             </a:r>
             <a:r>
-              <a:rPr lang="en-US" sz="5500" dirty="0"/>
+              <a:rPr lang="en-US" dirty="0" smtClean="0">
+                <a:solidFill>
+                  <a:schemeClr val="tx2"/>
+                </a:solidFill>
+              </a:rPr>
               <a:t>(x</a:t>
             </a:r>
             <a:r>
-              <a:rPr lang="en-US" sz="5500" dirty="0" smtClean="0"/>
-              <a:t>))</a:t>
-            </a:r>
-          </a:p>
-          <a:p>
-            <a:endParaRPr lang="en-US" sz="5100" dirty="0"/>
-          </a:p>
-          <a:p>
-            <a:r>
-              <a:rPr lang="en-US" sz="5100" dirty="0" smtClean="0"/>
-              <a:t>Output:</a:t>
+              <a:rPr lang="en-US" dirty="0">
+                <a:solidFill>
+                  <a:schemeClr val="tx2"/>
+                </a:solidFill>
+              </a:rPr>
+              <a:t>, indent=4)</a:t>
             </a:r>
           </a:p>
           <a:p>
@@ -6431,59 +6104,99 @@
               <a:buNone/>
             </a:pPr>
             <a:r>
-              <a:rPr lang="en-US" sz="6200" dirty="0"/>
-              <a:t> </a:t>
-            </a:r>
-            <a:r>
-              <a:rPr lang="en-US" sz="6200" dirty="0" smtClean="0"/>
-              <a:t>      </a:t>
-            </a:r>
-            <a:r>
-              <a:rPr lang="en-US" sz="6200" dirty="0"/>
-              <a:t>{"name": "John", "age": 30, "married": true, "divorced": false, "children": ["</a:t>
-            </a:r>
-            <a:r>
-              <a:rPr lang="en-US" sz="6200" dirty="0" err="1"/>
-              <a:t>Ann","Billy</a:t>
-            </a:r>
-            <a:r>
-              <a:rPr lang="en-US" sz="6200" dirty="0"/>
-              <a:t>"], </a:t>
-            </a:r>
-            <a:r>
-              <a:rPr lang="en-US" sz="6200" dirty="0" smtClean="0"/>
-              <a:t> "</a:t>
-            </a:r>
-            <a:r>
-              <a:rPr lang="en-US" sz="6200" dirty="0"/>
-              <a:t>pets": null, "cars": [{"model": "BMW 230", "mpg": 27.5}, {"model": "Ford Edge", "mpg": 24.1}]}</a:t>
-            </a:r>
-            <a:r>
-              <a:rPr lang="en-US" sz="7400" dirty="0"/>
-              <a:t/>
-            </a:r>
-            <a:br>
-              <a:rPr lang="en-US" sz="7400" dirty="0"/>
-            </a:br>
-            <a:endParaRPr lang="en-US" sz="7400" dirty="0"/>
+              <a:rPr lang="en-US" dirty="0" smtClean="0">
+                <a:solidFill>
+                  <a:schemeClr val="tx2"/>
+                </a:solidFill>
+              </a:rPr>
+              <a:t>                      print(</a:t>
+            </a:r>
+            <a:r>
+              <a:rPr lang="en-US" dirty="0" err="1" smtClean="0">
+                <a:solidFill>
+                  <a:schemeClr val="tx2"/>
+                </a:solidFill>
+              </a:rPr>
+              <a:t>json.dumps</a:t>
+            </a:r>
+            <a:r>
+              <a:rPr lang="en-US" dirty="0" smtClean="0">
+                <a:solidFill>
+                  <a:schemeClr val="tx2"/>
+                </a:solidFill>
+              </a:rPr>
+              <a:t>(x, indent=4))</a:t>
+            </a:r>
           </a:p>
           <a:p>
             <a:pPr>
               <a:buNone/>
             </a:pPr>
-            <a:endParaRPr lang="en-US" dirty="0"/>
+            <a:endParaRPr lang="en-US" dirty="0" smtClean="0"/>
+          </a:p>
+          <a:p>
+            <a:r>
+              <a:rPr lang="en-US" dirty="0"/>
+              <a:t>You can also define the separators, default value is (", ", ": "), which means using a comma and a space to separate each object, and a colon and a space to separate keys from values:</a:t>
+            </a:r>
+          </a:p>
+          <a:p>
+            <a:r>
+              <a:rPr lang="en-US" dirty="0"/>
+              <a:t>Example</a:t>
+            </a:r>
+          </a:p>
+          <a:p>
+            <a:r>
+              <a:rPr lang="en-US" dirty="0" smtClean="0"/>
+              <a:t>    Use </a:t>
+            </a:r>
+            <a:r>
+              <a:rPr lang="en-US" dirty="0"/>
+              <a:t>the separators parameter to change the default separator:</a:t>
+            </a:r>
           </a:p>
           <a:p>
             <a:pPr>
               <a:buNone/>
             </a:pPr>
             <a:r>
-              <a:rPr lang="en-US" dirty="0" smtClean="0"/>
-              <a:t/>
-            </a:r>
-            <a:br>
-              <a:rPr lang="en-US" dirty="0" smtClean="0"/>
-            </a:br>
+              <a:rPr lang="en-US" dirty="0" smtClean="0">
+                <a:solidFill>
+                  <a:schemeClr val="tx2"/>
+                </a:solidFill>
+              </a:rPr>
+              <a:t>                       </a:t>
+            </a:r>
+            <a:r>
+              <a:rPr lang="en-US" dirty="0" err="1" smtClean="0">
+                <a:solidFill>
+                  <a:schemeClr val="tx2"/>
+                </a:solidFill>
+              </a:rPr>
+              <a:t>json.dumps</a:t>
+            </a:r>
+            <a:r>
+              <a:rPr lang="en-US" dirty="0" smtClean="0">
+                <a:solidFill>
+                  <a:schemeClr val="tx2"/>
+                </a:solidFill>
+              </a:rPr>
+              <a:t>(x</a:t>
+            </a:r>
+            <a:r>
+              <a:rPr lang="en-US" dirty="0">
+                <a:solidFill>
+                  <a:schemeClr val="tx2"/>
+                </a:solidFill>
+              </a:rPr>
+              <a:t>, indent=4, separators=(". ", " = "))</a:t>
+            </a:r>
+          </a:p>
+          <a:p>
+            <a:endParaRPr lang="en-US" dirty="0" smtClean="0"/>
+          </a:p>
+          <a:p>
             <a:endParaRPr lang="en-US" dirty="0"/>
           </a:p>
         </p:txBody>
@@ -6523,36 +6236,64 @@
             <p:ph type="title"/>
           </p:nvPr>
         </p:nvSpPr>
+        <p:spPr/>
+        <p:txBody>
+          <a:bodyPr>
+            <a:normAutofit/>
+          </a:bodyPr>
+          <a:lstStyle/>
+          <a:p>
+            <a:r>
+              <a:rPr lang="en-US" dirty="0" smtClean="0"/>
+              <a:t>   </a:t>
+            </a:r>
+            <a:endParaRPr lang="en-US" dirty="0"/>
+          </a:p>
+        </p:txBody>
+      </p:sp>
+      <p:sp>
+        <p:nvSpPr>
+          <p:cNvPr id="5" name="Text Placeholder 4"/>
+          <p:cNvSpPr>
+            <a:spLocks noGrp="1"/>
+          </p:cNvSpPr>
+          <p:nvPr>
+            <p:ph type="body" idx="1"/>
+          </p:nvPr>
+        </p:nvSpPr>
         <p:spPr>
           <a:xfrm>
-            <a:off x="457200" y="274638"/>
-            <a:ext cx="8229600" cy="792162"/>
+            <a:off x="381000" y="228600"/>
+            <a:ext cx="4040188" cy="381000"/>
           </a:xfrm>
         </p:spPr>
         <p:txBody>
           <a:bodyPr>
-            <a:normAutofit fontScale="90000"/>
+            <a:normAutofit fontScale="92500" lnSpcReduction="20000"/>
           </a:bodyPr>
           <a:lstStyle/>
           <a:p>
             <a:r>
-              <a:rPr lang="en-US" dirty="0" smtClean="0">
+              <a:rPr lang="en-US" dirty="0" smtClean="0"/>
+              <a:t>      </a:t>
+            </a:r>
+            <a:r>
+              <a:rPr lang="en-US" b="0" dirty="0" smtClean="0">
                 <a:solidFill>
                   <a:srgbClr val="FF0000"/>
                 </a:solidFill>
                 <a:latin typeface="Times New Roman" pitchFamily="18" charset="0"/>
                 <a:cs typeface="Times New Roman" pitchFamily="18" charset="0"/>
               </a:rPr>
-              <a:t>Format the Result:</a:t>
-            </a:r>
-            <a:r>
-              <a:rPr lang="en-US" dirty="0" smtClean="0"/>
-              <a:t/>
-            </a:r>
-            <a:br>
-              <a:rPr lang="en-US" dirty="0" smtClean="0"/>
-            </a:br>
-            <a:endParaRPr lang="en-US" dirty="0"/>
+              <a:t>using  indent parameter:</a:t>
+            </a:r>
+            <a:endParaRPr lang="en-US" b="0" dirty="0">
+              <a:solidFill>
+                <a:srgbClr val="FF0000"/>
+              </a:solidFill>
+              <a:latin typeface="Times New Roman" pitchFamily="18" charset="0"/>
+              <a:cs typeface="Times New Roman" pitchFamily="18" charset="0"/>
+            </a:endParaRPr>
           </a:p>
         </p:txBody>
       </p:sp>
@@ -6563,13 +6304,506 @@
             <a:spLocks noGrp="1"/>
           </p:cNvSpPr>
           <p:nvPr>
-            <p:ph idx="1"/>
+            <p:ph sz="half" idx="2"/>
           </p:nvPr>
         </p:nvSpPr>
         <p:spPr>
           <a:xfrm>
-            <a:off x="457200" y="914400"/>
-            <a:ext cx="8229600" cy="5211763"/>
+            <a:off x="228600" y="990600"/>
+            <a:ext cx="4495800" cy="5867400"/>
+          </a:xfrm>
+        </p:spPr>
+        <p:txBody>
+          <a:bodyPr>
+            <a:normAutofit fontScale="92500" lnSpcReduction="20000"/>
+          </a:bodyPr>
+          <a:lstStyle/>
+          <a:p>
+            <a:r>
+              <a:rPr lang="en-US" dirty="0">
+                <a:solidFill>
+                  <a:schemeClr val="tx2"/>
+                </a:solidFill>
+              </a:rPr>
+              <a:t>{</a:t>
+            </a:r>
+            <a:r>
+              <a:rPr lang="en-US" dirty="0" smtClean="0">
+                <a:solidFill>
+                  <a:schemeClr val="tx2"/>
+                </a:solidFill>
+              </a:rPr>
+              <a:t/>
+            </a:r>
+            <a:br>
+              <a:rPr lang="en-US" dirty="0" smtClean="0">
+                <a:solidFill>
+                  <a:schemeClr val="tx2"/>
+                </a:solidFill>
+              </a:rPr>
+            </a:br>
+            <a:r>
+              <a:rPr lang="en-US" dirty="0">
+                <a:solidFill>
+                  <a:schemeClr val="tx2"/>
+                </a:solidFill>
+              </a:rPr>
+              <a:t>    "name": "John",</a:t>
+            </a:r>
+            <a:r>
+              <a:rPr lang="en-US" dirty="0" smtClean="0">
+                <a:solidFill>
+                  <a:schemeClr val="tx2"/>
+                </a:solidFill>
+              </a:rPr>
+              <a:t/>
+            </a:r>
+            <a:br>
+              <a:rPr lang="en-US" dirty="0" smtClean="0">
+                <a:solidFill>
+                  <a:schemeClr val="tx2"/>
+                </a:solidFill>
+              </a:rPr>
+            </a:br>
+            <a:r>
+              <a:rPr lang="en-US" dirty="0">
+                <a:solidFill>
+                  <a:schemeClr val="tx2"/>
+                </a:solidFill>
+              </a:rPr>
+              <a:t>    "age": 30,</a:t>
+            </a:r>
+            <a:r>
+              <a:rPr lang="en-US" dirty="0" smtClean="0">
+                <a:solidFill>
+                  <a:schemeClr val="tx2"/>
+                </a:solidFill>
+              </a:rPr>
+              <a:t/>
+            </a:r>
+            <a:br>
+              <a:rPr lang="en-US" dirty="0" smtClean="0">
+                <a:solidFill>
+                  <a:schemeClr val="tx2"/>
+                </a:solidFill>
+              </a:rPr>
+            </a:br>
+            <a:r>
+              <a:rPr lang="en-US" dirty="0">
+                <a:solidFill>
+                  <a:schemeClr val="tx2"/>
+                </a:solidFill>
+              </a:rPr>
+              <a:t>    "married": true,</a:t>
+            </a:r>
+            <a:r>
+              <a:rPr lang="en-US" dirty="0" smtClean="0">
+                <a:solidFill>
+                  <a:schemeClr val="tx2"/>
+                </a:solidFill>
+              </a:rPr>
+              <a:t/>
+            </a:r>
+            <a:br>
+              <a:rPr lang="en-US" dirty="0" smtClean="0">
+                <a:solidFill>
+                  <a:schemeClr val="tx2"/>
+                </a:solidFill>
+              </a:rPr>
+            </a:br>
+            <a:r>
+              <a:rPr lang="en-US" dirty="0">
+                <a:solidFill>
+                  <a:schemeClr val="tx2"/>
+                </a:solidFill>
+              </a:rPr>
+              <a:t>    "divorced": false,</a:t>
+            </a:r>
+            <a:r>
+              <a:rPr lang="en-US" dirty="0" smtClean="0">
+                <a:solidFill>
+                  <a:schemeClr val="tx2"/>
+                </a:solidFill>
+              </a:rPr>
+              <a:t/>
+            </a:r>
+            <a:br>
+              <a:rPr lang="en-US" dirty="0" smtClean="0">
+                <a:solidFill>
+                  <a:schemeClr val="tx2"/>
+                </a:solidFill>
+              </a:rPr>
+            </a:br>
+            <a:r>
+              <a:rPr lang="en-US" dirty="0">
+                <a:solidFill>
+                  <a:schemeClr val="tx2"/>
+                </a:solidFill>
+              </a:rPr>
+              <a:t>    "children": [</a:t>
+            </a:r>
+            <a:r>
+              <a:rPr lang="en-US" dirty="0" smtClean="0">
+                <a:solidFill>
+                  <a:schemeClr val="tx2"/>
+                </a:solidFill>
+              </a:rPr>
+              <a:t/>
+            </a:r>
+            <a:br>
+              <a:rPr lang="en-US" dirty="0" smtClean="0">
+                <a:solidFill>
+                  <a:schemeClr val="tx2"/>
+                </a:solidFill>
+              </a:rPr>
+            </a:br>
+            <a:r>
+              <a:rPr lang="en-US" dirty="0">
+                <a:solidFill>
+                  <a:schemeClr val="tx2"/>
+                </a:solidFill>
+              </a:rPr>
+              <a:t>        "Ann",</a:t>
+            </a:r>
+            <a:r>
+              <a:rPr lang="en-US" dirty="0" smtClean="0">
+                <a:solidFill>
+                  <a:schemeClr val="tx2"/>
+                </a:solidFill>
+              </a:rPr>
+              <a:t/>
+            </a:r>
+            <a:br>
+              <a:rPr lang="en-US" dirty="0" smtClean="0">
+                <a:solidFill>
+                  <a:schemeClr val="tx2"/>
+                </a:solidFill>
+              </a:rPr>
+            </a:br>
+            <a:r>
+              <a:rPr lang="en-US" dirty="0">
+                <a:solidFill>
+                  <a:schemeClr val="tx2"/>
+                </a:solidFill>
+              </a:rPr>
+              <a:t>        "Billy"</a:t>
+            </a:r>
+            <a:r>
+              <a:rPr lang="en-US" dirty="0" smtClean="0">
+                <a:solidFill>
+                  <a:schemeClr val="tx2"/>
+                </a:solidFill>
+              </a:rPr>
+              <a:t/>
+            </a:r>
+            <a:br>
+              <a:rPr lang="en-US" dirty="0" smtClean="0">
+                <a:solidFill>
+                  <a:schemeClr val="tx2"/>
+                </a:solidFill>
+              </a:rPr>
+            </a:br>
+            <a:r>
+              <a:rPr lang="en-US" dirty="0">
+                <a:solidFill>
+                  <a:schemeClr val="tx2"/>
+                </a:solidFill>
+              </a:rPr>
+              <a:t>    ],</a:t>
+            </a:r>
+            <a:r>
+              <a:rPr lang="en-US" dirty="0" smtClean="0">
+                <a:solidFill>
+                  <a:schemeClr val="tx2"/>
+                </a:solidFill>
+              </a:rPr>
+              <a:t/>
+            </a:r>
+            <a:br>
+              <a:rPr lang="en-US" dirty="0" smtClean="0">
+                <a:solidFill>
+                  <a:schemeClr val="tx2"/>
+                </a:solidFill>
+              </a:rPr>
+            </a:br>
+            <a:r>
+              <a:rPr lang="en-US" dirty="0">
+                <a:solidFill>
+                  <a:schemeClr val="tx2"/>
+                </a:solidFill>
+              </a:rPr>
+              <a:t>    "pets": null,</a:t>
+            </a:r>
+            <a:r>
+              <a:rPr lang="en-US" dirty="0" smtClean="0">
+                <a:solidFill>
+                  <a:schemeClr val="tx2"/>
+                </a:solidFill>
+              </a:rPr>
+              <a:t/>
+            </a:r>
+            <a:br>
+              <a:rPr lang="en-US" dirty="0" smtClean="0">
+                <a:solidFill>
+                  <a:schemeClr val="tx2"/>
+                </a:solidFill>
+              </a:rPr>
+            </a:br>
+            <a:r>
+              <a:rPr lang="en-US" dirty="0">
+                <a:solidFill>
+                  <a:schemeClr val="tx2"/>
+                </a:solidFill>
+              </a:rPr>
+              <a:t>    "cars": [</a:t>
+            </a:r>
+            <a:r>
+              <a:rPr lang="en-US" dirty="0" smtClean="0">
+                <a:solidFill>
+                  <a:schemeClr val="tx2"/>
+                </a:solidFill>
+              </a:rPr>
+              <a:t/>
+            </a:r>
+            <a:br>
+              <a:rPr lang="en-US" dirty="0" smtClean="0">
+                <a:solidFill>
+                  <a:schemeClr val="tx2"/>
+                </a:solidFill>
+              </a:rPr>
+            </a:br>
+            <a:r>
+              <a:rPr lang="en-US" dirty="0">
+                <a:solidFill>
+                  <a:schemeClr val="tx2"/>
+                </a:solidFill>
+              </a:rPr>
+              <a:t>        {</a:t>
+            </a:r>
+            <a:r>
+              <a:rPr lang="en-US" dirty="0" smtClean="0">
+                <a:solidFill>
+                  <a:schemeClr val="tx2"/>
+                </a:solidFill>
+              </a:rPr>
+              <a:t/>
+            </a:r>
+            <a:br>
+              <a:rPr lang="en-US" dirty="0" smtClean="0">
+                <a:solidFill>
+                  <a:schemeClr val="tx2"/>
+                </a:solidFill>
+              </a:rPr>
+            </a:br>
+            <a:r>
+              <a:rPr lang="en-US" dirty="0">
+                <a:solidFill>
+                  <a:schemeClr val="tx2"/>
+                </a:solidFill>
+              </a:rPr>
+              <a:t>            "model": "BMW 230",</a:t>
+            </a:r>
+            <a:r>
+              <a:rPr lang="en-US" dirty="0" smtClean="0">
+                <a:solidFill>
+                  <a:schemeClr val="tx2"/>
+                </a:solidFill>
+              </a:rPr>
+              <a:t/>
+            </a:r>
+            <a:br>
+              <a:rPr lang="en-US" dirty="0" smtClean="0">
+                <a:solidFill>
+                  <a:schemeClr val="tx2"/>
+                </a:solidFill>
+              </a:rPr>
+            </a:br>
+            <a:r>
+              <a:rPr lang="en-US" dirty="0">
+                <a:solidFill>
+                  <a:schemeClr val="tx2"/>
+                </a:solidFill>
+              </a:rPr>
+              <a:t>            "mpg": 27.5</a:t>
+            </a:r>
+            <a:r>
+              <a:rPr lang="en-US" dirty="0" smtClean="0">
+                <a:solidFill>
+                  <a:schemeClr val="tx2"/>
+                </a:solidFill>
+              </a:rPr>
+              <a:t/>
+            </a:r>
+            <a:br>
+              <a:rPr lang="en-US" dirty="0" smtClean="0">
+                <a:solidFill>
+                  <a:schemeClr val="tx2"/>
+                </a:solidFill>
+              </a:rPr>
+            </a:br>
+            <a:r>
+              <a:rPr lang="en-US" dirty="0">
+                <a:solidFill>
+                  <a:schemeClr val="tx2"/>
+                </a:solidFill>
+              </a:rPr>
+              <a:t>        },</a:t>
+            </a:r>
+            <a:r>
+              <a:rPr lang="en-US" dirty="0" smtClean="0">
+                <a:solidFill>
+                  <a:schemeClr val="tx2"/>
+                </a:solidFill>
+              </a:rPr>
+              <a:t/>
+            </a:r>
+            <a:br>
+              <a:rPr lang="en-US" dirty="0" smtClean="0">
+                <a:solidFill>
+                  <a:schemeClr val="tx2"/>
+                </a:solidFill>
+              </a:rPr>
+            </a:br>
+            <a:r>
+              <a:rPr lang="en-US" dirty="0">
+                <a:solidFill>
+                  <a:schemeClr val="tx2"/>
+                </a:solidFill>
+              </a:rPr>
+              <a:t>        {</a:t>
+            </a:r>
+            <a:r>
+              <a:rPr lang="en-US" dirty="0" smtClean="0">
+                <a:solidFill>
+                  <a:schemeClr val="tx2"/>
+                </a:solidFill>
+              </a:rPr>
+              <a:t/>
+            </a:r>
+            <a:br>
+              <a:rPr lang="en-US" dirty="0" smtClean="0">
+                <a:solidFill>
+                  <a:schemeClr val="tx2"/>
+                </a:solidFill>
+              </a:rPr>
+            </a:br>
+            <a:r>
+              <a:rPr lang="en-US" dirty="0">
+                <a:solidFill>
+                  <a:schemeClr val="tx2"/>
+                </a:solidFill>
+              </a:rPr>
+              <a:t>            "model": "Ford Edge",</a:t>
+            </a:r>
+            <a:r>
+              <a:rPr lang="en-US" dirty="0" smtClean="0">
+                <a:solidFill>
+                  <a:schemeClr val="tx2"/>
+                </a:solidFill>
+              </a:rPr>
+              <a:t/>
+            </a:r>
+            <a:br>
+              <a:rPr lang="en-US" dirty="0" smtClean="0">
+                <a:solidFill>
+                  <a:schemeClr val="tx2"/>
+                </a:solidFill>
+              </a:rPr>
+            </a:br>
+            <a:r>
+              <a:rPr lang="en-US" dirty="0">
+                <a:solidFill>
+                  <a:schemeClr val="tx2"/>
+                </a:solidFill>
+              </a:rPr>
+              <a:t>            "mpg": 24.1</a:t>
+            </a:r>
+            <a:r>
+              <a:rPr lang="en-US" dirty="0" smtClean="0">
+                <a:solidFill>
+                  <a:schemeClr val="tx2"/>
+                </a:solidFill>
+              </a:rPr>
+              <a:t/>
+            </a:r>
+            <a:br>
+              <a:rPr lang="en-US" dirty="0" smtClean="0">
+                <a:solidFill>
+                  <a:schemeClr val="tx2"/>
+                </a:solidFill>
+              </a:rPr>
+            </a:br>
+            <a:r>
+              <a:rPr lang="en-US" dirty="0">
+                <a:solidFill>
+                  <a:schemeClr val="tx2"/>
+                </a:solidFill>
+              </a:rPr>
+              <a:t>        }</a:t>
+            </a:r>
+            <a:r>
+              <a:rPr lang="en-US" dirty="0" smtClean="0">
+                <a:solidFill>
+                  <a:schemeClr val="tx2"/>
+                </a:solidFill>
+              </a:rPr>
+              <a:t/>
+            </a:r>
+            <a:br>
+              <a:rPr lang="en-US" dirty="0" smtClean="0">
+                <a:solidFill>
+                  <a:schemeClr val="tx2"/>
+                </a:solidFill>
+              </a:rPr>
+            </a:br>
+            <a:r>
+              <a:rPr lang="en-US" dirty="0">
+                <a:solidFill>
+                  <a:schemeClr val="tx2"/>
+                </a:solidFill>
+              </a:rPr>
+              <a:t>    ]</a:t>
+            </a:r>
+            <a:r>
+              <a:rPr lang="en-US" dirty="0" smtClean="0">
+                <a:solidFill>
+                  <a:schemeClr val="tx2"/>
+                </a:solidFill>
+              </a:rPr>
+              <a:t/>
+            </a:r>
+            <a:br>
+              <a:rPr lang="en-US" dirty="0" smtClean="0">
+                <a:solidFill>
+                  <a:schemeClr val="tx2"/>
+                </a:solidFill>
+              </a:rPr>
+            </a:br>
+            <a:r>
+              <a:rPr lang="en-US" dirty="0">
+                <a:solidFill>
+                  <a:schemeClr val="tx2"/>
+                </a:solidFill>
+              </a:rPr>
+              <a:t>}</a:t>
+            </a:r>
+          </a:p>
+        </p:txBody>
+      </p:sp>
+      <p:sp>
+        <p:nvSpPr>
+          <p:cNvPr id="6" name="Text Placeholder 5"/>
+          <p:cNvSpPr>
+            <a:spLocks noGrp="1"/>
+          </p:cNvSpPr>
+          <p:nvPr>
+            <p:ph type="body" sz="quarter" idx="3"/>
+          </p:nvPr>
+        </p:nvSpPr>
+        <p:spPr>
+          <a:xfrm>
+            <a:off x="4572000" y="228600"/>
+            <a:ext cx="4038599" cy="533400"/>
           </a:xfrm>
         </p:spPr>
         <p:txBody>
@@ -6579,193 +6813,533 @@
           <a:lstStyle/>
           <a:p>
             <a:r>
-              <a:rPr lang="en-US" dirty="0" smtClean="0">
+              <a:rPr lang="en-US" dirty="0" smtClean="0"/>
+              <a:t> </a:t>
+            </a:r>
+            <a:r>
+              <a:rPr lang="en-US" b="0" dirty="0" smtClean="0">
+                <a:solidFill>
+                  <a:srgbClr val="FF0000"/>
+                </a:solidFill>
                 <a:latin typeface="Times New Roman" pitchFamily="18" charset="0"/>
                 <a:cs typeface="Times New Roman" pitchFamily="18" charset="0"/>
               </a:rPr>
-              <a:t>The </a:t>
-            </a:r>
-            <a:r>
-              <a:rPr lang="en-US" dirty="0">
+              <a:t>using  indent parameter and  </a:t>
+            </a:r>
+            <a:r>
+              <a:rPr lang="en-US" b="0" dirty="0" err="1" smtClean="0">
+                <a:solidFill>
+                  <a:srgbClr val="FF0000"/>
+                </a:solidFill>
                 <a:latin typeface="Times New Roman" pitchFamily="18" charset="0"/>
                 <a:cs typeface="Times New Roman" pitchFamily="18" charset="0"/>
               </a:rPr>
-              <a:t>example above prints a JSON string, but it is not very easy to read, with no indentations and line breaks.</a:t>
-            </a:r>
-          </a:p>
-          <a:p>
-            <a:r>
-              <a:rPr lang="en-US" dirty="0">
+              <a:t>Seperator</a:t>
+            </a:r>
+            <a:r>
+              <a:rPr lang="en-US" b="0" dirty="0" smtClean="0">
+                <a:solidFill>
+                  <a:srgbClr val="FF0000"/>
+                </a:solidFill>
                 <a:latin typeface="Times New Roman" pitchFamily="18" charset="0"/>
                 <a:cs typeface="Times New Roman" pitchFamily="18" charset="0"/>
               </a:rPr>
-              <a:t>The </a:t>
-            </a:r>
-            <a:r>
-              <a:rPr lang="en-US" dirty="0" err="1">
-                <a:latin typeface="Times New Roman" pitchFamily="18" charset="0"/>
-                <a:cs typeface="Times New Roman" pitchFamily="18" charset="0"/>
-              </a:rPr>
-              <a:t>json.dumps</a:t>
-            </a:r>
+              <a:t>              parameter :</a:t>
+            </a:r>
+            <a:endParaRPr lang="en-US" dirty="0"/>
+          </a:p>
+        </p:txBody>
+      </p:sp>
+      <p:sp>
+        <p:nvSpPr>
+          <p:cNvPr id="7" name="Content Placeholder 6"/>
+          <p:cNvSpPr>
+            <a:spLocks noGrp="1"/>
+          </p:cNvSpPr>
+          <p:nvPr>
+            <p:ph sz="quarter" idx="4"/>
+          </p:nvPr>
+        </p:nvSpPr>
+        <p:spPr>
+          <a:xfrm>
+            <a:off x="4645025" y="762000"/>
+            <a:ext cx="4498975" cy="6096000"/>
+          </a:xfrm>
+        </p:spPr>
+        <p:txBody>
+          <a:bodyPr>
+            <a:normAutofit fontScale="92500" lnSpcReduction="20000"/>
+          </a:bodyPr>
+          <a:lstStyle/>
+          <a:p>
             <a:r>
               <a:rPr lang="en-US" dirty="0">
-                <a:latin typeface="Times New Roman" pitchFamily="18" charset="0"/>
-                <a:cs typeface="Times New Roman" pitchFamily="18" charset="0"/>
-              </a:rPr>
-              <a:t>() method has parameters to make it easier to read the result:</a:t>
-            </a:r>
-          </a:p>
-          <a:p>
+                <a:solidFill>
+                  <a:schemeClr val="tx2"/>
+                </a:solidFill>
+              </a:rPr>
+              <a:t>{</a:t>
+            </a:r>
+            <a:r>
+              <a:rPr lang="en-US" dirty="0" smtClean="0">
+                <a:solidFill>
+                  <a:schemeClr val="tx2"/>
+                </a:solidFill>
+              </a:rPr>
+              <a:t/>
+            </a:r>
+            <a:br>
+              <a:rPr lang="en-US" dirty="0" smtClean="0">
+                <a:solidFill>
+                  <a:schemeClr val="tx2"/>
+                </a:solidFill>
+              </a:rPr>
+            </a:br>
             <a:r>
               <a:rPr lang="en-US" dirty="0">
-                <a:latin typeface="Times New Roman" pitchFamily="18" charset="0"/>
-                <a:cs typeface="Times New Roman" pitchFamily="18" charset="0"/>
-              </a:rPr>
-              <a:t>Example</a:t>
-            </a:r>
-          </a:p>
-          <a:p>
+                <a:solidFill>
+                  <a:schemeClr val="tx2"/>
+                </a:solidFill>
+              </a:rPr>
+              <a:t>    "name" = "John".</a:t>
+            </a:r>
+            <a:r>
+              <a:rPr lang="en-US" dirty="0" smtClean="0">
+                <a:solidFill>
+                  <a:schemeClr val="tx2"/>
+                </a:solidFill>
+              </a:rPr>
+              <a:t/>
+            </a:r>
+            <a:br>
+              <a:rPr lang="en-US" dirty="0" smtClean="0">
+                <a:solidFill>
+                  <a:schemeClr val="tx2"/>
+                </a:solidFill>
+              </a:rPr>
+            </a:br>
             <a:r>
               <a:rPr lang="en-US" dirty="0">
-                <a:latin typeface="Times New Roman" pitchFamily="18" charset="0"/>
-                <a:cs typeface="Times New Roman" pitchFamily="18" charset="0"/>
-              </a:rPr>
-              <a:t>Use the indent parameter to define the numbers of indents:</a:t>
-            </a:r>
-          </a:p>
-          <a:p>
-            <a:pPr>
-              <a:buNone/>
-            </a:pPr>
-            <a:r>
-              <a:rPr lang="en-US" dirty="0" smtClean="0"/>
-              <a:t>                      </a:t>
-            </a:r>
-            <a:r>
-              <a:rPr lang="en-US" dirty="0" err="1" smtClean="0">
-                <a:solidFill>
-                  <a:schemeClr val="tx2"/>
-                </a:solidFill>
-              </a:rPr>
-              <a:t>json.dumps</a:t>
-            </a:r>
-            <a:r>
-              <a:rPr lang="en-US" dirty="0" smtClean="0">
-                <a:solidFill>
-                  <a:schemeClr val="tx2"/>
-                </a:solidFill>
-              </a:rPr>
-              <a:t>(x</a:t>
-            </a:r>
+                <a:solidFill>
+                  <a:schemeClr val="tx2"/>
+                </a:solidFill>
+              </a:rPr>
+              <a:t>    "age" = 30.</a:t>
+            </a:r>
+            <a:r>
+              <a:rPr lang="en-US" dirty="0" smtClean="0">
+                <a:solidFill>
+                  <a:schemeClr val="tx2"/>
+                </a:solidFill>
+              </a:rPr>
+              <a:t/>
+            </a:r>
+            <a:br>
+              <a:rPr lang="en-US" dirty="0" smtClean="0">
+                <a:solidFill>
+                  <a:schemeClr val="tx2"/>
+                </a:solidFill>
+              </a:rPr>
+            </a:br>
             <a:r>
               <a:rPr lang="en-US" dirty="0">
                 <a:solidFill>
                   <a:schemeClr val="tx2"/>
                 </a:solidFill>
               </a:rPr>
-              <a:t>, indent=4)</a:t>
-            </a:r>
-          </a:p>
-          <a:p>
-            <a:pPr>
-              <a:buNone/>
-            </a:pPr>
-            <a:r>
-              <a:rPr lang="en-US" dirty="0" smtClean="0">
-                <a:solidFill>
-                  <a:schemeClr val="tx2"/>
-                </a:solidFill>
-              </a:rPr>
-              <a:t>                      print(</a:t>
-            </a:r>
-            <a:r>
-              <a:rPr lang="en-US" dirty="0" err="1" smtClean="0">
-                <a:solidFill>
-                  <a:schemeClr val="tx2"/>
-                </a:solidFill>
-              </a:rPr>
-              <a:t>json.dumps</a:t>
-            </a:r>
-            <a:r>
-              <a:rPr lang="en-US" dirty="0" smtClean="0">
-                <a:solidFill>
-                  <a:schemeClr val="tx2"/>
-                </a:solidFill>
-              </a:rPr>
-              <a:t>(x, indent=4))</a:t>
-            </a:r>
-          </a:p>
-          <a:p>
-            <a:pPr>
-              <a:buNone/>
-            </a:pPr>
-            <a:endParaRPr lang="en-US" dirty="0" smtClean="0"/>
-          </a:p>
-          <a:p>
-            <a:r>
-              <a:rPr lang="en-US" dirty="0"/>
-              <a:t>You can also define the separators, default value is (", ", ": "), which means using a comma and a space to separate each object, and a colon and a space to separate keys from values:</a:t>
-            </a:r>
-          </a:p>
-          <a:p>
-            <a:r>
-              <a:rPr lang="en-US" dirty="0"/>
-              <a:t>Example</a:t>
-            </a:r>
-          </a:p>
-          <a:p>
-            <a:r>
-              <a:rPr lang="en-US" dirty="0" smtClean="0"/>
-              <a:t>    Use </a:t>
-            </a:r>
-            <a:r>
-              <a:rPr lang="en-US" dirty="0"/>
-              <a:t>the separators parameter to change the default separator:</a:t>
-            </a:r>
-          </a:p>
-          <a:p>
-            <a:pPr>
-              <a:buNone/>
-            </a:pPr>
-            <a:r>
-              <a:rPr lang="en-US" dirty="0" smtClean="0">
-                <a:solidFill>
-                  <a:schemeClr val="tx2"/>
-                </a:solidFill>
-              </a:rPr>
-              <a:t>                       </a:t>
-            </a:r>
-            <a:r>
-              <a:rPr lang="en-US" dirty="0" err="1" smtClean="0">
-                <a:solidFill>
-                  <a:schemeClr val="tx2"/>
-                </a:solidFill>
-              </a:rPr>
-              <a:t>json.dumps</a:t>
-            </a:r>
-            <a:r>
-              <a:rPr lang="en-US" dirty="0" smtClean="0">
-                <a:solidFill>
-                  <a:schemeClr val="tx2"/>
-                </a:solidFill>
-              </a:rPr>
-              <a:t>(x</a:t>
-            </a:r>
+              <a:t>    "married" = true.</a:t>
+            </a:r>
+            <a:r>
+              <a:rPr lang="en-US" dirty="0" smtClean="0">
+                <a:solidFill>
+                  <a:schemeClr val="tx2"/>
+                </a:solidFill>
+              </a:rPr>
+              <a:t/>
+            </a:r>
+            <a:br>
+              <a:rPr lang="en-US" dirty="0" smtClean="0">
+                <a:solidFill>
+                  <a:schemeClr val="tx2"/>
+                </a:solidFill>
+              </a:rPr>
+            </a:br>
             <a:r>
               <a:rPr lang="en-US" dirty="0">
                 <a:solidFill>
                   <a:schemeClr val="tx2"/>
                 </a:solidFill>
               </a:rPr>
-              <a:t>, indent=4, separators=(". ", " = "))</a:t>
-            </a:r>
-          </a:p>
-          <a:p>
-            <a:endParaRPr lang="en-US" dirty="0" smtClean="0"/>
-          </a:p>
-          <a:p>
-            <a:endParaRPr lang="en-US" dirty="0"/>
+              <a:t>    "divorced" = false.</a:t>
+            </a:r>
+            <a:r>
+              <a:rPr lang="en-US" dirty="0" smtClean="0">
+                <a:solidFill>
+                  <a:schemeClr val="tx2"/>
+                </a:solidFill>
+              </a:rPr>
+              <a:t/>
+            </a:r>
+            <a:br>
+              <a:rPr lang="en-US" dirty="0" smtClean="0">
+                <a:solidFill>
+                  <a:schemeClr val="tx2"/>
+                </a:solidFill>
+              </a:rPr>
+            </a:br>
+            <a:r>
+              <a:rPr lang="en-US" dirty="0">
+                <a:solidFill>
+                  <a:schemeClr val="tx2"/>
+                </a:solidFill>
+              </a:rPr>
+              <a:t>    "children" = [</a:t>
+            </a:r>
+            <a:r>
+              <a:rPr lang="en-US" dirty="0" smtClean="0">
+                <a:solidFill>
+                  <a:schemeClr val="tx2"/>
+                </a:solidFill>
+              </a:rPr>
+              <a:t/>
+            </a:r>
+            <a:br>
+              <a:rPr lang="en-US" dirty="0" smtClean="0">
+                <a:solidFill>
+                  <a:schemeClr val="tx2"/>
+                </a:solidFill>
+              </a:rPr>
+            </a:br>
+            <a:r>
+              <a:rPr lang="en-US" dirty="0">
+                <a:solidFill>
+                  <a:schemeClr val="tx2"/>
+                </a:solidFill>
+              </a:rPr>
+              <a:t>        "Ann".</a:t>
+            </a:r>
+            <a:r>
+              <a:rPr lang="en-US" dirty="0" smtClean="0">
+                <a:solidFill>
+                  <a:schemeClr val="tx2"/>
+                </a:solidFill>
+              </a:rPr>
+              <a:t/>
+            </a:r>
+            <a:br>
+              <a:rPr lang="en-US" dirty="0" smtClean="0">
+                <a:solidFill>
+                  <a:schemeClr val="tx2"/>
+                </a:solidFill>
+              </a:rPr>
+            </a:br>
+            <a:r>
+              <a:rPr lang="en-US" dirty="0">
+                <a:solidFill>
+                  <a:schemeClr val="tx2"/>
+                </a:solidFill>
+              </a:rPr>
+              <a:t>        "Billy"</a:t>
+            </a:r>
+            <a:r>
+              <a:rPr lang="en-US" dirty="0" smtClean="0">
+                <a:solidFill>
+                  <a:schemeClr val="tx2"/>
+                </a:solidFill>
+              </a:rPr>
+              <a:t/>
+            </a:r>
+            <a:br>
+              <a:rPr lang="en-US" dirty="0" smtClean="0">
+                <a:solidFill>
+                  <a:schemeClr val="tx2"/>
+                </a:solidFill>
+              </a:rPr>
+            </a:br>
+            <a:r>
+              <a:rPr lang="en-US" dirty="0">
+                <a:solidFill>
+                  <a:schemeClr val="tx2"/>
+                </a:solidFill>
+              </a:rPr>
+              <a:t>    ],</a:t>
+            </a:r>
+            <a:r>
+              <a:rPr lang="en-US" dirty="0" smtClean="0">
+                <a:solidFill>
+                  <a:schemeClr val="tx2"/>
+                </a:solidFill>
+              </a:rPr>
+              <a:t/>
+            </a:r>
+            <a:br>
+              <a:rPr lang="en-US" dirty="0" smtClean="0">
+                <a:solidFill>
+                  <a:schemeClr val="tx2"/>
+                </a:solidFill>
+              </a:rPr>
+            </a:br>
+            <a:r>
+              <a:rPr lang="en-US" dirty="0">
+                <a:solidFill>
+                  <a:schemeClr val="tx2"/>
+                </a:solidFill>
+              </a:rPr>
+              <a:t>    "pets" = null.</a:t>
+            </a:r>
+            <a:r>
+              <a:rPr lang="en-US" dirty="0" smtClean="0">
+                <a:solidFill>
+                  <a:schemeClr val="tx2"/>
+                </a:solidFill>
+              </a:rPr>
+              <a:t/>
+            </a:r>
+            <a:br>
+              <a:rPr lang="en-US" dirty="0" smtClean="0">
+                <a:solidFill>
+                  <a:schemeClr val="tx2"/>
+                </a:solidFill>
+              </a:rPr>
+            </a:br>
+            <a:r>
+              <a:rPr lang="en-US" dirty="0">
+                <a:solidFill>
+                  <a:schemeClr val="tx2"/>
+                </a:solidFill>
+              </a:rPr>
+              <a:t>    "cars" = [</a:t>
+            </a:r>
+            <a:r>
+              <a:rPr lang="en-US" dirty="0" smtClean="0">
+                <a:solidFill>
+                  <a:schemeClr val="tx2"/>
+                </a:solidFill>
+              </a:rPr>
+              <a:t/>
+            </a:r>
+            <a:br>
+              <a:rPr lang="en-US" dirty="0" smtClean="0">
+                <a:solidFill>
+                  <a:schemeClr val="tx2"/>
+                </a:solidFill>
+              </a:rPr>
+            </a:br>
+            <a:r>
+              <a:rPr lang="en-US" dirty="0">
+                <a:solidFill>
+                  <a:schemeClr val="tx2"/>
+                </a:solidFill>
+              </a:rPr>
+              <a:t>        {</a:t>
+            </a:r>
+            <a:r>
+              <a:rPr lang="en-US" dirty="0" smtClean="0">
+                <a:solidFill>
+                  <a:schemeClr val="tx2"/>
+                </a:solidFill>
+              </a:rPr>
+              <a:t/>
+            </a:r>
+            <a:br>
+              <a:rPr lang="en-US" dirty="0" smtClean="0">
+                <a:solidFill>
+                  <a:schemeClr val="tx2"/>
+                </a:solidFill>
+              </a:rPr>
+            </a:br>
+            <a:r>
+              <a:rPr lang="en-US" dirty="0">
+                <a:solidFill>
+                  <a:schemeClr val="tx2"/>
+                </a:solidFill>
+              </a:rPr>
+              <a:t>            "model" = "BMW 230".</a:t>
+            </a:r>
+            <a:r>
+              <a:rPr lang="en-US" dirty="0" smtClean="0">
+                <a:solidFill>
+                  <a:schemeClr val="tx2"/>
+                </a:solidFill>
+              </a:rPr>
+              <a:t/>
+            </a:r>
+            <a:br>
+              <a:rPr lang="en-US" dirty="0" smtClean="0">
+                <a:solidFill>
+                  <a:schemeClr val="tx2"/>
+                </a:solidFill>
+              </a:rPr>
+            </a:br>
+            <a:r>
+              <a:rPr lang="en-US" dirty="0">
+                <a:solidFill>
+                  <a:schemeClr val="tx2"/>
+                </a:solidFill>
+              </a:rPr>
+              <a:t>            "mpg" = 27.5</a:t>
+            </a:r>
+            <a:r>
+              <a:rPr lang="en-US" dirty="0" smtClean="0">
+                <a:solidFill>
+                  <a:schemeClr val="tx2"/>
+                </a:solidFill>
+              </a:rPr>
+              <a:t/>
+            </a:r>
+            <a:br>
+              <a:rPr lang="en-US" dirty="0" smtClean="0">
+                <a:solidFill>
+                  <a:schemeClr val="tx2"/>
+                </a:solidFill>
+              </a:rPr>
+            </a:br>
+            <a:r>
+              <a:rPr lang="en-US" dirty="0">
+                <a:solidFill>
+                  <a:schemeClr val="tx2"/>
+                </a:solidFill>
+              </a:rPr>
+              <a:t>        }.</a:t>
+            </a:r>
+            <a:r>
+              <a:rPr lang="en-US" dirty="0" smtClean="0">
+                <a:solidFill>
+                  <a:schemeClr val="tx2"/>
+                </a:solidFill>
+              </a:rPr>
+              <a:t/>
+            </a:r>
+            <a:br>
+              <a:rPr lang="en-US" dirty="0" smtClean="0">
+                <a:solidFill>
+                  <a:schemeClr val="tx2"/>
+                </a:solidFill>
+              </a:rPr>
+            </a:br>
+            <a:r>
+              <a:rPr lang="en-US" dirty="0">
+                <a:solidFill>
+                  <a:schemeClr val="tx2"/>
+                </a:solidFill>
+              </a:rPr>
+              <a:t>        {</a:t>
+            </a:r>
+            <a:r>
+              <a:rPr lang="en-US" dirty="0" smtClean="0">
+                <a:solidFill>
+                  <a:schemeClr val="tx2"/>
+                </a:solidFill>
+              </a:rPr>
+              <a:t/>
+            </a:r>
+            <a:br>
+              <a:rPr lang="en-US" dirty="0" smtClean="0">
+                <a:solidFill>
+                  <a:schemeClr val="tx2"/>
+                </a:solidFill>
+              </a:rPr>
+            </a:br>
+            <a:r>
+              <a:rPr lang="en-US" dirty="0">
+                <a:solidFill>
+                  <a:schemeClr val="tx2"/>
+                </a:solidFill>
+              </a:rPr>
+              <a:t>            "model" = "Ford Edge".</a:t>
+            </a:r>
+            <a:r>
+              <a:rPr lang="en-US" dirty="0" smtClean="0">
+                <a:solidFill>
+                  <a:schemeClr val="tx2"/>
+                </a:solidFill>
+              </a:rPr>
+              <a:t/>
+            </a:r>
+            <a:br>
+              <a:rPr lang="en-US" dirty="0" smtClean="0">
+                <a:solidFill>
+                  <a:schemeClr val="tx2"/>
+                </a:solidFill>
+              </a:rPr>
+            </a:br>
+            <a:r>
+              <a:rPr lang="en-US" dirty="0">
+                <a:solidFill>
+                  <a:schemeClr val="tx2"/>
+                </a:solidFill>
+              </a:rPr>
+              <a:t>            "mpg" = 24.1</a:t>
+            </a:r>
+            <a:r>
+              <a:rPr lang="en-US" dirty="0" smtClean="0">
+                <a:solidFill>
+                  <a:schemeClr val="tx2"/>
+                </a:solidFill>
+              </a:rPr>
+              <a:t/>
+            </a:r>
+            <a:br>
+              <a:rPr lang="en-US" dirty="0" smtClean="0">
+                <a:solidFill>
+                  <a:schemeClr val="tx2"/>
+                </a:solidFill>
+              </a:rPr>
+            </a:br>
+            <a:r>
+              <a:rPr lang="en-US" dirty="0">
+                <a:solidFill>
+                  <a:schemeClr val="tx2"/>
+                </a:solidFill>
+              </a:rPr>
+              <a:t>        }</a:t>
+            </a:r>
+            <a:r>
+              <a:rPr lang="en-US" dirty="0" smtClean="0">
+                <a:solidFill>
+                  <a:schemeClr val="tx2"/>
+                </a:solidFill>
+              </a:rPr>
+              <a:t/>
+            </a:r>
+            <a:br>
+              <a:rPr lang="en-US" dirty="0" smtClean="0">
+                <a:solidFill>
+                  <a:schemeClr val="tx2"/>
+                </a:solidFill>
+              </a:rPr>
+            </a:br>
+            <a:r>
+              <a:rPr lang="en-US" dirty="0">
+                <a:solidFill>
+                  <a:schemeClr val="tx2"/>
+                </a:solidFill>
+              </a:rPr>
+              <a:t>    ]</a:t>
+            </a:r>
+            <a:r>
+              <a:rPr lang="en-US" dirty="0" smtClean="0">
+                <a:solidFill>
+                  <a:schemeClr val="tx2"/>
+                </a:solidFill>
+              </a:rPr>
+              <a:t/>
+            </a:r>
+            <a:br>
+              <a:rPr lang="en-US" dirty="0" smtClean="0">
+                <a:solidFill>
+                  <a:schemeClr val="tx2"/>
+                </a:solidFill>
+              </a:rPr>
+            </a:br>
+            <a:r>
+              <a:rPr lang="en-US" dirty="0">
+                <a:solidFill>
+                  <a:schemeClr val="tx2"/>
+                </a:solidFill>
+              </a:rPr>
+              <a:t>}</a:t>
+            </a:r>
           </a:p>
         </p:txBody>
       </p:sp>
@@ -6804,1110 +7378,332 @@
             <p:ph type="title"/>
           </p:nvPr>
         </p:nvSpPr>
-        <p:spPr/>
+        <p:spPr>
+          <a:xfrm>
+            <a:off x="457200" y="152400"/>
+            <a:ext cx="8229600" cy="1265238"/>
+          </a:xfrm>
+        </p:spPr>
         <p:txBody>
           <a:bodyPr>
-            <a:normAutofit/>
+            <a:normAutofit fontScale="90000"/>
           </a:bodyPr>
           <a:lstStyle/>
           <a:p>
             <a:r>
+              <a:rPr lang="en-US" sz="3600" u="sng" dirty="0" smtClean="0">
+                <a:solidFill>
+                  <a:srgbClr val="FF0000"/>
+                </a:solidFill>
+                <a:latin typeface="Times New Roman" pitchFamily="18" charset="0"/>
+                <a:cs typeface="Times New Roman" pitchFamily="18" charset="0"/>
+              </a:rPr>
+              <a:t>Parse JSON - Convert from JSON to Python</a:t>
+            </a:r>
+            <a:r>
               <a:rPr lang="en-US" dirty="0" smtClean="0"/>
-              <a:t>   </a:t>
-            </a:r>
+              <a:t/>
+            </a:r>
+            <a:br>
+              <a:rPr lang="en-US" dirty="0" smtClean="0"/>
+            </a:br>
             <a:endParaRPr lang="en-US" dirty="0"/>
           </a:p>
         </p:txBody>
       </p:sp>
       <p:sp>
         <p:nvSpPr>
-          <p:cNvPr id="5" name="Text Placeholder 4"/>
-          <p:cNvSpPr>
-            <a:spLocks noGrp="1"/>
-          </p:cNvSpPr>
-          <p:nvPr>
-            <p:ph type="body" idx="1"/>
+          <p:cNvPr id="3" name="Content Placeholder 2"/>
+          <p:cNvSpPr>
+            <a:spLocks noGrp="1"/>
+          </p:cNvSpPr>
+          <p:nvPr>
+            <p:ph idx="1"/>
           </p:nvPr>
         </p:nvSpPr>
         <p:spPr>
           <a:xfrm>
-            <a:off x="381000" y="228600"/>
-            <a:ext cx="4040188" cy="381000"/>
+            <a:off x="457200" y="762000"/>
+            <a:ext cx="8229600" cy="6400800"/>
           </a:xfrm>
         </p:spPr>
         <p:txBody>
           <a:bodyPr>
-            <a:normAutofit fontScale="92500" lnSpcReduction="20000"/>
+            <a:normAutofit lnSpcReduction="10000"/>
           </a:bodyPr>
           <a:lstStyle/>
           <a:p>
-            <a:r>
-              <a:rPr lang="en-US" dirty="0" smtClean="0"/>
-              <a:t>      </a:t>
-            </a:r>
-            <a:r>
-              <a:rPr lang="en-US" b="0" dirty="0" smtClean="0">
-                <a:solidFill>
-                  <a:srgbClr val="FF0000"/>
-                </a:solidFill>
+            <a:pPr>
+              <a:lnSpc>
+                <a:spcPct val="120000"/>
+              </a:lnSpc>
+            </a:pPr>
+            <a:r>
+              <a:rPr lang="en-US" sz="1800" dirty="0" smtClean="0"/>
+              <a:t>Decode JSON strings into Python objects</a:t>
+            </a:r>
+          </a:p>
+          <a:p>
+            <a:pPr>
+              <a:lnSpc>
+                <a:spcPct val="120000"/>
+              </a:lnSpc>
+            </a:pPr>
+            <a:r>
+              <a:rPr lang="en-US" sz="1800" dirty="0" smtClean="0">
                 <a:latin typeface="Times New Roman" pitchFamily="18" charset="0"/>
                 <a:cs typeface="Times New Roman" pitchFamily="18" charset="0"/>
               </a:rPr>
-              <a:t>using  indent parameter:</a:t>
-            </a:r>
-            <a:endParaRPr lang="en-US" b="0" dirty="0">
-              <a:solidFill>
-                <a:srgbClr val="FF0000"/>
-              </a:solidFill>
+              <a:t>If </a:t>
+            </a:r>
+            <a:r>
+              <a:rPr lang="en-US" sz="1800" dirty="0">
+                <a:latin typeface="Times New Roman" pitchFamily="18" charset="0"/>
+                <a:cs typeface="Times New Roman" pitchFamily="18" charset="0"/>
+              </a:rPr>
+              <a:t>you have a JSON string, you can parse it by using </a:t>
+            </a:r>
+            <a:r>
+              <a:rPr lang="en-US" sz="1800" dirty="0" smtClean="0">
+                <a:latin typeface="Times New Roman" pitchFamily="18" charset="0"/>
+                <a:cs typeface="Times New Roman" pitchFamily="18" charset="0"/>
+              </a:rPr>
+              <a:t>the </a:t>
+            </a:r>
+            <a:r>
+              <a:rPr lang="en-US" sz="1800" dirty="0">
+                <a:latin typeface="Times New Roman" pitchFamily="18" charset="0"/>
+                <a:cs typeface="Times New Roman" pitchFamily="18" charset="0"/>
+              </a:rPr>
+              <a:t> json.loads</a:t>
+            </a:r>
+            <a:r>
+              <a:rPr lang="en-US" sz="1800" dirty="0" smtClean="0">
+                <a:latin typeface="Times New Roman" pitchFamily="18" charset="0"/>
+                <a:cs typeface="Times New Roman" pitchFamily="18" charset="0"/>
+              </a:rPr>
+              <a:t>() </a:t>
+            </a:r>
+            <a:r>
+              <a:rPr lang="en-US" sz="1800" dirty="0">
+                <a:latin typeface="Times New Roman" pitchFamily="18" charset="0"/>
+                <a:cs typeface="Times New Roman" pitchFamily="18" charset="0"/>
+              </a:rPr>
+              <a:t> </a:t>
+            </a:r>
+            <a:r>
+              <a:rPr lang="en-US" sz="1800" dirty="0" smtClean="0">
+                <a:latin typeface="Times New Roman" pitchFamily="18" charset="0"/>
+                <a:cs typeface="Times New Roman" pitchFamily="18" charset="0"/>
+              </a:rPr>
+              <a:t>method. </a:t>
+            </a:r>
+            <a:r>
+              <a:rPr lang="en-US" sz="1800" dirty="0">
+                <a:latin typeface="Times New Roman" pitchFamily="18" charset="0"/>
+                <a:cs typeface="Times New Roman" pitchFamily="18" charset="0"/>
+              </a:rPr>
+              <a:t>You can use </a:t>
+            </a:r>
+            <a:r>
+              <a:rPr lang="en-US" sz="1800" dirty="0" smtClean="0">
+                <a:latin typeface="Times New Roman" pitchFamily="18" charset="0"/>
+                <a:cs typeface="Times New Roman" pitchFamily="18" charset="0"/>
+              </a:rPr>
+              <a:t> </a:t>
+            </a:r>
+            <a:r>
+              <a:rPr lang="en-US" sz="1800" dirty="0" err="1" smtClean="0">
+                <a:latin typeface="Times New Roman" pitchFamily="18" charset="0"/>
+                <a:cs typeface="Times New Roman" pitchFamily="18" charset="0"/>
+              </a:rPr>
+              <a:t>json.load</a:t>
+            </a:r>
+            <a:r>
+              <a:rPr lang="en-US" sz="1800" dirty="0" smtClean="0">
+                <a:latin typeface="Times New Roman" pitchFamily="18" charset="0"/>
+                <a:cs typeface="Times New Roman" pitchFamily="18" charset="0"/>
+              </a:rPr>
+              <a:t>()</a:t>
+            </a:r>
+            <a:r>
+              <a:rPr lang="en-US" sz="1800" dirty="0">
+                <a:latin typeface="Times New Roman" pitchFamily="18" charset="0"/>
+                <a:cs typeface="Times New Roman" pitchFamily="18" charset="0"/>
+              </a:rPr>
+              <a:t> </a:t>
+            </a:r>
+            <a:r>
+              <a:rPr lang="en-US" sz="1800" dirty="0" smtClean="0">
+                <a:latin typeface="Times New Roman" pitchFamily="18" charset="0"/>
+                <a:cs typeface="Times New Roman" pitchFamily="18" charset="0"/>
+              </a:rPr>
+              <a:t> method </a:t>
+            </a:r>
+            <a:r>
+              <a:rPr lang="en-US" sz="1800" dirty="0">
+                <a:latin typeface="Times New Roman" pitchFamily="18" charset="0"/>
+                <a:cs typeface="Times New Roman" pitchFamily="18" charset="0"/>
+              </a:rPr>
+              <a:t>to read a file containing JSON object </a:t>
+            </a:r>
+            <a:r>
+              <a:rPr lang="en-US" sz="1800" dirty="0" smtClean="0">
+                <a:latin typeface="Times New Roman" pitchFamily="18" charset="0"/>
+                <a:cs typeface="Times New Roman" pitchFamily="18" charset="0"/>
+              </a:rPr>
+              <a:t>This  method returns python dictionary.</a:t>
+            </a:r>
+          </a:p>
+          <a:p>
+            <a:pPr>
+              <a:lnSpc>
+                <a:spcPct val="120000"/>
+              </a:lnSpc>
+            </a:pPr>
+            <a:endParaRPr lang="en-US" sz="1800" dirty="0" smtClean="0">
               <a:latin typeface="Times New Roman" pitchFamily="18" charset="0"/>
               <a:cs typeface="Times New Roman" pitchFamily="18" charset="0"/>
             </a:endParaRPr>
           </a:p>
-        </p:txBody>
-      </p:sp>
-      <p:sp>
-        <p:nvSpPr>
-          <p:cNvPr id="3" name="Content Placeholder 2"/>
-          <p:cNvSpPr>
-            <a:spLocks noGrp="1"/>
-          </p:cNvSpPr>
-          <p:nvPr>
-            <p:ph sz="half" idx="2"/>
-          </p:nvPr>
-        </p:nvSpPr>
-        <p:spPr>
-          <a:xfrm>
-            <a:off x="228600" y="990600"/>
-            <a:ext cx="4495800" cy="5867400"/>
-          </a:xfrm>
-        </p:spPr>
-        <p:txBody>
-          <a:bodyPr>
-            <a:normAutofit fontScale="92500" lnSpcReduction="20000"/>
-          </a:bodyPr>
-          <a:lstStyle/>
-          <a:p>
-            <a:r>
-              <a:rPr lang="en-US" dirty="0">
-                <a:solidFill>
-                  <a:schemeClr val="tx2"/>
-                </a:solidFill>
-              </a:rPr>
-              <a:t>{</a:t>
-            </a:r>
-            <a:r>
-              <a:rPr lang="en-US" dirty="0" smtClean="0">
-                <a:solidFill>
-                  <a:schemeClr val="tx2"/>
-                </a:solidFill>
-              </a:rPr>
-              <a:t/>
-            </a:r>
-            <a:br>
-              <a:rPr lang="en-US" dirty="0" smtClean="0">
-                <a:solidFill>
-                  <a:schemeClr val="tx2"/>
-                </a:solidFill>
-              </a:rPr>
-            </a:br>
-            <a:r>
-              <a:rPr lang="en-US" dirty="0">
-                <a:solidFill>
-                  <a:schemeClr val="tx2"/>
-                </a:solidFill>
-              </a:rPr>
-              <a:t>    "name": "John",</a:t>
-            </a:r>
-            <a:r>
-              <a:rPr lang="en-US" dirty="0" smtClean="0">
-                <a:solidFill>
-                  <a:schemeClr val="tx2"/>
-                </a:solidFill>
-              </a:rPr>
-              <a:t/>
-            </a:r>
-            <a:br>
-              <a:rPr lang="en-US" dirty="0" smtClean="0">
-                <a:solidFill>
-                  <a:schemeClr val="tx2"/>
-                </a:solidFill>
-              </a:rPr>
-            </a:br>
-            <a:r>
-              <a:rPr lang="en-US" dirty="0">
-                <a:solidFill>
-                  <a:schemeClr val="tx2"/>
-                </a:solidFill>
-              </a:rPr>
-              <a:t>    "age": 30,</a:t>
-            </a:r>
-            <a:r>
-              <a:rPr lang="en-US" dirty="0" smtClean="0">
-                <a:solidFill>
-                  <a:schemeClr val="tx2"/>
-                </a:solidFill>
-              </a:rPr>
-              <a:t/>
-            </a:r>
-            <a:br>
-              <a:rPr lang="en-US" dirty="0" smtClean="0">
-                <a:solidFill>
-                  <a:schemeClr val="tx2"/>
-                </a:solidFill>
-              </a:rPr>
-            </a:br>
-            <a:r>
-              <a:rPr lang="en-US" dirty="0">
-                <a:solidFill>
-                  <a:schemeClr val="tx2"/>
-                </a:solidFill>
-              </a:rPr>
-              <a:t>    "married": true,</a:t>
-            </a:r>
-            <a:r>
-              <a:rPr lang="en-US" dirty="0" smtClean="0">
-                <a:solidFill>
-                  <a:schemeClr val="tx2"/>
-                </a:solidFill>
-              </a:rPr>
-              <a:t/>
-            </a:r>
-            <a:br>
-              <a:rPr lang="en-US" dirty="0" smtClean="0">
-                <a:solidFill>
-                  <a:schemeClr val="tx2"/>
-                </a:solidFill>
-              </a:rPr>
-            </a:br>
-            <a:r>
-              <a:rPr lang="en-US" dirty="0">
-                <a:solidFill>
-                  <a:schemeClr val="tx2"/>
-                </a:solidFill>
-              </a:rPr>
-              <a:t>    "divorced": false,</a:t>
-            </a:r>
-            <a:r>
-              <a:rPr lang="en-US" dirty="0" smtClean="0">
-                <a:solidFill>
-                  <a:schemeClr val="tx2"/>
-                </a:solidFill>
-              </a:rPr>
-              <a:t/>
-            </a:r>
-            <a:br>
-              <a:rPr lang="en-US" dirty="0" smtClean="0">
-                <a:solidFill>
-                  <a:schemeClr val="tx2"/>
-                </a:solidFill>
-              </a:rPr>
-            </a:br>
-            <a:r>
-              <a:rPr lang="en-US" dirty="0">
-                <a:solidFill>
-                  <a:schemeClr val="tx2"/>
-                </a:solidFill>
-              </a:rPr>
-              <a:t>    "children": [</a:t>
-            </a:r>
-            <a:r>
-              <a:rPr lang="en-US" dirty="0" smtClean="0">
-                <a:solidFill>
-                  <a:schemeClr val="tx2"/>
-                </a:solidFill>
-              </a:rPr>
-              <a:t/>
-            </a:r>
-            <a:br>
-              <a:rPr lang="en-US" dirty="0" smtClean="0">
-                <a:solidFill>
-                  <a:schemeClr val="tx2"/>
-                </a:solidFill>
-              </a:rPr>
-            </a:br>
-            <a:r>
-              <a:rPr lang="en-US" dirty="0">
-                <a:solidFill>
-                  <a:schemeClr val="tx2"/>
-                </a:solidFill>
-              </a:rPr>
-              <a:t>        "Ann",</a:t>
-            </a:r>
-            <a:r>
-              <a:rPr lang="en-US" dirty="0" smtClean="0">
-                <a:solidFill>
-                  <a:schemeClr val="tx2"/>
-                </a:solidFill>
-              </a:rPr>
-              <a:t/>
-            </a:r>
-            <a:br>
-              <a:rPr lang="en-US" dirty="0" smtClean="0">
-                <a:solidFill>
-                  <a:schemeClr val="tx2"/>
-                </a:solidFill>
-              </a:rPr>
-            </a:br>
-            <a:r>
-              <a:rPr lang="en-US" dirty="0">
-                <a:solidFill>
-                  <a:schemeClr val="tx2"/>
-                </a:solidFill>
-              </a:rPr>
-              <a:t>        "Billy"</a:t>
-            </a:r>
-            <a:r>
-              <a:rPr lang="en-US" dirty="0" smtClean="0">
-                <a:solidFill>
-                  <a:schemeClr val="tx2"/>
-                </a:solidFill>
-              </a:rPr>
-              <a:t/>
-            </a:r>
-            <a:br>
-              <a:rPr lang="en-US" dirty="0" smtClean="0">
-                <a:solidFill>
-                  <a:schemeClr val="tx2"/>
-                </a:solidFill>
-              </a:rPr>
-            </a:br>
-            <a:r>
-              <a:rPr lang="en-US" dirty="0">
-                <a:solidFill>
-                  <a:schemeClr val="tx2"/>
-                </a:solidFill>
-              </a:rPr>
-              <a:t>    ],</a:t>
-            </a:r>
-            <a:r>
-              <a:rPr lang="en-US" dirty="0" smtClean="0">
-                <a:solidFill>
-                  <a:schemeClr val="tx2"/>
-                </a:solidFill>
-              </a:rPr>
-              <a:t/>
-            </a:r>
-            <a:br>
-              <a:rPr lang="en-US" dirty="0" smtClean="0">
-                <a:solidFill>
-                  <a:schemeClr val="tx2"/>
-                </a:solidFill>
-              </a:rPr>
-            </a:br>
-            <a:r>
-              <a:rPr lang="en-US" dirty="0">
-                <a:solidFill>
-                  <a:schemeClr val="tx2"/>
-                </a:solidFill>
-              </a:rPr>
-              <a:t>    "pets": null,</a:t>
-            </a:r>
-            <a:r>
-              <a:rPr lang="en-US" dirty="0" smtClean="0">
-                <a:solidFill>
-                  <a:schemeClr val="tx2"/>
-                </a:solidFill>
-              </a:rPr>
-              <a:t/>
-            </a:r>
-            <a:br>
-              <a:rPr lang="en-US" dirty="0" smtClean="0">
-                <a:solidFill>
-                  <a:schemeClr val="tx2"/>
-                </a:solidFill>
-              </a:rPr>
-            </a:br>
-            <a:r>
-              <a:rPr lang="en-US" dirty="0">
-                <a:solidFill>
-                  <a:schemeClr val="tx2"/>
-                </a:solidFill>
-              </a:rPr>
-              <a:t>    "cars": [</a:t>
-            </a:r>
-            <a:r>
-              <a:rPr lang="en-US" dirty="0" smtClean="0">
-                <a:solidFill>
-                  <a:schemeClr val="tx2"/>
-                </a:solidFill>
-              </a:rPr>
-              <a:t/>
-            </a:r>
-            <a:br>
-              <a:rPr lang="en-US" dirty="0" smtClean="0">
-                <a:solidFill>
-                  <a:schemeClr val="tx2"/>
-                </a:solidFill>
-              </a:rPr>
-            </a:br>
-            <a:r>
-              <a:rPr lang="en-US" dirty="0">
-                <a:solidFill>
-                  <a:schemeClr val="tx2"/>
-                </a:solidFill>
-              </a:rPr>
-              <a:t>        {</a:t>
-            </a:r>
-            <a:r>
-              <a:rPr lang="en-US" dirty="0" smtClean="0">
-                <a:solidFill>
-                  <a:schemeClr val="tx2"/>
-                </a:solidFill>
-              </a:rPr>
-              <a:t/>
-            </a:r>
-            <a:br>
-              <a:rPr lang="en-US" dirty="0" smtClean="0">
-                <a:solidFill>
-                  <a:schemeClr val="tx2"/>
-                </a:solidFill>
-              </a:rPr>
-            </a:br>
-            <a:r>
-              <a:rPr lang="en-US" dirty="0">
-                <a:solidFill>
-                  <a:schemeClr val="tx2"/>
-                </a:solidFill>
-              </a:rPr>
-              <a:t>            "model": "BMW 230",</a:t>
-            </a:r>
-            <a:r>
-              <a:rPr lang="en-US" dirty="0" smtClean="0">
-                <a:solidFill>
-                  <a:schemeClr val="tx2"/>
-                </a:solidFill>
-              </a:rPr>
-              <a:t/>
-            </a:r>
-            <a:br>
-              <a:rPr lang="en-US" dirty="0" smtClean="0">
-                <a:solidFill>
-                  <a:schemeClr val="tx2"/>
-                </a:solidFill>
-              </a:rPr>
-            </a:br>
-            <a:r>
-              <a:rPr lang="en-US" dirty="0">
-                <a:solidFill>
-                  <a:schemeClr val="tx2"/>
-                </a:solidFill>
-              </a:rPr>
-              <a:t>            "mpg": 27.5</a:t>
-            </a:r>
-            <a:r>
-              <a:rPr lang="en-US" dirty="0" smtClean="0">
-                <a:solidFill>
-                  <a:schemeClr val="tx2"/>
-                </a:solidFill>
-              </a:rPr>
-              <a:t/>
-            </a:r>
-            <a:br>
-              <a:rPr lang="en-US" dirty="0" smtClean="0">
-                <a:solidFill>
-                  <a:schemeClr val="tx2"/>
-                </a:solidFill>
-              </a:rPr>
-            </a:br>
-            <a:r>
-              <a:rPr lang="en-US" dirty="0">
-                <a:solidFill>
-                  <a:schemeClr val="tx2"/>
-                </a:solidFill>
-              </a:rPr>
-              <a:t>        },</a:t>
-            </a:r>
-            <a:r>
-              <a:rPr lang="en-US" dirty="0" smtClean="0">
-                <a:solidFill>
-                  <a:schemeClr val="tx2"/>
-                </a:solidFill>
-              </a:rPr>
-              <a:t/>
-            </a:r>
-            <a:br>
-              <a:rPr lang="en-US" dirty="0" smtClean="0">
-                <a:solidFill>
-                  <a:schemeClr val="tx2"/>
-                </a:solidFill>
-              </a:rPr>
-            </a:br>
-            <a:r>
-              <a:rPr lang="en-US" dirty="0">
-                <a:solidFill>
-                  <a:schemeClr val="tx2"/>
-                </a:solidFill>
-              </a:rPr>
-              <a:t>        {</a:t>
-            </a:r>
-            <a:r>
-              <a:rPr lang="en-US" dirty="0" smtClean="0">
-                <a:solidFill>
-                  <a:schemeClr val="tx2"/>
-                </a:solidFill>
-              </a:rPr>
-              <a:t/>
-            </a:r>
-            <a:br>
-              <a:rPr lang="en-US" dirty="0" smtClean="0">
-                <a:solidFill>
-                  <a:schemeClr val="tx2"/>
-                </a:solidFill>
-              </a:rPr>
-            </a:br>
-            <a:r>
-              <a:rPr lang="en-US" dirty="0">
-                <a:solidFill>
-                  <a:schemeClr val="tx2"/>
-                </a:solidFill>
-              </a:rPr>
-              <a:t>            "model": "Ford Edge",</a:t>
-            </a:r>
-            <a:r>
-              <a:rPr lang="en-US" dirty="0" smtClean="0">
-                <a:solidFill>
-                  <a:schemeClr val="tx2"/>
-                </a:solidFill>
-              </a:rPr>
-              <a:t/>
-            </a:r>
-            <a:br>
-              <a:rPr lang="en-US" dirty="0" smtClean="0">
-                <a:solidFill>
-                  <a:schemeClr val="tx2"/>
-                </a:solidFill>
-              </a:rPr>
-            </a:br>
-            <a:r>
-              <a:rPr lang="en-US" dirty="0">
-                <a:solidFill>
-                  <a:schemeClr val="tx2"/>
-                </a:solidFill>
-              </a:rPr>
-              <a:t>            "mpg": 24.1</a:t>
-            </a:r>
-            <a:r>
-              <a:rPr lang="en-US" dirty="0" smtClean="0">
-                <a:solidFill>
-                  <a:schemeClr val="tx2"/>
-                </a:solidFill>
-              </a:rPr>
-              <a:t/>
-            </a:r>
-            <a:br>
-              <a:rPr lang="en-US" dirty="0" smtClean="0">
-                <a:solidFill>
-                  <a:schemeClr val="tx2"/>
-                </a:solidFill>
-              </a:rPr>
-            </a:br>
-            <a:r>
-              <a:rPr lang="en-US" dirty="0">
-                <a:solidFill>
-                  <a:schemeClr val="tx2"/>
-                </a:solidFill>
-              </a:rPr>
-              <a:t>        }</a:t>
-            </a:r>
-            <a:r>
-              <a:rPr lang="en-US" dirty="0" smtClean="0">
-                <a:solidFill>
-                  <a:schemeClr val="tx2"/>
-                </a:solidFill>
-              </a:rPr>
-              <a:t/>
-            </a:r>
-            <a:br>
-              <a:rPr lang="en-US" dirty="0" smtClean="0">
-                <a:solidFill>
-                  <a:schemeClr val="tx2"/>
-                </a:solidFill>
-              </a:rPr>
-            </a:br>
-            <a:r>
-              <a:rPr lang="en-US" dirty="0">
-                <a:solidFill>
-                  <a:schemeClr val="tx2"/>
-                </a:solidFill>
-              </a:rPr>
-              <a:t>    ]</a:t>
-            </a:r>
-            <a:r>
-              <a:rPr lang="en-US" dirty="0" smtClean="0">
-                <a:solidFill>
-                  <a:schemeClr val="tx2"/>
-                </a:solidFill>
-              </a:rPr>
-              <a:t/>
-            </a:r>
-            <a:br>
-              <a:rPr lang="en-US" dirty="0" smtClean="0">
-                <a:solidFill>
-                  <a:schemeClr val="tx2"/>
-                </a:solidFill>
-              </a:rPr>
-            </a:br>
-            <a:r>
-              <a:rPr lang="en-US" dirty="0">
-                <a:solidFill>
-                  <a:schemeClr val="tx2"/>
-                </a:solidFill>
-              </a:rPr>
-              <a:t>}</a:t>
-            </a:r>
-          </a:p>
-        </p:txBody>
-      </p:sp>
-      <p:sp>
-        <p:nvSpPr>
-          <p:cNvPr id="6" name="Text Placeholder 5"/>
-          <p:cNvSpPr>
-            <a:spLocks noGrp="1"/>
-          </p:cNvSpPr>
-          <p:nvPr>
-            <p:ph type="body" sz="quarter" idx="3"/>
-          </p:nvPr>
-        </p:nvSpPr>
-        <p:spPr>
-          <a:xfrm>
-            <a:off x="4572000" y="228600"/>
-            <a:ext cx="4038599" cy="533400"/>
-          </a:xfrm>
-        </p:spPr>
-        <p:txBody>
-          <a:bodyPr>
-            <a:normAutofit fontScale="70000" lnSpcReduction="20000"/>
-          </a:bodyPr>
-          <a:lstStyle/>
-          <a:p>
-            <a:r>
-              <a:rPr lang="en-US" dirty="0" smtClean="0"/>
-              <a:t> </a:t>
-            </a:r>
-            <a:r>
-              <a:rPr lang="en-US" b="0" dirty="0" smtClean="0">
-                <a:solidFill>
-                  <a:srgbClr val="FF0000"/>
-                </a:solidFill>
-                <a:latin typeface="Times New Roman" pitchFamily="18" charset="0"/>
-                <a:cs typeface="Times New Roman" pitchFamily="18" charset="0"/>
-              </a:rPr>
-              <a:t>using  indent parameter and  </a:t>
-            </a:r>
-            <a:r>
-              <a:rPr lang="en-US" b="0" dirty="0" err="1" smtClean="0">
-                <a:solidFill>
-                  <a:srgbClr val="FF0000"/>
-                </a:solidFill>
-                <a:latin typeface="Times New Roman" pitchFamily="18" charset="0"/>
-                <a:cs typeface="Times New Roman" pitchFamily="18" charset="0"/>
-              </a:rPr>
-              <a:t>Seperator</a:t>
-            </a:r>
-            <a:r>
-              <a:rPr lang="en-US" b="0" dirty="0" smtClean="0">
-                <a:solidFill>
-                  <a:srgbClr val="FF0000"/>
-                </a:solidFill>
-                <a:latin typeface="Times New Roman" pitchFamily="18" charset="0"/>
-                <a:cs typeface="Times New Roman" pitchFamily="18" charset="0"/>
-              </a:rPr>
-              <a:t>              parameter :</a:t>
-            </a:r>
+          <a:p>
+            <a:pPr>
+              <a:buNone/>
+            </a:pPr>
+            <a:r>
+              <a:rPr lang="en-US" sz="1800" dirty="0" smtClean="0"/>
+              <a:t> import </a:t>
+            </a:r>
+            <a:r>
+              <a:rPr lang="en-US" sz="1800" dirty="0" err="1" smtClean="0"/>
+              <a:t>json</a:t>
+            </a:r>
+            <a:endParaRPr lang="en-US" sz="1800" dirty="0" smtClean="0"/>
+          </a:p>
+          <a:p>
+            <a:endParaRPr lang="en-US" sz="1800" dirty="0" smtClean="0"/>
+          </a:p>
+          <a:p>
+            <a:pPr>
+              <a:buNone/>
+            </a:pPr>
+            <a:r>
+              <a:rPr lang="en-US" sz="1800" dirty="0" smtClean="0"/>
+              <a:t>      # some JSON:</a:t>
+            </a:r>
+          </a:p>
+          <a:p>
+            <a:pPr>
+              <a:buNone/>
+            </a:pPr>
+            <a:r>
+              <a:rPr lang="en-US" sz="1800" dirty="0" smtClean="0"/>
+              <a:t>     x = '{ "name":"John", "age":30, "city":"New York"}'</a:t>
+            </a:r>
+          </a:p>
+          <a:p>
+            <a:endParaRPr lang="en-US" sz="1800" dirty="0" smtClean="0"/>
+          </a:p>
+          <a:p>
+            <a:pPr>
+              <a:buNone/>
+            </a:pPr>
+            <a:r>
+              <a:rPr lang="en-US" sz="1800" dirty="0" smtClean="0"/>
+              <a:t>     # parse x:</a:t>
+            </a:r>
+          </a:p>
+          <a:p>
+            <a:pPr>
+              <a:buNone/>
+            </a:pPr>
+            <a:r>
+              <a:rPr lang="en-US" sz="1800" dirty="0" smtClean="0"/>
+              <a:t>      y = </a:t>
+            </a:r>
+            <a:r>
+              <a:rPr lang="en-US" sz="1800" dirty="0" err="1" smtClean="0"/>
+              <a:t>json.loads</a:t>
+            </a:r>
+            <a:r>
+              <a:rPr lang="en-US" sz="1800" dirty="0" smtClean="0"/>
+              <a:t>(x)</a:t>
+            </a:r>
+          </a:p>
+          <a:p>
+            <a:pPr>
+              <a:buNone/>
+            </a:pPr>
+            <a:endParaRPr lang="en-US" sz="1800" dirty="0" smtClean="0"/>
+          </a:p>
+          <a:p>
+            <a:pPr>
+              <a:buNone/>
+            </a:pPr>
+            <a:r>
+              <a:rPr lang="en-US" sz="1800" dirty="0" smtClean="0"/>
+              <a:t>      # the result is a Python dictionary:</a:t>
+            </a:r>
+          </a:p>
+          <a:p>
+            <a:pPr>
+              <a:buNone/>
+            </a:pPr>
+            <a:r>
+              <a:rPr lang="en-US" sz="1800" dirty="0" smtClean="0"/>
+              <a:t>      print(y)</a:t>
+            </a:r>
+          </a:p>
+          <a:p>
+            <a:pPr>
+              <a:buNone/>
+            </a:pPr>
+            <a:endParaRPr lang="en-US" sz="1800" dirty="0" smtClean="0"/>
+          </a:p>
+          <a:p>
+            <a:pPr>
+              <a:buNone/>
+            </a:pPr>
+            <a:r>
+              <a:rPr lang="en-US" sz="1800" dirty="0" smtClean="0"/>
+              <a:t>Output:</a:t>
+            </a:r>
+          </a:p>
+          <a:p>
+            <a:pPr>
+              <a:buNone/>
+            </a:pPr>
+            <a:endParaRPr lang="en-US" sz="1800" dirty="0" smtClean="0"/>
+          </a:p>
+          <a:p>
+            <a:pPr>
+              <a:buNone/>
+            </a:pPr>
+            <a:r>
+              <a:rPr lang="en-US" sz="1800" dirty="0" smtClean="0"/>
+              <a:t>{'name': 'John', 'age': 30, 'city': 'New York'}</a:t>
+            </a:r>
+            <a:endParaRPr lang="en-US" sz="1800" dirty="0" smtClean="0">
+              <a:latin typeface="Times New Roman" pitchFamily="18" charset="0"/>
+              <a:cs typeface="Times New Roman" pitchFamily="18" charset="0"/>
+            </a:endParaRPr>
+          </a:p>
+          <a:p>
+            <a:pPr>
+              <a:lnSpc>
+                <a:spcPct val="120000"/>
+              </a:lnSpc>
+            </a:pPr>
+            <a:endParaRPr lang="en-US" dirty="0">
+              <a:latin typeface="Times New Roman" pitchFamily="18" charset="0"/>
+              <a:cs typeface="Times New Roman" pitchFamily="18" charset="0"/>
+            </a:endParaRPr>
+          </a:p>
+          <a:p>
+            <a:pPr lvl="1">
+              <a:buNone/>
+            </a:pPr>
             <a:endParaRPr lang="en-US" dirty="0"/>
-          </a:p>
-        </p:txBody>
-      </p:sp>
-      <p:sp>
-        <p:nvSpPr>
-          <p:cNvPr id="7" name="Content Placeholder 6"/>
-          <p:cNvSpPr>
-            <a:spLocks noGrp="1"/>
-          </p:cNvSpPr>
-          <p:nvPr>
-            <p:ph sz="quarter" idx="4"/>
-          </p:nvPr>
-        </p:nvSpPr>
-        <p:spPr>
-          <a:xfrm>
-            <a:off x="4645025" y="762000"/>
-            <a:ext cx="4498975" cy="6096000"/>
-          </a:xfrm>
-        </p:spPr>
-        <p:txBody>
-          <a:bodyPr>
-            <a:normAutofit fontScale="92500" lnSpcReduction="20000"/>
-          </a:bodyPr>
-          <a:lstStyle/>
-          <a:p>
-            <a:r>
-              <a:rPr lang="en-US" dirty="0">
-                <a:solidFill>
-                  <a:schemeClr val="tx2"/>
-                </a:solidFill>
-              </a:rPr>
-              <a:t>{</a:t>
-            </a:r>
-            <a:r>
-              <a:rPr lang="en-US" dirty="0" smtClean="0">
-                <a:solidFill>
-                  <a:schemeClr val="tx2"/>
-                </a:solidFill>
-              </a:rPr>
-              <a:t/>
-            </a:r>
-            <a:br>
-              <a:rPr lang="en-US" dirty="0" smtClean="0">
-                <a:solidFill>
-                  <a:schemeClr val="tx2"/>
-                </a:solidFill>
-              </a:rPr>
-            </a:br>
-            <a:r>
-              <a:rPr lang="en-US" dirty="0">
-                <a:solidFill>
-                  <a:schemeClr val="tx2"/>
-                </a:solidFill>
-              </a:rPr>
-              <a:t>    "name" = "John".</a:t>
-            </a:r>
-            <a:r>
-              <a:rPr lang="en-US" dirty="0" smtClean="0">
-                <a:solidFill>
-                  <a:schemeClr val="tx2"/>
-                </a:solidFill>
-              </a:rPr>
-              <a:t/>
-            </a:r>
-            <a:br>
-              <a:rPr lang="en-US" dirty="0" smtClean="0">
-                <a:solidFill>
-                  <a:schemeClr val="tx2"/>
-                </a:solidFill>
-              </a:rPr>
-            </a:br>
-            <a:r>
-              <a:rPr lang="en-US" dirty="0">
-                <a:solidFill>
-                  <a:schemeClr val="tx2"/>
-                </a:solidFill>
-              </a:rPr>
-              <a:t>    "age" = 30.</a:t>
-            </a:r>
-            <a:r>
-              <a:rPr lang="en-US" dirty="0" smtClean="0">
-                <a:solidFill>
-                  <a:schemeClr val="tx2"/>
-                </a:solidFill>
-              </a:rPr>
-              <a:t/>
-            </a:r>
-            <a:br>
-              <a:rPr lang="en-US" dirty="0" smtClean="0">
-                <a:solidFill>
-                  <a:schemeClr val="tx2"/>
-                </a:solidFill>
-              </a:rPr>
-            </a:br>
-            <a:r>
-              <a:rPr lang="en-US" dirty="0">
-                <a:solidFill>
-                  <a:schemeClr val="tx2"/>
-                </a:solidFill>
-              </a:rPr>
-              <a:t>    "married" = true.</a:t>
-            </a:r>
-            <a:r>
-              <a:rPr lang="en-US" dirty="0" smtClean="0">
-                <a:solidFill>
-                  <a:schemeClr val="tx2"/>
-                </a:solidFill>
-              </a:rPr>
-              <a:t/>
-            </a:r>
-            <a:br>
-              <a:rPr lang="en-US" dirty="0" smtClean="0">
-                <a:solidFill>
-                  <a:schemeClr val="tx2"/>
-                </a:solidFill>
-              </a:rPr>
-            </a:br>
-            <a:r>
-              <a:rPr lang="en-US" dirty="0">
-                <a:solidFill>
-                  <a:schemeClr val="tx2"/>
-                </a:solidFill>
-              </a:rPr>
-              <a:t>    "divorced" = false.</a:t>
-            </a:r>
-            <a:r>
-              <a:rPr lang="en-US" dirty="0" smtClean="0">
-                <a:solidFill>
-                  <a:schemeClr val="tx2"/>
-                </a:solidFill>
-              </a:rPr>
-              <a:t/>
-            </a:r>
-            <a:br>
-              <a:rPr lang="en-US" dirty="0" smtClean="0">
-                <a:solidFill>
-                  <a:schemeClr val="tx2"/>
-                </a:solidFill>
-              </a:rPr>
-            </a:br>
-            <a:r>
-              <a:rPr lang="en-US" dirty="0">
-                <a:solidFill>
-                  <a:schemeClr val="tx2"/>
-                </a:solidFill>
-              </a:rPr>
-              <a:t>    "children" = [</a:t>
-            </a:r>
-            <a:r>
-              <a:rPr lang="en-US" dirty="0" smtClean="0">
-                <a:solidFill>
-                  <a:schemeClr val="tx2"/>
-                </a:solidFill>
-              </a:rPr>
-              <a:t/>
-            </a:r>
-            <a:br>
-              <a:rPr lang="en-US" dirty="0" smtClean="0">
-                <a:solidFill>
-                  <a:schemeClr val="tx2"/>
-                </a:solidFill>
-              </a:rPr>
-            </a:br>
-            <a:r>
-              <a:rPr lang="en-US" dirty="0">
-                <a:solidFill>
-                  <a:schemeClr val="tx2"/>
-                </a:solidFill>
-              </a:rPr>
-              <a:t>        "Ann".</a:t>
-            </a:r>
-            <a:r>
-              <a:rPr lang="en-US" dirty="0" smtClean="0">
-                <a:solidFill>
-                  <a:schemeClr val="tx2"/>
-                </a:solidFill>
-              </a:rPr>
-              <a:t/>
-            </a:r>
-            <a:br>
-              <a:rPr lang="en-US" dirty="0" smtClean="0">
-                <a:solidFill>
-                  <a:schemeClr val="tx2"/>
-                </a:solidFill>
-              </a:rPr>
-            </a:br>
-            <a:r>
-              <a:rPr lang="en-US" dirty="0">
-                <a:solidFill>
-                  <a:schemeClr val="tx2"/>
-                </a:solidFill>
-              </a:rPr>
-              <a:t>        "Billy"</a:t>
-            </a:r>
-            <a:r>
-              <a:rPr lang="en-US" dirty="0" smtClean="0">
-                <a:solidFill>
-                  <a:schemeClr val="tx2"/>
-                </a:solidFill>
-              </a:rPr>
-              <a:t/>
-            </a:r>
-            <a:br>
-              <a:rPr lang="en-US" dirty="0" smtClean="0">
-                <a:solidFill>
-                  <a:schemeClr val="tx2"/>
-                </a:solidFill>
-              </a:rPr>
-            </a:br>
-            <a:r>
-              <a:rPr lang="en-US" dirty="0">
-                <a:solidFill>
-                  <a:schemeClr val="tx2"/>
-                </a:solidFill>
-              </a:rPr>
-              <a:t>    ],</a:t>
-            </a:r>
-            <a:r>
-              <a:rPr lang="en-US" dirty="0" smtClean="0">
-                <a:solidFill>
-                  <a:schemeClr val="tx2"/>
-                </a:solidFill>
-              </a:rPr>
-              <a:t/>
-            </a:r>
-            <a:br>
-              <a:rPr lang="en-US" dirty="0" smtClean="0">
-                <a:solidFill>
-                  <a:schemeClr val="tx2"/>
-                </a:solidFill>
-              </a:rPr>
-            </a:br>
-            <a:r>
-              <a:rPr lang="en-US" dirty="0">
-                <a:solidFill>
-                  <a:schemeClr val="tx2"/>
-                </a:solidFill>
-              </a:rPr>
-              <a:t>    "pets" = null.</a:t>
-            </a:r>
-            <a:r>
-              <a:rPr lang="en-US" dirty="0" smtClean="0">
-                <a:solidFill>
-                  <a:schemeClr val="tx2"/>
-                </a:solidFill>
-              </a:rPr>
-              <a:t/>
-            </a:r>
-            <a:br>
-              <a:rPr lang="en-US" dirty="0" smtClean="0">
-                <a:solidFill>
-                  <a:schemeClr val="tx2"/>
-                </a:solidFill>
-              </a:rPr>
-            </a:br>
-            <a:r>
-              <a:rPr lang="en-US" dirty="0">
-                <a:solidFill>
-                  <a:schemeClr val="tx2"/>
-                </a:solidFill>
-              </a:rPr>
-              <a:t>    "cars" = [</a:t>
-            </a:r>
-            <a:r>
-              <a:rPr lang="en-US" dirty="0" smtClean="0">
-                <a:solidFill>
-                  <a:schemeClr val="tx2"/>
-                </a:solidFill>
-              </a:rPr>
-              <a:t/>
-            </a:r>
-            <a:br>
-              <a:rPr lang="en-US" dirty="0" smtClean="0">
-                <a:solidFill>
-                  <a:schemeClr val="tx2"/>
-                </a:solidFill>
-              </a:rPr>
-            </a:br>
-            <a:r>
-              <a:rPr lang="en-US" dirty="0">
-                <a:solidFill>
-                  <a:schemeClr val="tx2"/>
-                </a:solidFill>
-              </a:rPr>
-              <a:t>        {</a:t>
-            </a:r>
-            <a:r>
-              <a:rPr lang="en-US" dirty="0" smtClean="0">
-                <a:solidFill>
-                  <a:schemeClr val="tx2"/>
-                </a:solidFill>
-              </a:rPr>
-              <a:t/>
-            </a:r>
-            <a:br>
-              <a:rPr lang="en-US" dirty="0" smtClean="0">
-                <a:solidFill>
-                  <a:schemeClr val="tx2"/>
-                </a:solidFill>
-              </a:rPr>
-            </a:br>
-            <a:r>
-              <a:rPr lang="en-US" dirty="0">
-                <a:solidFill>
-                  <a:schemeClr val="tx2"/>
-                </a:solidFill>
-              </a:rPr>
-              <a:t>            "model" = "BMW 230".</a:t>
-            </a:r>
-            <a:r>
-              <a:rPr lang="en-US" dirty="0" smtClean="0">
-                <a:solidFill>
-                  <a:schemeClr val="tx2"/>
-                </a:solidFill>
-              </a:rPr>
-              <a:t/>
-            </a:r>
-            <a:br>
-              <a:rPr lang="en-US" dirty="0" smtClean="0">
-                <a:solidFill>
-                  <a:schemeClr val="tx2"/>
-                </a:solidFill>
-              </a:rPr>
-            </a:br>
-            <a:r>
-              <a:rPr lang="en-US" dirty="0">
-                <a:solidFill>
-                  <a:schemeClr val="tx2"/>
-                </a:solidFill>
-              </a:rPr>
-              <a:t>            "mpg" = 27.5</a:t>
-            </a:r>
-            <a:r>
-              <a:rPr lang="en-US" dirty="0" smtClean="0">
-                <a:solidFill>
-                  <a:schemeClr val="tx2"/>
-                </a:solidFill>
-              </a:rPr>
-              <a:t/>
-            </a:r>
-            <a:br>
-              <a:rPr lang="en-US" dirty="0" smtClean="0">
-                <a:solidFill>
-                  <a:schemeClr val="tx2"/>
-                </a:solidFill>
-              </a:rPr>
-            </a:br>
-            <a:r>
-              <a:rPr lang="en-US" dirty="0">
-                <a:solidFill>
-                  <a:schemeClr val="tx2"/>
-                </a:solidFill>
-              </a:rPr>
-              <a:t>        }.</a:t>
-            </a:r>
-            <a:r>
-              <a:rPr lang="en-US" dirty="0" smtClean="0">
-                <a:solidFill>
-                  <a:schemeClr val="tx2"/>
-                </a:solidFill>
-              </a:rPr>
-              <a:t/>
-            </a:r>
-            <a:br>
-              <a:rPr lang="en-US" dirty="0" smtClean="0">
-                <a:solidFill>
-                  <a:schemeClr val="tx2"/>
-                </a:solidFill>
-              </a:rPr>
-            </a:br>
-            <a:r>
-              <a:rPr lang="en-US" dirty="0">
-                <a:solidFill>
-                  <a:schemeClr val="tx2"/>
-                </a:solidFill>
-              </a:rPr>
-              <a:t>        {</a:t>
-            </a:r>
-            <a:r>
-              <a:rPr lang="en-US" dirty="0" smtClean="0">
-                <a:solidFill>
-                  <a:schemeClr val="tx2"/>
-                </a:solidFill>
-              </a:rPr>
-              <a:t/>
-            </a:r>
-            <a:br>
-              <a:rPr lang="en-US" dirty="0" smtClean="0">
-                <a:solidFill>
-                  <a:schemeClr val="tx2"/>
-                </a:solidFill>
-              </a:rPr>
-            </a:br>
-            <a:r>
-              <a:rPr lang="en-US" dirty="0">
-                <a:solidFill>
-                  <a:schemeClr val="tx2"/>
-                </a:solidFill>
-              </a:rPr>
-              <a:t>            "model" = "Ford Edge".</a:t>
-            </a:r>
-            <a:r>
-              <a:rPr lang="en-US" dirty="0" smtClean="0">
-                <a:solidFill>
-                  <a:schemeClr val="tx2"/>
-                </a:solidFill>
-              </a:rPr>
-              <a:t/>
-            </a:r>
-            <a:br>
-              <a:rPr lang="en-US" dirty="0" smtClean="0">
-                <a:solidFill>
-                  <a:schemeClr val="tx2"/>
-                </a:solidFill>
-              </a:rPr>
-            </a:br>
-            <a:r>
-              <a:rPr lang="en-US" dirty="0">
-                <a:solidFill>
-                  <a:schemeClr val="tx2"/>
-                </a:solidFill>
-              </a:rPr>
-              <a:t>            "mpg" = 24.1</a:t>
-            </a:r>
-            <a:r>
-              <a:rPr lang="en-US" dirty="0" smtClean="0">
-                <a:solidFill>
-                  <a:schemeClr val="tx2"/>
-                </a:solidFill>
-              </a:rPr>
-              <a:t/>
-            </a:r>
-            <a:br>
-              <a:rPr lang="en-US" dirty="0" smtClean="0">
-                <a:solidFill>
-                  <a:schemeClr val="tx2"/>
-                </a:solidFill>
-              </a:rPr>
-            </a:br>
-            <a:r>
-              <a:rPr lang="en-US" dirty="0">
-                <a:solidFill>
-                  <a:schemeClr val="tx2"/>
-                </a:solidFill>
-              </a:rPr>
-              <a:t>        }</a:t>
-            </a:r>
-            <a:r>
-              <a:rPr lang="en-US" dirty="0" smtClean="0">
-                <a:solidFill>
-                  <a:schemeClr val="tx2"/>
-                </a:solidFill>
-              </a:rPr>
-              <a:t/>
-            </a:r>
-            <a:br>
-              <a:rPr lang="en-US" dirty="0" smtClean="0">
-                <a:solidFill>
-                  <a:schemeClr val="tx2"/>
-                </a:solidFill>
-              </a:rPr>
-            </a:br>
-            <a:r>
-              <a:rPr lang="en-US" dirty="0">
-                <a:solidFill>
-                  <a:schemeClr val="tx2"/>
-                </a:solidFill>
-              </a:rPr>
-              <a:t>    ]</a:t>
-            </a:r>
-            <a:r>
-              <a:rPr lang="en-US" dirty="0" smtClean="0">
-                <a:solidFill>
-                  <a:schemeClr val="tx2"/>
-                </a:solidFill>
-              </a:rPr>
-              <a:t/>
-            </a:r>
-            <a:br>
-              <a:rPr lang="en-US" dirty="0" smtClean="0">
-                <a:solidFill>
-                  <a:schemeClr val="tx2"/>
-                </a:solidFill>
-              </a:rPr>
-            </a:br>
-            <a:r>
-              <a:rPr lang="en-US" dirty="0">
-                <a:solidFill>
-                  <a:schemeClr val="tx2"/>
-                </a:solidFill>
-              </a:rPr>
-              <a:t>}</a:t>
-            </a:r>
           </a:p>
         </p:txBody>
       </p:sp>
@@ -7946,201 +7742,79 @@
             <p:ph type="title"/>
           </p:nvPr>
         </p:nvSpPr>
+        <p:spPr/>
+        <p:txBody>
+          <a:bodyPr/>
+          <a:lstStyle/>
+          <a:p>
+            <a:r>
+              <a:rPr lang="en-US" sz="2800" dirty="0" smtClean="0">
+                <a:solidFill>
+                  <a:srgbClr val="00B050"/>
+                </a:solidFill>
+              </a:rPr>
+              <a:t>Convert from JSON to Python:</a:t>
+            </a:r>
+            <a:r>
+              <a:rPr lang="en-US" dirty="0" smtClean="0"/>
+              <a:t>   </a:t>
+            </a:r>
+            <a:endParaRPr lang="en-US" dirty="0"/>
+          </a:p>
+        </p:txBody>
+      </p:sp>
+      <p:sp>
+        <p:nvSpPr>
+          <p:cNvPr id="5" name="Content Placeholder 4"/>
+          <p:cNvSpPr>
+            <a:spLocks noGrp="1"/>
+          </p:cNvSpPr>
+          <p:nvPr>
+            <p:ph idx="1"/>
+          </p:nvPr>
+        </p:nvSpPr>
+        <p:spPr/>
+        <p:txBody>
+          <a:bodyPr>
+            <a:normAutofit/>
+          </a:bodyPr>
+          <a:lstStyle/>
+          <a:p>
+            <a:pPr>
+              <a:buNone/>
+            </a:pPr>
+            <a:r>
+              <a:rPr lang="en-US" sz="1600" dirty="0" smtClean="0"/>
+              <a:t>  </a:t>
+            </a:r>
+            <a:endParaRPr lang="en-US" sz="1600" dirty="0"/>
+          </a:p>
+        </p:txBody>
+      </p:sp>
+      <p:pic>
+        <p:nvPicPr>
+          <p:cNvPr id="6" name="Picture 5" descr="pas.PNG"/>
+          <p:cNvPicPr>
+            <a:picLocks noChangeAspect="1"/>
+          </p:cNvPicPr>
+          <p:nvPr/>
+        </p:nvPicPr>
+        <p:blipFill>
+          <a:blip r:embed="rId2"/>
+          <a:stretch>
+            <a:fillRect/>
+          </a:stretch>
+        </p:blipFill>
         <p:spPr>
           <a:xfrm>
-            <a:off x="457200" y="274638"/>
-            <a:ext cx="8229600" cy="868362"/>
+            <a:off x="762000" y="1905000"/>
+            <a:ext cx="7086600" cy="3581400"/>
           </a:xfrm>
+          <a:prstGeom prst="rect">
+            <a:avLst/>
+          </a:prstGeom>
         </p:spPr>
-        <p:txBody>
-          <a:bodyPr>
-            <a:normAutofit fontScale="90000"/>
-          </a:bodyPr>
-          <a:lstStyle/>
-          <a:p>
-            <a:r>
-              <a:rPr lang="en-US" sz="3600" u="sng" dirty="0" smtClean="0">
-                <a:solidFill>
-                  <a:srgbClr val="FF0000"/>
-                </a:solidFill>
-                <a:latin typeface="Times New Roman" pitchFamily="18" charset="0"/>
-                <a:cs typeface="Times New Roman" pitchFamily="18" charset="0"/>
-              </a:rPr>
-              <a:t>Order the Result</a:t>
-            </a:r>
-            <a:r>
-              <a:rPr lang="en-US" dirty="0" smtClean="0"/>
-              <a:t/>
-            </a:r>
-            <a:br>
-              <a:rPr lang="en-US" dirty="0" smtClean="0"/>
-            </a:br>
-            <a:endParaRPr lang="en-US" dirty="0"/>
-          </a:p>
-        </p:txBody>
-      </p:sp>
-      <p:sp>
-        <p:nvSpPr>
-          <p:cNvPr id="3" name="Content Placeholder 2"/>
-          <p:cNvSpPr>
-            <a:spLocks noGrp="1"/>
-          </p:cNvSpPr>
-          <p:nvPr>
-            <p:ph idx="1"/>
-          </p:nvPr>
-        </p:nvSpPr>
-        <p:spPr/>
-        <p:txBody>
-          <a:bodyPr>
-            <a:normAutofit fontScale="92500" lnSpcReduction="10000"/>
-          </a:bodyPr>
-          <a:lstStyle/>
-          <a:p>
-            <a:r>
-              <a:rPr lang="en-US" dirty="0" smtClean="0">
-                <a:latin typeface="Times New Roman" pitchFamily="18" charset="0"/>
-                <a:cs typeface="Times New Roman" pitchFamily="18" charset="0"/>
-              </a:rPr>
-              <a:t>The</a:t>
-            </a:r>
-            <a:r>
-              <a:rPr lang="en-US" dirty="0">
-                <a:latin typeface="Times New Roman" pitchFamily="18" charset="0"/>
-                <a:cs typeface="Times New Roman" pitchFamily="18" charset="0"/>
-              </a:rPr>
-              <a:t> </a:t>
-            </a:r>
-            <a:r>
-              <a:rPr lang="en-US" dirty="0" err="1">
-                <a:latin typeface="Times New Roman" pitchFamily="18" charset="0"/>
-                <a:cs typeface="Times New Roman" pitchFamily="18" charset="0"/>
-              </a:rPr>
-              <a:t>json.dumps</a:t>
-            </a:r>
-            <a:r>
-              <a:rPr lang="en-US" dirty="0">
-                <a:latin typeface="Times New Roman" pitchFamily="18" charset="0"/>
-                <a:cs typeface="Times New Roman" pitchFamily="18" charset="0"/>
-              </a:rPr>
-              <a:t>() method has parameters to order the keys in the result:</a:t>
-            </a:r>
-          </a:p>
-          <a:p>
-            <a:r>
-              <a:rPr lang="en-US" dirty="0">
-                <a:latin typeface="Times New Roman" pitchFamily="18" charset="0"/>
-                <a:cs typeface="Times New Roman" pitchFamily="18" charset="0"/>
-              </a:rPr>
-              <a:t>Example</a:t>
-            </a:r>
-          </a:p>
-          <a:p>
-            <a:r>
-              <a:rPr lang="en-US" dirty="0">
-                <a:latin typeface="Times New Roman" pitchFamily="18" charset="0"/>
-                <a:cs typeface="Times New Roman" pitchFamily="18" charset="0"/>
-              </a:rPr>
-              <a:t>Use the </a:t>
-            </a:r>
-            <a:r>
-              <a:rPr lang="en-US" dirty="0" err="1">
-                <a:latin typeface="Times New Roman" pitchFamily="18" charset="0"/>
-                <a:cs typeface="Times New Roman" pitchFamily="18" charset="0"/>
-              </a:rPr>
-              <a:t>sort_keys</a:t>
-            </a:r>
-            <a:r>
-              <a:rPr lang="en-US" dirty="0">
-                <a:latin typeface="Times New Roman" pitchFamily="18" charset="0"/>
-                <a:cs typeface="Times New Roman" pitchFamily="18" charset="0"/>
-              </a:rPr>
-              <a:t> parameter to specify if the result should be sorted or not</a:t>
-            </a:r>
-            <a:r>
-              <a:rPr lang="en-US" dirty="0"/>
-              <a:t>:</a:t>
-            </a:r>
-          </a:p>
-          <a:p>
-            <a:pPr>
-              <a:buNone/>
-            </a:pPr>
-            <a:r>
-              <a:rPr lang="en-US" dirty="0" smtClean="0">
-                <a:solidFill>
-                  <a:schemeClr val="tx2"/>
-                </a:solidFill>
-              </a:rPr>
-              <a:t>         </a:t>
-            </a:r>
-            <a:r>
-              <a:rPr lang="en-US" dirty="0" err="1" smtClean="0">
-                <a:solidFill>
-                  <a:schemeClr val="tx2"/>
-                </a:solidFill>
-              </a:rPr>
-              <a:t>json.dumps</a:t>
-            </a:r>
-            <a:r>
-              <a:rPr lang="en-US" dirty="0" smtClean="0">
-                <a:solidFill>
-                  <a:schemeClr val="tx2"/>
-                </a:solidFill>
-              </a:rPr>
-              <a:t>(x</a:t>
-            </a:r>
-            <a:r>
-              <a:rPr lang="en-US" dirty="0">
-                <a:solidFill>
-                  <a:schemeClr val="tx2"/>
-                </a:solidFill>
-              </a:rPr>
-              <a:t>, indent=4, </a:t>
-            </a:r>
-            <a:r>
-              <a:rPr lang="en-US" dirty="0" err="1">
-                <a:solidFill>
-                  <a:schemeClr val="tx2"/>
-                </a:solidFill>
-              </a:rPr>
-              <a:t>sort_keys</a:t>
-            </a:r>
-            <a:r>
-              <a:rPr lang="en-US" dirty="0">
-                <a:solidFill>
-                  <a:schemeClr val="tx2"/>
-                </a:solidFill>
-              </a:rPr>
-              <a:t>=True)</a:t>
-            </a:r>
-            <a:br>
-              <a:rPr lang="en-US" dirty="0">
-                <a:solidFill>
-                  <a:schemeClr val="tx2"/>
-                </a:solidFill>
-              </a:rPr>
-            </a:br>
-            <a:endParaRPr lang="en-US" dirty="0">
-              <a:solidFill>
-                <a:schemeClr val="tx2"/>
-              </a:solidFill>
-            </a:endParaRPr>
-          </a:p>
-          <a:p>
-            <a:pPr>
-              <a:buNone/>
-            </a:pPr>
-            <a:r>
-              <a:rPr lang="en-US" dirty="0" smtClean="0"/>
-              <a:t/>
-            </a:r>
-            <a:br>
-              <a:rPr lang="en-US" dirty="0" smtClean="0"/>
-            </a:br>
-            <a:endParaRPr lang="en-US" dirty="0"/>
-          </a:p>
-        </p:txBody>
-      </p:sp>
+      </p:pic>
     </p:spTree>
   </p:cSld>
   <p:clrMapOvr>
